--- a/화면.pptx
+++ b/화면.pptx
@@ -9,11 +9,15 @@
     <p:sldId id="257" r:id="rId3"/>
     <p:sldId id="258" r:id="rId4"/>
     <p:sldId id="259" r:id="rId5"/>
-    <p:sldId id="260" r:id="rId6"/>
-    <p:sldId id="261" r:id="rId7"/>
-    <p:sldId id="262" r:id="rId8"/>
-    <p:sldId id="263" r:id="rId9"/>
-    <p:sldId id="264" r:id="rId10"/>
+    <p:sldId id="269" r:id="rId6"/>
+    <p:sldId id="270" r:id="rId7"/>
+    <p:sldId id="267" r:id="rId8"/>
+    <p:sldId id="260" r:id="rId9"/>
+    <p:sldId id="262" r:id="rId10"/>
+    <p:sldId id="265" r:id="rId11"/>
+    <p:sldId id="268" r:id="rId12"/>
+    <p:sldId id="264" r:id="rId13"/>
+    <p:sldId id="266" r:id="rId14"/>
   </p:sldIdLst>
   <p:sldSz cx="12192000" cy="6858000"/>
   <p:notesSz cx="6858000" cy="9144000"/>
@@ -112,6 +116,11 @@
       </a:defRPr>
     </a:lvl9pPr>
   </p:defaultTextStyle>
+  <p:extLst>
+    <p:ext uri="{EFAFB233-063F-42B5-8137-9DF3F51BA10A}">
+      <p15:sldGuideLst xmlns:p15="http://schemas.microsoft.com/office/powerpoint/2012/main"/>
+    </p:ext>
+  </p:extLst>
 </p:presentation>
 </file>
 
@@ -262,7 +271,7 @@
           <a:p>
             <a:fld id="{F6302888-3A84-4727-8EFF-7D36D2377E23}" type="datetimeFigureOut">
               <a:rPr lang="ko-KR" altLang="en-US" smtClean="0"/>
-              <a:t>2022-01-02</a:t>
+              <a:t>2022-01-04</a:t>
             </a:fld>
             <a:endParaRPr lang="ko-KR" altLang="en-US"/>
           </a:p>
@@ -460,7 +469,7 @@
           <a:p>
             <a:fld id="{F6302888-3A84-4727-8EFF-7D36D2377E23}" type="datetimeFigureOut">
               <a:rPr lang="ko-KR" altLang="en-US" smtClean="0"/>
-              <a:t>2022-01-02</a:t>
+              <a:t>2022-01-04</a:t>
             </a:fld>
             <a:endParaRPr lang="ko-KR" altLang="en-US"/>
           </a:p>
@@ -668,7 +677,7 @@
           <a:p>
             <a:fld id="{F6302888-3A84-4727-8EFF-7D36D2377E23}" type="datetimeFigureOut">
               <a:rPr lang="ko-KR" altLang="en-US" smtClean="0"/>
-              <a:t>2022-01-02</a:t>
+              <a:t>2022-01-04</a:t>
             </a:fld>
             <a:endParaRPr lang="ko-KR" altLang="en-US"/>
           </a:p>
@@ -866,7 +875,7 @@
           <a:p>
             <a:fld id="{F6302888-3A84-4727-8EFF-7D36D2377E23}" type="datetimeFigureOut">
               <a:rPr lang="ko-KR" altLang="en-US" smtClean="0"/>
-              <a:t>2022-01-02</a:t>
+              <a:t>2022-01-04</a:t>
             </a:fld>
             <a:endParaRPr lang="ko-KR" altLang="en-US"/>
           </a:p>
@@ -1141,7 +1150,7 @@
           <a:p>
             <a:fld id="{F6302888-3A84-4727-8EFF-7D36D2377E23}" type="datetimeFigureOut">
               <a:rPr lang="ko-KR" altLang="en-US" smtClean="0"/>
-              <a:t>2022-01-02</a:t>
+              <a:t>2022-01-04</a:t>
             </a:fld>
             <a:endParaRPr lang="ko-KR" altLang="en-US"/>
           </a:p>
@@ -1406,7 +1415,7 @@
           <a:p>
             <a:fld id="{F6302888-3A84-4727-8EFF-7D36D2377E23}" type="datetimeFigureOut">
               <a:rPr lang="ko-KR" altLang="en-US" smtClean="0"/>
-              <a:t>2022-01-02</a:t>
+              <a:t>2022-01-04</a:t>
             </a:fld>
             <a:endParaRPr lang="ko-KR" altLang="en-US"/>
           </a:p>
@@ -1818,7 +1827,7 @@
           <a:p>
             <a:fld id="{F6302888-3A84-4727-8EFF-7D36D2377E23}" type="datetimeFigureOut">
               <a:rPr lang="ko-KR" altLang="en-US" smtClean="0"/>
-              <a:t>2022-01-02</a:t>
+              <a:t>2022-01-04</a:t>
             </a:fld>
             <a:endParaRPr lang="ko-KR" altLang="en-US"/>
           </a:p>
@@ -1959,7 +1968,7 @@
           <a:p>
             <a:fld id="{F6302888-3A84-4727-8EFF-7D36D2377E23}" type="datetimeFigureOut">
               <a:rPr lang="ko-KR" altLang="en-US" smtClean="0"/>
-              <a:t>2022-01-02</a:t>
+              <a:t>2022-01-04</a:t>
             </a:fld>
             <a:endParaRPr lang="ko-KR" altLang="en-US"/>
           </a:p>
@@ -2072,7 +2081,7 @@
           <a:p>
             <a:fld id="{F6302888-3A84-4727-8EFF-7D36D2377E23}" type="datetimeFigureOut">
               <a:rPr lang="ko-KR" altLang="en-US" smtClean="0"/>
-              <a:t>2022-01-02</a:t>
+              <a:t>2022-01-04</a:t>
             </a:fld>
             <a:endParaRPr lang="ko-KR" altLang="en-US"/>
           </a:p>
@@ -2383,7 +2392,7 @@
           <a:p>
             <a:fld id="{F6302888-3A84-4727-8EFF-7D36D2377E23}" type="datetimeFigureOut">
               <a:rPr lang="ko-KR" altLang="en-US" smtClean="0"/>
-              <a:t>2022-01-02</a:t>
+              <a:t>2022-01-04</a:t>
             </a:fld>
             <a:endParaRPr lang="ko-KR" altLang="en-US"/>
           </a:p>
@@ -2671,7 +2680,7 @@
           <a:p>
             <a:fld id="{F6302888-3A84-4727-8EFF-7D36D2377E23}" type="datetimeFigureOut">
               <a:rPr lang="ko-KR" altLang="en-US" smtClean="0"/>
-              <a:t>2022-01-02</a:t>
+              <a:t>2022-01-04</a:t>
             </a:fld>
             <a:endParaRPr lang="ko-KR" altLang="en-US"/>
           </a:p>
@@ -2912,7 +2921,7 @@
           <a:p>
             <a:fld id="{F6302888-3A84-4727-8EFF-7D36D2377E23}" type="datetimeFigureOut">
               <a:rPr lang="ko-KR" altLang="en-US" smtClean="0"/>
-              <a:t>2022-01-02</a:t>
+              <a:t>2022-01-04</a:t>
             </a:fld>
             <a:endParaRPr lang="ko-KR" altLang="en-US"/>
           </a:p>
@@ -3636,7 +3645,7 @@
 </p:sld>
 </file>
 
-<file path=ppt/slides/slide2.xml><?xml version="1.0" encoding="utf-8"?>
+<file path=ppt/slides/slide10.xml><?xml version="1.0" encoding="utf-8"?>
 <p:sld xmlns:a="http://schemas.openxmlformats.org/drawingml/2006/main" xmlns:r="http://schemas.openxmlformats.org/officeDocument/2006/relationships" xmlns:p="http://schemas.openxmlformats.org/presentationml/2006/main">
   <p:cSld>
     <p:spTree>
@@ -3655,10 +3664,10 @@
       </p:grpSpPr>
       <p:sp>
         <p:nvSpPr>
-          <p:cNvPr id="2" name="사각형: 둥근 모서리 1">
-            <a:extLst>
-              <a:ext uri="{FF2B5EF4-FFF2-40B4-BE49-F238E27FC236}">
-                <a16:creationId xmlns:a16="http://schemas.microsoft.com/office/drawing/2014/main" id="{D261D5D9-B323-4B7E-9E72-154499C678BB}"/>
+          <p:cNvPr id="18" name="직사각형 17">
+            <a:extLst>
+              <a:ext uri="{FF2B5EF4-FFF2-40B4-BE49-F238E27FC236}">
+                <a16:creationId xmlns:a16="http://schemas.microsoft.com/office/drawing/2014/main" id="{CDC4EE87-45EC-40D8-A336-E667EDAC60CC}"/>
               </a:ext>
             </a:extLst>
           </p:cNvPr>
@@ -3667,12 +3676,18 @@
         </p:nvSpPr>
         <p:spPr>
           <a:xfrm>
-            <a:off x="4177553" y="2662517"/>
-            <a:ext cx="3030071" cy="419057"/>
-          </a:xfrm>
-          <a:prstGeom prst="roundRect">
-            <a:avLst/>
-          </a:prstGeom>
+            <a:off x="1219200" y="690282"/>
+            <a:ext cx="8910918" cy="5549153"/>
+          </a:xfrm>
+          <a:prstGeom prst="rect">
+            <a:avLst/>
+          </a:prstGeom>
+          <a:noFill/>
+          <a:ln w="28575">
+            <a:solidFill>
+              <a:schemeClr val="tx1"/>
+            </a:solidFill>
+          </a:ln>
         </p:spPr>
         <p:style>
           <a:lnRef idx="2">
@@ -3699,58 +3714,6 @@
           </a:p>
         </p:txBody>
       </p:sp>
-      <p:sp>
-        <p:nvSpPr>
-          <p:cNvPr id="18" name="직사각형 17">
-            <a:extLst>
-              <a:ext uri="{FF2B5EF4-FFF2-40B4-BE49-F238E27FC236}">
-                <a16:creationId xmlns:a16="http://schemas.microsoft.com/office/drawing/2014/main" id="{CDC4EE87-45EC-40D8-A336-E667EDAC60CC}"/>
-              </a:ext>
-            </a:extLst>
-          </p:cNvPr>
-          <p:cNvSpPr/>
-          <p:nvPr/>
-        </p:nvSpPr>
-        <p:spPr>
-          <a:xfrm>
-            <a:off x="1219200" y="690282"/>
-            <a:ext cx="8910918" cy="5549153"/>
-          </a:xfrm>
-          <a:prstGeom prst="rect">
-            <a:avLst/>
-          </a:prstGeom>
-          <a:noFill/>
-          <a:ln w="28575">
-            <a:solidFill>
-              <a:schemeClr val="tx1"/>
-            </a:solidFill>
-          </a:ln>
-        </p:spPr>
-        <p:style>
-          <a:lnRef idx="2">
-            <a:schemeClr val="accent1">
-              <a:shade val="50000"/>
-            </a:schemeClr>
-          </a:lnRef>
-          <a:fillRef idx="1">
-            <a:schemeClr val="accent1"/>
-          </a:fillRef>
-          <a:effectRef idx="0">
-            <a:schemeClr val="accent1"/>
-          </a:effectRef>
-          <a:fontRef idx="minor">
-            <a:schemeClr val="lt1"/>
-          </a:fontRef>
-        </p:style>
-        <p:txBody>
-          <a:bodyPr rtlCol="0" anchor="ctr"/>
-          <a:lstStyle/>
-          <a:p>
-            <a:pPr algn="ctr"/>
-            <a:endParaRPr lang="ko-KR" altLang="en-US"/>
-          </a:p>
-        </p:txBody>
-      </p:sp>
       <p:cxnSp>
         <p:nvCxnSpPr>
           <p:cNvPr id="20" name="직선 연결선 19">
@@ -3837,7 +3800,7 @@
         </p:nvSpPr>
         <p:spPr>
           <a:xfrm>
-            <a:off x="9220200" y="814899"/>
+            <a:off x="9018495" y="814899"/>
             <a:ext cx="1210235" cy="369332"/>
           </a:xfrm>
           <a:prstGeom prst="rect">
@@ -3852,9 +3815,10 @@
           <a:lstStyle/>
           <a:p>
             <a:r>
-              <a:rPr lang="ko-KR" altLang="en-US" dirty="0"/>
-              <a:t>로그인</a:t>
-            </a:r>
+              <a:rPr lang="ko-KR" altLang="en-US"/>
+              <a:t>로그아웃</a:t>
+            </a:r>
+            <a:endParaRPr lang="ko-KR" altLang="en-US" dirty="0"/>
           </a:p>
         </p:txBody>
       </p:sp>
@@ -3904,10 +3868,10 @@
       </p:sp>
       <p:sp>
         <p:nvSpPr>
-          <p:cNvPr id="7" name="TextBox 6">
-            <a:extLst>
-              <a:ext uri="{FF2B5EF4-FFF2-40B4-BE49-F238E27FC236}">
-                <a16:creationId xmlns:a16="http://schemas.microsoft.com/office/drawing/2014/main" id="{95BEDD33-0259-42A9-A6E7-DF4CC92644E9}"/>
+          <p:cNvPr id="25" name="TextBox 24">
+            <a:extLst>
+              <a:ext uri="{FF2B5EF4-FFF2-40B4-BE49-F238E27FC236}">
+                <a16:creationId xmlns:a16="http://schemas.microsoft.com/office/drawing/2014/main" id="{AE36873D-8C1A-49AF-B6C4-523BFCBCAA80}"/>
               </a:ext>
             </a:extLst>
           </p:cNvPr>
@@ -3916,8 +3880,8 @@
         </p:nvSpPr>
         <p:spPr>
           <a:xfrm>
-            <a:off x="4509246" y="134026"/>
-            <a:ext cx="2545977" cy="369332"/>
+            <a:off x="4471147" y="212476"/>
+            <a:ext cx="2102224" cy="276999"/>
           </a:xfrm>
           <a:prstGeom prst="rect">
             <a:avLst/>
@@ -3930,1883 +3894,26 @@
           </a:bodyPr>
           <a:lstStyle/>
           <a:p>
-            <a:r>
-              <a:rPr lang="en-US" altLang="ko-KR"/>
+            <a:pPr algn="ctr"/>
+            <a:r>
+              <a:rPr lang="en-US" altLang="ko-KR" sz="1200" dirty="0"/>
               <a:t>&lt;</a:t>
             </a:r>
             <a:r>
-              <a:rPr lang="ko-KR" altLang="en-US" dirty="0"/>
-              <a:t>회원가입 페이지</a:t>
-            </a:r>
-            <a:r>
-              <a:rPr lang="en-US" altLang="ko-KR" dirty="0"/>
-              <a:t>&gt;</a:t>
-            </a:r>
-            <a:endParaRPr lang="ko-KR" altLang="en-US" dirty="0"/>
-          </a:p>
-        </p:txBody>
-      </p:sp>
-      <p:sp>
-        <p:nvSpPr>
-          <p:cNvPr id="8" name="TextBox 7">
-            <a:extLst>
-              <a:ext uri="{FF2B5EF4-FFF2-40B4-BE49-F238E27FC236}">
-                <a16:creationId xmlns:a16="http://schemas.microsoft.com/office/drawing/2014/main" id="{1FBF3178-D60D-41D8-BD9D-38AEBF7420A8}"/>
-              </a:ext>
-            </a:extLst>
-          </p:cNvPr>
-          <p:cNvSpPr txBox="1"/>
-          <p:nvPr/>
-        </p:nvSpPr>
-        <p:spPr>
-          <a:xfrm>
-            <a:off x="4509247" y="1901852"/>
-            <a:ext cx="2102224" cy="2308324"/>
-          </a:xfrm>
-          <a:prstGeom prst="rect">
-            <a:avLst/>
-          </a:prstGeom>
-          <a:noFill/>
-        </p:spPr>
-        <p:txBody>
-          <a:bodyPr wrap="square" rtlCol="0">
-            <a:spAutoFit/>
-          </a:bodyPr>
-          <a:lstStyle/>
-          <a:p>
-            <a:pPr algn="ctr"/>
-            <a:r>
-              <a:rPr lang="ko-KR" altLang="en-US" dirty="0"/>
-              <a:t>로고</a:t>
-            </a:r>
-            <a:endParaRPr lang="en-US" altLang="ko-KR" dirty="0"/>
-          </a:p>
-          <a:p>
-            <a:pPr algn="ctr"/>
-            <a:endParaRPr lang="en-US" altLang="ko-KR" dirty="0"/>
-          </a:p>
-          <a:p>
-            <a:pPr algn="ctr"/>
-            <a:endParaRPr lang="en-US" altLang="ko-KR" dirty="0"/>
-          </a:p>
-          <a:p>
-            <a:pPr algn="ctr"/>
-            <a:r>
-              <a:rPr lang="ko-KR" altLang="en-US" dirty="0"/>
-              <a:t>이메일</a:t>
-            </a:r>
-            <a:endParaRPr lang="en-US" altLang="ko-KR" dirty="0"/>
-          </a:p>
-          <a:p>
-            <a:pPr algn="ctr"/>
-            <a:r>
-              <a:rPr lang="ko-KR" altLang="en-US" dirty="0"/>
-              <a:t>패스워드</a:t>
-            </a:r>
-            <a:endParaRPr lang="en-US" altLang="ko-KR" dirty="0"/>
-          </a:p>
-          <a:p>
-            <a:pPr algn="ctr"/>
-            <a:r>
-              <a:rPr lang="ko-KR" altLang="en-US" dirty="0"/>
-              <a:t>패스워드 확인</a:t>
-            </a:r>
-            <a:endParaRPr lang="en-US" altLang="ko-KR" dirty="0"/>
-          </a:p>
-          <a:p>
-            <a:pPr algn="ctr"/>
-            <a:r>
-              <a:rPr lang="ko-KR" altLang="en-US" dirty="0"/>
-              <a:t>핸드폰 번호</a:t>
-            </a:r>
-            <a:endParaRPr lang="en-US" altLang="ko-KR" dirty="0"/>
-          </a:p>
-          <a:p>
-            <a:pPr algn="ctr"/>
-            <a:r>
-              <a:rPr lang="ko-KR" altLang="en-US" dirty="0"/>
-              <a:t>번호 확인</a:t>
-            </a:r>
-            <a:endParaRPr lang="en-US" altLang="ko-KR" dirty="0"/>
-          </a:p>
-        </p:txBody>
-      </p:sp>
-    </p:spTree>
-    <p:extLst>
-      <p:ext uri="{BB962C8B-B14F-4D97-AF65-F5344CB8AC3E}">
-        <p14:creationId xmlns:p14="http://schemas.microsoft.com/office/powerpoint/2010/main" val="3957096794"/>
-      </p:ext>
-    </p:extLst>
-  </p:cSld>
-  <p:clrMapOvr>
-    <a:masterClrMapping/>
-  </p:clrMapOvr>
-</p:sld>
-</file>
-
-<file path=ppt/slides/slide3.xml><?xml version="1.0" encoding="utf-8"?>
-<p:sld xmlns:a="http://schemas.openxmlformats.org/drawingml/2006/main" xmlns:r="http://schemas.openxmlformats.org/officeDocument/2006/relationships" xmlns:p="http://schemas.openxmlformats.org/presentationml/2006/main">
-  <p:cSld>
-    <p:spTree>
-      <p:nvGrpSpPr>
-        <p:cNvPr id="1" name=""/>
-        <p:cNvGrpSpPr/>
-        <p:nvPr/>
-      </p:nvGrpSpPr>
-      <p:grpSpPr>
-        <a:xfrm>
-          <a:off x="0" y="0"/>
-          <a:ext cx="0" cy="0"/>
-          <a:chOff x="0" y="0"/>
-          <a:chExt cx="0" cy="0"/>
-        </a:xfrm>
-      </p:grpSpPr>
-      <p:sp>
-        <p:nvSpPr>
-          <p:cNvPr id="18" name="직사각형 17">
-            <a:extLst>
-              <a:ext uri="{FF2B5EF4-FFF2-40B4-BE49-F238E27FC236}">
-                <a16:creationId xmlns:a16="http://schemas.microsoft.com/office/drawing/2014/main" id="{CDC4EE87-45EC-40D8-A336-E667EDAC60CC}"/>
-              </a:ext>
-            </a:extLst>
-          </p:cNvPr>
-          <p:cNvSpPr/>
-          <p:nvPr/>
-        </p:nvSpPr>
-        <p:spPr>
-          <a:xfrm>
-            <a:off x="1219200" y="690282"/>
-            <a:ext cx="8910918" cy="5549153"/>
-          </a:xfrm>
-          <a:prstGeom prst="rect">
-            <a:avLst/>
-          </a:prstGeom>
-          <a:noFill/>
-          <a:ln w="28575">
-            <a:solidFill>
-              <a:schemeClr val="tx1"/>
-            </a:solidFill>
-          </a:ln>
-        </p:spPr>
-        <p:style>
-          <a:lnRef idx="2">
-            <a:schemeClr val="accent1">
-              <a:shade val="50000"/>
-            </a:schemeClr>
-          </a:lnRef>
-          <a:fillRef idx="1">
-            <a:schemeClr val="accent1"/>
-          </a:fillRef>
-          <a:effectRef idx="0">
-            <a:schemeClr val="accent1"/>
-          </a:effectRef>
-          <a:fontRef idx="minor">
-            <a:schemeClr val="lt1"/>
-          </a:fontRef>
-        </p:style>
-        <p:txBody>
-          <a:bodyPr rtlCol="0" anchor="ctr"/>
-          <a:lstStyle/>
-          <a:p>
-            <a:pPr algn="ctr"/>
-            <a:endParaRPr lang="ko-KR" altLang="en-US"/>
-          </a:p>
-        </p:txBody>
-      </p:sp>
-      <p:cxnSp>
-        <p:nvCxnSpPr>
-          <p:cNvPr id="20" name="직선 연결선 19">
-            <a:extLst>
-              <a:ext uri="{FF2B5EF4-FFF2-40B4-BE49-F238E27FC236}">
-                <a16:creationId xmlns:a16="http://schemas.microsoft.com/office/drawing/2014/main" id="{39A883E8-92E7-418B-9DA3-7E96DD63D9F6}"/>
-              </a:ext>
-            </a:extLst>
-          </p:cNvPr>
-          <p:cNvCxnSpPr/>
-          <p:nvPr/>
-        </p:nvCxnSpPr>
-        <p:spPr>
-          <a:xfrm>
-            <a:off x="788894" y="1308847"/>
-            <a:ext cx="9941859" cy="0"/>
-          </a:xfrm>
-          <a:prstGeom prst="line">
-            <a:avLst/>
-          </a:prstGeom>
-        </p:spPr>
-        <p:style>
-          <a:lnRef idx="1">
-            <a:schemeClr val="accent1"/>
-          </a:lnRef>
-          <a:fillRef idx="0">
-            <a:schemeClr val="accent1"/>
-          </a:fillRef>
-          <a:effectRef idx="0">
-            <a:schemeClr val="accent1"/>
-          </a:effectRef>
-          <a:fontRef idx="minor">
-            <a:schemeClr val="tx1"/>
-          </a:fontRef>
-        </p:style>
-      </p:cxnSp>
-      <p:sp>
-        <p:nvSpPr>
-          <p:cNvPr id="21" name="TextBox 20">
-            <a:extLst>
-              <a:ext uri="{FF2B5EF4-FFF2-40B4-BE49-F238E27FC236}">
-                <a16:creationId xmlns:a16="http://schemas.microsoft.com/office/drawing/2014/main" id="{835BF22E-392E-4593-9AE9-C21037E02C83}"/>
-              </a:ext>
-            </a:extLst>
-          </p:cNvPr>
-          <p:cNvSpPr txBox="1"/>
-          <p:nvPr/>
-        </p:nvSpPr>
-        <p:spPr>
-          <a:xfrm>
-            <a:off x="1317812" y="814899"/>
-            <a:ext cx="1210235" cy="369332"/>
-          </a:xfrm>
-          <a:prstGeom prst="rect">
-            <a:avLst/>
-          </a:prstGeom>
-          <a:noFill/>
-        </p:spPr>
-        <p:txBody>
-          <a:bodyPr wrap="square" rtlCol="0">
-            <a:spAutoFit/>
-          </a:bodyPr>
-          <a:lstStyle/>
-          <a:p>
-            <a:r>
-              <a:rPr lang="ko-KR" altLang="en-US"/>
-              <a:t>로고</a:t>
-            </a:r>
-            <a:endParaRPr lang="ko-KR" altLang="en-US" dirty="0"/>
-          </a:p>
-        </p:txBody>
-      </p:sp>
-      <p:sp>
-        <p:nvSpPr>
-          <p:cNvPr id="22" name="TextBox 21">
-            <a:extLst>
-              <a:ext uri="{FF2B5EF4-FFF2-40B4-BE49-F238E27FC236}">
-                <a16:creationId xmlns:a16="http://schemas.microsoft.com/office/drawing/2014/main" id="{6FA3F6FA-278D-487B-AD80-72513F607295}"/>
-              </a:ext>
-            </a:extLst>
-          </p:cNvPr>
-          <p:cNvSpPr txBox="1"/>
-          <p:nvPr/>
-        </p:nvSpPr>
-        <p:spPr>
-          <a:xfrm>
-            <a:off x="9018495" y="814899"/>
-            <a:ext cx="1210235" cy="369332"/>
-          </a:xfrm>
-          <a:prstGeom prst="rect">
-            <a:avLst/>
-          </a:prstGeom>
-          <a:noFill/>
-        </p:spPr>
-        <p:txBody>
-          <a:bodyPr wrap="square" rtlCol="0">
-            <a:spAutoFit/>
-          </a:bodyPr>
-          <a:lstStyle/>
-          <a:p>
-            <a:r>
-              <a:rPr lang="ko-KR" altLang="en-US" dirty="0"/>
-              <a:t>로그아웃</a:t>
-            </a:r>
-          </a:p>
-        </p:txBody>
-      </p:sp>
-      <p:sp>
-        <p:nvSpPr>
-          <p:cNvPr id="23" name="TextBox 22">
-            <a:extLst>
-              <a:ext uri="{FF2B5EF4-FFF2-40B4-BE49-F238E27FC236}">
-                <a16:creationId xmlns:a16="http://schemas.microsoft.com/office/drawing/2014/main" id="{685E19D2-0364-421F-97EF-D152706AAA4E}"/>
-              </a:ext>
-            </a:extLst>
-          </p:cNvPr>
-          <p:cNvSpPr txBox="1"/>
-          <p:nvPr/>
-        </p:nvSpPr>
-        <p:spPr>
-          <a:xfrm>
-            <a:off x="515469" y="288667"/>
-            <a:ext cx="2102224" cy="276999"/>
-          </a:xfrm>
-          <a:prstGeom prst="rect">
-            <a:avLst/>
-          </a:prstGeom>
-          <a:noFill/>
-        </p:spPr>
-        <p:txBody>
-          <a:bodyPr wrap="square" rtlCol="0">
-            <a:spAutoFit/>
-          </a:bodyPr>
-          <a:lstStyle/>
-          <a:p>
+              <a:rPr lang="ko-KR" altLang="en-US" sz="1200" dirty="0"/>
+              <a:t>알바용</a:t>
+            </a:r>
+            <a:r>
+              <a:rPr lang="en-US" altLang="ko-KR" sz="1200" dirty="0"/>
+              <a:t>&gt; - </a:t>
+            </a:r>
+            <a:r>
+              <a:rPr lang="ko-KR" altLang="en-US" sz="1200" dirty="0"/>
+              <a:t>버튼 </a:t>
+            </a:r>
             <a:r>
               <a:rPr lang="ko-KR" altLang="en-US" sz="1200" dirty="0" err="1"/>
               <a:t>클릭시</a:t>
-            </a:r>
-            <a:r>
-              <a:rPr lang="ko-KR" altLang="en-US" sz="1200" dirty="0"/>
-              <a:t> </a:t>
-            </a:r>
-            <a:r>
-              <a:rPr lang="ko-KR" altLang="en-US" sz="1200" dirty="0" err="1"/>
-              <a:t>메인페이지</a:t>
-            </a:r>
-            <a:endParaRPr lang="ko-KR" altLang="en-US" sz="1200" dirty="0"/>
-          </a:p>
-        </p:txBody>
-      </p:sp>
-      <p:sp>
-        <p:nvSpPr>
-          <p:cNvPr id="7" name="TextBox 6">
-            <a:extLst>
-              <a:ext uri="{FF2B5EF4-FFF2-40B4-BE49-F238E27FC236}">
-                <a16:creationId xmlns:a16="http://schemas.microsoft.com/office/drawing/2014/main" id="{95BEDD33-0259-42A9-A6E7-DF4CC92644E9}"/>
-              </a:ext>
-            </a:extLst>
-          </p:cNvPr>
-          <p:cNvSpPr txBox="1"/>
-          <p:nvPr/>
-        </p:nvSpPr>
-        <p:spPr>
-          <a:xfrm>
-            <a:off x="4509247" y="134026"/>
-            <a:ext cx="2102224" cy="369332"/>
-          </a:xfrm>
-          <a:prstGeom prst="rect">
-            <a:avLst/>
-          </a:prstGeom>
-          <a:noFill/>
-        </p:spPr>
-        <p:txBody>
-          <a:bodyPr wrap="square" rtlCol="0">
-            <a:spAutoFit/>
-          </a:bodyPr>
-          <a:lstStyle/>
-          <a:p>
-            <a:r>
-              <a:rPr lang="en-US" altLang="ko-KR" dirty="0"/>
-              <a:t>&lt;</a:t>
-            </a:r>
-            <a:r>
-              <a:rPr lang="ko-KR" altLang="en-US" dirty="0"/>
-              <a:t>회원가입 성공</a:t>
-            </a:r>
-            <a:r>
-              <a:rPr lang="en-US" altLang="ko-KR" dirty="0"/>
-              <a:t>&gt;</a:t>
-            </a:r>
-            <a:endParaRPr lang="ko-KR" altLang="en-US" dirty="0"/>
-          </a:p>
-        </p:txBody>
-      </p:sp>
-      <p:sp>
-        <p:nvSpPr>
-          <p:cNvPr id="8" name="TextBox 7">
-            <a:extLst>
-              <a:ext uri="{FF2B5EF4-FFF2-40B4-BE49-F238E27FC236}">
-                <a16:creationId xmlns:a16="http://schemas.microsoft.com/office/drawing/2014/main" id="{1FBF3178-D60D-41D8-BD9D-38AEBF7420A8}"/>
-              </a:ext>
-            </a:extLst>
-          </p:cNvPr>
-          <p:cNvSpPr txBox="1"/>
-          <p:nvPr/>
-        </p:nvSpPr>
-        <p:spPr>
-          <a:xfrm>
-            <a:off x="2528047" y="3166826"/>
-            <a:ext cx="6141944" cy="923330"/>
-          </a:xfrm>
-          <a:prstGeom prst="rect">
-            <a:avLst/>
-          </a:prstGeom>
-          <a:noFill/>
-        </p:spPr>
-        <p:txBody>
-          <a:bodyPr wrap="square" rtlCol="0">
-            <a:spAutoFit/>
-          </a:bodyPr>
-          <a:lstStyle/>
-          <a:p>
-            <a:pPr algn="ctr"/>
-            <a:r>
-              <a:rPr lang="ko-KR" altLang="en-US" dirty="0"/>
-              <a:t>환영합니다</a:t>
-            </a:r>
-            <a:r>
-              <a:rPr lang="en-US" altLang="ko-KR" dirty="0"/>
-              <a:t>.</a:t>
-            </a:r>
-          </a:p>
-          <a:p>
-            <a:pPr algn="ctr"/>
-            <a:endParaRPr lang="en-US" altLang="ko-KR" dirty="0"/>
-          </a:p>
-          <a:p>
-            <a:pPr algn="ctr"/>
-            <a:r>
-              <a:rPr lang="ko-KR" altLang="en-US" dirty="0"/>
-              <a:t>회원 가입을 계속 진행하시려면 </a:t>
-            </a:r>
-            <a:r>
-              <a:rPr lang="ko-KR" altLang="en-US" u="sng" dirty="0"/>
-              <a:t>여기</a:t>
-            </a:r>
-            <a:r>
-              <a:rPr lang="ko-KR" altLang="en-US" dirty="0"/>
-              <a:t>를 눌러주세요 </a:t>
-            </a:r>
-            <a:endParaRPr lang="en-US" altLang="ko-KR" dirty="0"/>
-          </a:p>
-        </p:txBody>
-      </p:sp>
-      <p:sp>
-        <p:nvSpPr>
-          <p:cNvPr id="9" name="TextBox 8">
-            <a:extLst>
-              <a:ext uri="{FF2B5EF4-FFF2-40B4-BE49-F238E27FC236}">
-                <a16:creationId xmlns:a16="http://schemas.microsoft.com/office/drawing/2014/main" id="{B605473D-C99D-444B-8AD2-2D63EE238EDE}"/>
-              </a:ext>
-            </a:extLst>
-          </p:cNvPr>
-          <p:cNvSpPr txBox="1"/>
-          <p:nvPr/>
-        </p:nvSpPr>
-        <p:spPr>
-          <a:xfrm>
-            <a:off x="6039970" y="4214772"/>
-            <a:ext cx="1143002" cy="276999"/>
-          </a:xfrm>
-          <a:prstGeom prst="rect">
-            <a:avLst/>
-          </a:prstGeom>
-          <a:noFill/>
-        </p:spPr>
-        <p:txBody>
-          <a:bodyPr wrap="square" rtlCol="0">
-            <a:spAutoFit/>
-          </a:bodyPr>
-          <a:lstStyle/>
-          <a:p>
-            <a:r>
-              <a:rPr lang="ko-KR" altLang="en-US" sz="1200" dirty="0"/>
-              <a:t>메일로 전송 </a:t>
-            </a:r>
-          </a:p>
-        </p:txBody>
-      </p:sp>
-    </p:spTree>
-    <p:extLst>
-      <p:ext uri="{BB962C8B-B14F-4D97-AF65-F5344CB8AC3E}">
-        <p14:creationId xmlns:p14="http://schemas.microsoft.com/office/powerpoint/2010/main" val="4121413635"/>
-      </p:ext>
-    </p:extLst>
-  </p:cSld>
-  <p:clrMapOvr>
-    <a:masterClrMapping/>
-  </p:clrMapOvr>
-</p:sld>
-</file>
-
-<file path=ppt/slides/slide4.xml><?xml version="1.0" encoding="utf-8"?>
-<p:sld xmlns:a="http://schemas.openxmlformats.org/drawingml/2006/main" xmlns:r="http://schemas.openxmlformats.org/officeDocument/2006/relationships" xmlns:p="http://schemas.openxmlformats.org/presentationml/2006/main">
-  <p:cSld>
-    <p:spTree>
-      <p:nvGrpSpPr>
-        <p:cNvPr id="1" name=""/>
-        <p:cNvGrpSpPr/>
-        <p:nvPr/>
-      </p:nvGrpSpPr>
-      <p:grpSpPr>
-        <a:xfrm>
-          <a:off x="0" y="0"/>
-          <a:ext cx="0" cy="0"/>
-          <a:chOff x="0" y="0"/>
-          <a:chExt cx="0" cy="0"/>
-        </a:xfrm>
-      </p:grpSpPr>
-      <p:sp>
-        <p:nvSpPr>
-          <p:cNvPr id="18" name="직사각형 17">
-            <a:extLst>
-              <a:ext uri="{FF2B5EF4-FFF2-40B4-BE49-F238E27FC236}">
-                <a16:creationId xmlns:a16="http://schemas.microsoft.com/office/drawing/2014/main" id="{CDC4EE87-45EC-40D8-A336-E667EDAC60CC}"/>
-              </a:ext>
-            </a:extLst>
-          </p:cNvPr>
-          <p:cNvSpPr/>
-          <p:nvPr/>
-        </p:nvSpPr>
-        <p:spPr>
-          <a:xfrm>
-            <a:off x="1219200" y="690282"/>
-            <a:ext cx="8910918" cy="5549153"/>
-          </a:xfrm>
-          <a:prstGeom prst="rect">
-            <a:avLst/>
-          </a:prstGeom>
-          <a:noFill/>
-          <a:ln w="28575">
-            <a:solidFill>
-              <a:schemeClr val="tx1"/>
-            </a:solidFill>
-          </a:ln>
-        </p:spPr>
-        <p:style>
-          <a:lnRef idx="2">
-            <a:schemeClr val="accent1">
-              <a:shade val="50000"/>
-            </a:schemeClr>
-          </a:lnRef>
-          <a:fillRef idx="1">
-            <a:schemeClr val="accent1"/>
-          </a:fillRef>
-          <a:effectRef idx="0">
-            <a:schemeClr val="accent1"/>
-          </a:effectRef>
-          <a:fontRef idx="minor">
-            <a:schemeClr val="lt1"/>
-          </a:fontRef>
-        </p:style>
-        <p:txBody>
-          <a:bodyPr rtlCol="0" anchor="ctr"/>
-          <a:lstStyle/>
-          <a:p>
-            <a:pPr algn="ctr"/>
-            <a:endParaRPr lang="ko-KR" altLang="en-US"/>
-          </a:p>
-        </p:txBody>
-      </p:sp>
-      <p:cxnSp>
-        <p:nvCxnSpPr>
-          <p:cNvPr id="20" name="직선 연결선 19">
-            <a:extLst>
-              <a:ext uri="{FF2B5EF4-FFF2-40B4-BE49-F238E27FC236}">
-                <a16:creationId xmlns:a16="http://schemas.microsoft.com/office/drawing/2014/main" id="{39A883E8-92E7-418B-9DA3-7E96DD63D9F6}"/>
-              </a:ext>
-            </a:extLst>
-          </p:cNvPr>
-          <p:cNvCxnSpPr/>
-          <p:nvPr/>
-        </p:nvCxnSpPr>
-        <p:spPr>
-          <a:xfrm>
-            <a:off x="788894" y="1308847"/>
-            <a:ext cx="9941859" cy="0"/>
-          </a:xfrm>
-          <a:prstGeom prst="line">
-            <a:avLst/>
-          </a:prstGeom>
-        </p:spPr>
-        <p:style>
-          <a:lnRef idx="1">
-            <a:schemeClr val="accent1"/>
-          </a:lnRef>
-          <a:fillRef idx="0">
-            <a:schemeClr val="accent1"/>
-          </a:fillRef>
-          <a:effectRef idx="0">
-            <a:schemeClr val="accent1"/>
-          </a:effectRef>
-          <a:fontRef idx="minor">
-            <a:schemeClr val="tx1"/>
-          </a:fontRef>
-        </p:style>
-      </p:cxnSp>
-      <p:sp>
-        <p:nvSpPr>
-          <p:cNvPr id="21" name="TextBox 20">
-            <a:extLst>
-              <a:ext uri="{FF2B5EF4-FFF2-40B4-BE49-F238E27FC236}">
-                <a16:creationId xmlns:a16="http://schemas.microsoft.com/office/drawing/2014/main" id="{835BF22E-392E-4593-9AE9-C21037E02C83}"/>
-              </a:ext>
-            </a:extLst>
-          </p:cNvPr>
-          <p:cNvSpPr txBox="1"/>
-          <p:nvPr/>
-        </p:nvSpPr>
-        <p:spPr>
-          <a:xfrm>
-            <a:off x="1317812" y="814899"/>
-            <a:ext cx="1210235" cy="369332"/>
-          </a:xfrm>
-          <a:prstGeom prst="rect">
-            <a:avLst/>
-          </a:prstGeom>
-          <a:noFill/>
-        </p:spPr>
-        <p:txBody>
-          <a:bodyPr wrap="square" rtlCol="0">
-            <a:spAutoFit/>
-          </a:bodyPr>
-          <a:lstStyle/>
-          <a:p>
-            <a:r>
-              <a:rPr lang="ko-KR" altLang="en-US"/>
-              <a:t>로고</a:t>
-            </a:r>
-            <a:endParaRPr lang="ko-KR" altLang="en-US" dirty="0"/>
-          </a:p>
-        </p:txBody>
-      </p:sp>
-      <p:sp>
-        <p:nvSpPr>
-          <p:cNvPr id="22" name="TextBox 21">
-            <a:extLst>
-              <a:ext uri="{FF2B5EF4-FFF2-40B4-BE49-F238E27FC236}">
-                <a16:creationId xmlns:a16="http://schemas.microsoft.com/office/drawing/2014/main" id="{6FA3F6FA-278D-487B-AD80-72513F607295}"/>
-              </a:ext>
-            </a:extLst>
-          </p:cNvPr>
-          <p:cNvSpPr txBox="1"/>
-          <p:nvPr/>
-        </p:nvSpPr>
-        <p:spPr>
-          <a:xfrm>
-            <a:off x="9018495" y="814899"/>
-            <a:ext cx="1210235" cy="369332"/>
-          </a:xfrm>
-          <a:prstGeom prst="rect">
-            <a:avLst/>
-          </a:prstGeom>
-          <a:noFill/>
-        </p:spPr>
-        <p:txBody>
-          <a:bodyPr wrap="square" rtlCol="0">
-            <a:spAutoFit/>
-          </a:bodyPr>
-          <a:lstStyle/>
-          <a:p>
-            <a:r>
-              <a:rPr lang="ko-KR" altLang="en-US"/>
-              <a:t>로그아웃</a:t>
-            </a:r>
-            <a:endParaRPr lang="ko-KR" altLang="en-US" dirty="0"/>
-          </a:p>
-        </p:txBody>
-      </p:sp>
-      <p:sp>
-        <p:nvSpPr>
-          <p:cNvPr id="23" name="TextBox 22">
-            <a:extLst>
-              <a:ext uri="{FF2B5EF4-FFF2-40B4-BE49-F238E27FC236}">
-                <a16:creationId xmlns:a16="http://schemas.microsoft.com/office/drawing/2014/main" id="{685E19D2-0364-421F-97EF-D152706AAA4E}"/>
-              </a:ext>
-            </a:extLst>
-          </p:cNvPr>
-          <p:cNvSpPr txBox="1"/>
-          <p:nvPr/>
-        </p:nvSpPr>
-        <p:spPr>
-          <a:xfrm>
-            <a:off x="515469" y="288667"/>
-            <a:ext cx="2102224" cy="276999"/>
-          </a:xfrm>
-          <a:prstGeom prst="rect">
-            <a:avLst/>
-          </a:prstGeom>
-          <a:noFill/>
-        </p:spPr>
-        <p:txBody>
-          <a:bodyPr wrap="square" rtlCol="0">
-            <a:spAutoFit/>
-          </a:bodyPr>
-          <a:lstStyle/>
-          <a:p>
-            <a:r>
-              <a:rPr lang="ko-KR" altLang="en-US" sz="1200" dirty="0" err="1"/>
-              <a:t>클릭시</a:t>
-            </a:r>
-            <a:r>
-              <a:rPr lang="ko-KR" altLang="en-US" sz="1200" dirty="0"/>
-              <a:t> </a:t>
-            </a:r>
-            <a:r>
-              <a:rPr lang="ko-KR" altLang="en-US" sz="1200" dirty="0" err="1"/>
-              <a:t>메인페이지</a:t>
-            </a:r>
-            <a:endParaRPr lang="ko-KR" altLang="en-US" sz="1200" dirty="0"/>
-          </a:p>
-        </p:txBody>
-      </p:sp>
-      <p:sp>
-        <p:nvSpPr>
-          <p:cNvPr id="7" name="TextBox 6">
-            <a:extLst>
-              <a:ext uri="{FF2B5EF4-FFF2-40B4-BE49-F238E27FC236}">
-                <a16:creationId xmlns:a16="http://schemas.microsoft.com/office/drawing/2014/main" id="{95BEDD33-0259-42A9-A6E7-DF4CC92644E9}"/>
-              </a:ext>
-            </a:extLst>
-          </p:cNvPr>
-          <p:cNvSpPr txBox="1"/>
-          <p:nvPr/>
-        </p:nvSpPr>
-        <p:spPr>
-          <a:xfrm>
-            <a:off x="4043642" y="196334"/>
-            <a:ext cx="3110754" cy="369332"/>
-          </a:xfrm>
-          <a:prstGeom prst="rect">
-            <a:avLst/>
-          </a:prstGeom>
-          <a:noFill/>
-        </p:spPr>
-        <p:txBody>
-          <a:bodyPr wrap="square" rtlCol="0">
-            <a:spAutoFit/>
-          </a:bodyPr>
-          <a:lstStyle/>
-          <a:p>
-            <a:r>
-              <a:rPr lang="en-US" altLang="ko-KR" dirty="0"/>
-              <a:t>&lt;</a:t>
-            </a:r>
-            <a:r>
-              <a:rPr lang="ko-KR" altLang="en-US" dirty="0"/>
-              <a:t>이메일 인증 가입 완료</a:t>
-            </a:r>
-            <a:r>
-              <a:rPr lang="en-US" altLang="ko-KR" dirty="0"/>
-              <a:t>&gt;</a:t>
-            </a:r>
-            <a:endParaRPr lang="ko-KR" altLang="en-US" dirty="0"/>
-          </a:p>
-        </p:txBody>
-      </p:sp>
-      <p:sp>
-        <p:nvSpPr>
-          <p:cNvPr id="8" name="TextBox 7">
-            <a:extLst>
-              <a:ext uri="{FF2B5EF4-FFF2-40B4-BE49-F238E27FC236}">
-                <a16:creationId xmlns:a16="http://schemas.microsoft.com/office/drawing/2014/main" id="{1FBF3178-D60D-41D8-BD9D-38AEBF7420A8}"/>
-              </a:ext>
-            </a:extLst>
-          </p:cNvPr>
-          <p:cNvSpPr txBox="1"/>
-          <p:nvPr/>
-        </p:nvSpPr>
-        <p:spPr>
-          <a:xfrm>
-            <a:off x="2528047" y="3166826"/>
-            <a:ext cx="6141944" cy="646331"/>
-          </a:xfrm>
-          <a:prstGeom prst="rect">
-            <a:avLst/>
-          </a:prstGeom>
-          <a:noFill/>
-        </p:spPr>
-        <p:txBody>
-          <a:bodyPr wrap="square" rtlCol="0">
-            <a:spAutoFit/>
-          </a:bodyPr>
-          <a:lstStyle/>
-          <a:p>
-            <a:pPr algn="ctr"/>
-            <a:r>
-              <a:rPr lang="ko-KR" altLang="en-US" dirty="0"/>
-              <a:t>환영합니다</a:t>
-            </a:r>
-            <a:r>
-              <a:rPr lang="en-US" altLang="ko-KR" dirty="0"/>
-              <a:t>.</a:t>
-            </a:r>
-          </a:p>
-          <a:p>
-            <a:pPr algn="ctr"/>
-            <a:r>
-              <a:rPr lang="ko-KR" altLang="en-US" dirty="0" err="1"/>
-              <a:t>몇마디</a:t>
-            </a:r>
-            <a:endParaRPr lang="en-US" altLang="ko-KR" dirty="0"/>
-          </a:p>
-        </p:txBody>
-      </p:sp>
-      <p:sp>
-        <p:nvSpPr>
-          <p:cNvPr id="10" name="TextBox 9">
-            <a:extLst>
-              <a:ext uri="{FF2B5EF4-FFF2-40B4-BE49-F238E27FC236}">
-                <a16:creationId xmlns:a16="http://schemas.microsoft.com/office/drawing/2014/main" id="{006B7188-E4C8-4AFF-B7B2-99F1A4959CAC}"/>
-              </a:ext>
-            </a:extLst>
-          </p:cNvPr>
-          <p:cNvSpPr txBox="1"/>
-          <p:nvPr/>
-        </p:nvSpPr>
-        <p:spPr>
-          <a:xfrm>
-            <a:off x="7154396" y="228617"/>
-            <a:ext cx="2102224" cy="276999"/>
-          </a:xfrm>
-          <a:prstGeom prst="rect">
-            <a:avLst/>
-          </a:prstGeom>
-          <a:noFill/>
-        </p:spPr>
-        <p:txBody>
-          <a:bodyPr wrap="square" rtlCol="0">
-            <a:spAutoFit/>
-          </a:bodyPr>
-          <a:lstStyle/>
-          <a:p>
-            <a:r>
-              <a:rPr lang="ko-KR" altLang="en-US" sz="1200" dirty="0"/>
-              <a:t>이메일 인증해야 사용 가능</a:t>
-            </a:r>
-          </a:p>
-        </p:txBody>
-      </p:sp>
-    </p:spTree>
-    <p:extLst>
-      <p:ext uri="{BB962C8B-B14F-4D97-AF65-F5344CB8AC3E}">
-        <p14:creationId xmlns:p14="http://schemas.microsoft.com/office/powerpoint/2010/main" val="831138431"/>
-      </p:ext>
-    </p:extLst>
-  </p:cSld>
-  <p:clrMapOvr>
-    <a:masterClrMapping/>
-  </p:clrMapOvr>
-</p:sld>
-</file>
-
-<file path=ppt/slides/slide5.xml><?xml version="1.0" encoding="utf-8"?>
-<p:sld xmlns:a="http://schemas.openxmlformats.org/drawingml/2006/main" xmlns:r="http://schemas.openxmlformats.org/officeDocument/2006/relationships" xmlns:p="http://schemas.openxmlformats.org/presentationml/2006/main">
-  <p:cSld>
-    <p:spTree>
-      <p:nvGrpSpPr>
-        <p:cNvPr id="1" name=""/>
-        <p:cNvGrpSpPr/>
-        <p:nvPr/>
-      </p:nvGrpSpPr>
-      <p:grpSpPr>
-        <a:xfrm>
-          <a:off x="0" y="0"/>
-          <a:ext cx="0" cy="0"/>
-          <a:chOff x="0" y="0"/>
-          <a:chExt cx="0" cy="0"/>
-        </a:xfrm>
-      </p:grpSpPr>
-      <p:sp>
-        <p:nvSpPr>
-          <p:cNvPr id="18" name="직사각형 17">
-            <a:extLst>
-              <a:ext uri="{FF2B5EF4-FFF2-40B4-BE49-F238E27FC236}">
-                <a16:creationId xmlns:a16="http://schemas.microsoft.com/office/drawing/2014/main" id="{CDC4EE87-45EC-40D8-A336-E667EDAC60CC}"/>
-              </a:ext>
-            </a:extLst>
-          </p:cNvPr>
-          <p:cNvSpPr/>
-          <p:nvPr/>
-        </p:nvSpPr>
-        <p:spPr>
-          <a:xfrm>
-            <a:off x="1219200" y="690282"/>
-            <a:ext cx="8910918" cy="5549153"/>
-          </a:xfrm>
-          <a:prstGeom prst="rect">
-            <a:avLst/>
-          </a:prstGeom>
-          <a:noFill/>
-          <a:ln w="28575">
-            <a:solidFill>
-              <a:schemeClr val="tx1"/>
-            </a:solidFill>
-          </a:ln>
-        </p:spPr>
-        <p:style>
-          <a:lnRef idx="2">
-            <a:schemeClr val="accent1">
-              <a:shade val="50000"/>
-            </a:schemeClr>
-          </a:lnRef>
-          <a:fillRef idx="1">
-            <a:schemeClr val="accent1"/>
-          </a:fillRef>
-          <a:effectRef idx="0">
-            <a:schemeClr val="accent1"/>
-          </a:effectRef>
-          <a:fontRef idx="minor">
-            <a:schemeClr val="lt1"/>
-          </a:fontRef>
-        </p:style>
-        <p:txBody>
-          <a:bodyPr rtlCol="0" anchor="ctr"/>
-          <a:lstStyle/>
-          <a:p>
-            <a:pPr algn="ctr"/>
-            <a:endParaRPr lang="ko-KR" altLang="en-US"/>
-          </a:p>
-        </p:txBody>
-      </p:sp>
-      <p:cxnSp>
-        <p:nvCxnSpPr>
-          <p:cNvPr id="20" name="직선 연결선 19">
-            <a:extLst>
-              <a:ext uri="{FF2B5EF4-FFF2-40B4-BE49-F238E27FC236}">
-                <a16:creationId xmlns:a16="http://schemas.microsoft.com/office/drawing/2014/main" id="{39A883E8-92E7-418B-9DA3-7E96DD63D9F6}"/>
-              </a:ext>
-            </a:extLst>
-          </p:cNvPr>
-          <p:cNvCxnSpPr/>
-          <p:nvPr/>
-        </p:nvCxnSpPr>
-        <p:spPr>
-          <a:xfrm>
-            <a:off x="788894" y="1308847"/>
-            <a:ext cx="9941859" cy="0"/>
-          </a:xfrm>
-          <a:prstGeom prst="line">
-            <a:avLst/>
-          </a:prstGeom>
-        </p:spPr>
-        <p:style>
-          <a:lnRef idx="1">
-            <a:schemeClr val="accent1"/>
-          </a:lnRef>
-          <a:fillRef idx="0">
-            <a:schemeClr val="accent1"/>
-          </a:fillRef>
-          <a:effectRef idx="0">
-            <a:schemeClr val="accent1"/>
-          </a:effectRef>
-          <a:fontRef idx="minor">
-            <a:schemeClr val="tx1"/>
-          </a:fontRef>
-        </p:style>
-      </p:cxnSp>
-      <p:sp>
-        <p:nvSpPr>
-          <p:cNvPr id="21" name="TextBox 20">
-            <a:extLst>
-              <a:ext uri="{FF2B5EF4-FFF2-40B4-BE49-F238E27FC236}">
-                <a16:creationId xmlns:a16="http://schemas.microsoft.com/office/drawing/2014/main" id="{835BF22E-392E-4593-9AE9-C21037E02C83}"/>
-              </a:ext>
-            </a:extLst>
-          </p:cNvPr>
-          <p:cNvSpPr txBox="1"/>
-          <p:nvPr/>
-        </p:nvSpPr>
-        <p:spPr>
-          <a:xfrm>
-            <a:off x="1317812" y="814899"/>
-            <a:ext cx="1210235" cy="369332"/>
-          </a:xfrm>
-          <a:prstGeom prst="rect">
-            <a:avLst/>
-          </a:prstGeom>
-          <a:noFill/>
-        </p:spPr>
-        <p:txBody>
-          <a:bodyPr wrap="square" rtlCol="0">
-            <a:spAutoFit/>
-          </a:bodyPr>
-          <a:lstStyle/>
-          <a:p>
-            <a:r>
-              <a:rPr lang="ko-KR" altLang="en-US"/>
-              <a:t>로고</a:t>
-            </a:r>
-            <a:endParaRPr lang="ko-KR" altLang="en-US" dirty="0"/>
-          </a:p>
-        </p:txBody>
-      </p:sp>
-      <p:sp>
-        <p:nvSpPr>
-          <p:cNvPr id="22" name="TextBox 21">
-            <a:extLst>
-              <a:ext uri="{FF2B5EF4-FFF2-40B4-BE49-F238E27FC236}">
-                <a16:creationId xmlns:a16="http://schemas.microsoft.com/office/drawing/2014/main" id="{6FA3F6FA-278D-487B-AD80-72513F607295}"/>
-              </a:ext>
-            </a:extLst>
-          </p:cNvPr>
-          <p:cNvSpPr txBox="1"/>
-          <p:nvPr/>
-        </p:nvSpPr>
-        <p:spPr>
-          <a:xfrm>
-            <a:off x="9018495" y="814899"/>
-            <a:ext cx="1210235" cy="369332"/>
-          </a:xfrm>
-          <a:prstGeom prst="rect">
-            <a:avLst/>
-          </a:prstGeom>
-          <a:noFill/>
-        </p:spPr>
-        <p:txBody>
-          <a:bodyPr wrap="square" rtlCol="0">
-            <a:spAutoFit/>
-          </a:bodyPr>
-          <a:lstStyle/>
-          <a:p>
-            <a:r>
-              <a:rPr lang="ko-KR" altLang="en-US"/>
-              <a:t>로그아웃</a:t>
-            </a:r>
-            <a:endParaRPr lang="ko-KR" altLang="en-US" dirty="0"/>
-          </a:p>
-        </p:txBody>
-      </p:sp>
-      <p:sp>
-        <p:nvSpPr>
-          <p:cNvPr id="23" name="TextBox 22">
-            <a:extLst>
-              <a:ext uri="{FF2B5EF4-FFF2-40B4-BE49-F238E27FC236}">
-                <a16:creationId xmlns:a16="http://schemas.microsoft.com/office/drawing/2014/main" id="{685E19D2-0364-421F-97EF-D152706AAA4E}"/>
-              </a:ext>
-            </a:extLst>
-          </p:cNvPr>
-          <p:cNvSpPr txBox="1"/>
-          <p:nvPr/>
-        </p:nvSpPr>
-        <p:spPr>
-          <a:xfrm>
-            <a:off x="515469" y="288667"/>
-            <a:ext cx="2102224" cy="276999"/>
-          </a:xfrm>
-          <a:prstGeom prst="rect">
-            <a:avLst/>
-          </a:prstGeom>
-          <a:noFill/>
-        </p:spPr>
-        <p:txBody>
-          <a:bodyPr wrap="square" rtlCol="0">
-            <a:spAutoFit/>
-          </a:bodyPr>
-          <a:lstStyle/>
-          <a:p>
-            <a:r>
-              <a:rPr lang="ko-KR" altLang="en-US" sz="1200" dirty="0" err="1"/>
-              <a:t>클릭시</a:t>
-            </a:r>
-            <a:r>
-              <a:rPr lang="ko-KR" altLang="en-US" sz="1200" dirty="0"/>
-              <a:t> </a:t>
-            </a:r>
-            <a:r>
-              <a:rPr lang="ko-KR" altLang="en-US" sz="1200" dirty="0" err="1"/>
-              <a:t>메인페이지</a:t>
-            </a:r>
-            <a:endParaRPr lang="ko-KR" altLang="en-US" sz="1200" dirty="0"/>
-          </a:p>
-        </p:txBody>
-      </p:sp>
-      <p:sp>
-        <p:nvSpPr>
-          <p:cNvPr id="25" name="TextBox 24">
-            <a:extLst>
-              <a:ext uri="{FF2B5EF4-FFF2-40B4-BE49-F238E27FC236}">
-                <a16:creationId xmlns:a16="http://schemas.microsoft.com/office/drawing/2014/main" id="{AE36873D-8C1A-49AF-B6C4-523BFCBCAA80}"/>
-              </a:ext>
-            </a:extLst>
-          </p:cNvPr>
-          <p:cNvSpPr txBox="1"/>
-          <p:nvPr/>
-        </p:nvSpPr>
-        <p:spPr>
-          <a:xfrm>
-            <a:off x="4827492" y="180192"/>
-            <a:ext cx="2102224" cy="276999"/>
-          </a:xfrm>
-          <a:prstGeom prst="rect">
-            <a:avLst/>
-          </a:prstGeom>
-          <a:noFill/>
-        </p:spPr>
-        <p:txBody>
-          <a:bodyPr wrap="square" rtlCol="0">
-            <a:spAutoFit/>
-          </a:bodyPr>
-          <a:lstStyle/>
-          <a:p>
-            <a:r>
-              <a:rPr lang="en-US" altLang="ko-KR" sz="1200" dirty="0"/>
-              <a:t>&lt;</a:t>
-            </a:r>
-            <a:r>
-              <a:rPr lang="ko-KR" altLang="en-US" sz="1200" dirty="0"/>
-              <a:t>메인</a:t>
-            </a:r>
-            <a:r>
-              <a:rPr lang="en-US" altLang="ko-KR" sz="1200" dirty="0"/>
-              <a:t>&gt; - </a:t>
-            </a:r>
-            <a:r>
-              <a:rPr lang="ko-KR" altLang="en-US" sz="1200" dirty="0"/>
-              <a:t>새 프로젝트</a:t>
-            </a:r>
-          </a:p>
-        </p:txBody>
-      </p:sp>
-      <p:sp>
-        <p:nvSpPr>
-          <p:cNvPr id="8" name="TextBox 7">
-            <a:extLst>
-              <a:ext uri="{FF2B5EF4-FFF2-40B4-BE49-F238E27FC236}">
-                <a16:creationId xmlns:a16="http://schemas.microsoft.com/office/drawing/2014/main" id="{1EB3F7C8-C930-45B4-ACD0-B6C9A51F407C}"/>
-              </a:ext>
-            </a:extLst>
-          </p:cNvPr>
-          <p:cNvSpPr txBox="1"/>
-          <p:nvPr/>
-        </p:nvSpPr>
-        <p:spPr>
-          <a:xfrm>
-            <a:off x="4374776" y="3186054"/>
-            <a:ext cx="2294966" cy="923330"/>
-          </a:xfrm>
-          <a:prstGeom prst="rect">
-            <a:avLst/>
-          </a:prstGeom>
-          <a:noFill/>
-        </p:spPr>
-        <p:txBody>
-          <a:bodyPr wrap="square" rtlCol="0">
-            <a:spAutoFit/>
-          </a:bodyPr>
-          <a:lstStyle/>
-          <a:p>
-            <a:pPr algn="ctr"/>
-            <a:r>
-              <a:rPr lang="ko-KR" altLang="en-US" dirty="0"/>
-              <a:t>알바용</a:t>
-            </a:r>
-            <a:r>
-              <a:rPr lang="en-US" altLang="ko-KR" dirty="0"/>
-              <a:t>(</a:t>
-            </a:r>
-            <a:r>
-              <a:rPr lang="ko-KR" altLang="en-US" dirty="0" err="1"/>
-              <a:t>점장</a:t>
-            </a:r>
-            <a:r>
-              <a:rPr lang="en-US" altLang="ko-KR" dirty="0"/>
-              <a:t>)</a:t>
-            </a:r>
-          </a:p>
-          <a:p>
-            <a:pPr algn="ctr"/>
-            <a:endParaRPr lang="en-US" altLang="ko-KR" dirty="0"/>
-          </a:p>
-          <a:p>
-            <a:pPr algn="ctr"/>
-            <a:r>
-              <a:rPr lang="ko-KR" altLang="en-US" dirty="0"/>
-              <a:t>개인용</a:t>
-            </a:r>
-            <a:r>
-              <a:rPr lang="en-US" altLang="ko-KR" dirty="0"/>
-              <a:t>(</a:t>
-            </a:r>
-            <a:r>
-              <a:rPr lang="ko-KR" altLang="en-US" dirty="0"/>
-              <a:t>준비중</a:t>
-            </a:r>
-            <a:r>
-              <a:rPr lang="en-US" altLang="ko-KR" dirty="0"/>
-              <a:t>)</a:t>
-            </a:r>
-            <a:endParaRPr lang="ko-KR" altLang="en-US" dirty="0"/>
-          </a:p>
-        </p:txBody>
-      </p:sp>
-      <p:sp>
-        <p:nvSpPr>
-          <p:cNvPr id="12" name="별: 꼭짓점 6개 11">
-            <a:extLst>
-              <a:ext uri="{FF2B5EF4-FFF2-40B4-BE49-F238E27FC236}">
-                <a16:creationId xmlns:a16="http://schemas.microsoft.com/office/drawing/2014/main" id="{FA99CB21-66FF-49E9-9BF8-02D3C4166512}"/>
-              </a:ext>
-            </a:extLst>
-          </p:cNvPr>
-          <p:cNvSpPr/>
-          <p:nvPr/>
-        </p:nvSpPr>
-        <p:spPr>
-          <a:xfrm>
-            <a:off x="7969624" y="775892"/>
-            <a:ext cx="1048871" cy="447346"/>
-          </a:xfrm>
-          <a:prstGeom prst="star6">
-            <a:avLst/>
-          </a:prstGeom>
-        </p:spPr>
-        <p:style>
-          <a:lnRef idx="2">
-            <a:schemeClr val="accent1">
-              <a:shade val="50000"/>
-            </a:schemeClr>
-          </a:lnRef>
-          <a:fillRef idx="1">
-            <a:schemeClr val="accent1"/>
-          </a:fillRef>
-          <a:effectRef idx="0">
-            <a:schemeClr val="accent1"/>
-          </a:effectRef>
-          <a:fontRef idx="minor">
-            <a:schemeClr val="lt1"/>
-          </a:fontRef>
-        </p:style>
-        <p:txBody>
-          <a:bodyPr rtlCol="0" anchor="ctr"/>
-          <a:lstStyle/>
-          <a:p>
-            <a:pPr algn="ctr"/>
-            <a:r>
-              <a:rPr lang="ko-KR" altLang="en-US" dirty="0"/>
-              <a:t>설정</a:t>
-            </a:r>
-          </a:p>
-        </p:txBody>
-      </p:sp>
-    </p:spTree>
-    <p:extLst>
-      <p:ext uri="{BB962C8B-B14F-4D97-AF65-F5344CB8AC3E}">
-        <p14:creationId xmlns:p14="http://schemas.microsoft.com/office/powerpoint/2010/main" val="6399228"/>
-      </p:ext>
-    </p:extLst>
-  </p:cSld>
-  <p:clrMapOvr>
-    <a:masterClrMapping/>
-  </p:clrMapOvr>
-</p:sld>
-</file>
-
-<file path=ppt/slides/slide6.xml><?xml version="1.0" encoding="utf-8"?>
-<p:sld xmlns:a="http://schemas.openxmlformats.org/drawingml/2006/main" xmlns:r="http://schemas.openxmlformats.org/officeDocument/2006/relationships" xmlns:p="http://schemas.openxmlformats.org/presentationml/2006/main">
-  <p:cSld>
-    <p:spTree>
-      <p:nvGrpSpPr>
-        <p:cNvPr id="1" name=""/>
-        <p:cNvGrpSpPr/>
-        <p:nvPr/>
-      </p:nvGrpSpPr>
-      <p:grpSpPr>
-        <a:xfrm>
-          <a:off x="0" y="0"/>
-          <a:ext cx="0" cy="0"/>
-          <a:chOff x="0" y="0"/>
-          <a:chExt cx="0" cy="0"/>
-        </a:xfrm>
-      </p:grpSpPr>
-      <p:sp>
-        <p:nvSpPr>
-          <p:cNvPr id="18" name="직사각형 17">
-            <a:extLst>
-              <a:ext uri="{FF2B5EF4-FFF2-40B4-BE49-F238E27FC236}">
-                <a16:creationId xmlns:a16="http://schemas.microsoft.com/office/drawing/2014/main" id="{CDC4EE87-45EC-40D8-A336-E667EDAC60CC}"/>
-              </a:ext>
-            </a:extLst>
-          </p:cNvPr>
-          <p:cNvSpPr/>
-          <p:nvPr/>
-        </p:nvSpPr>
-        <p:spPr>
-          <a:xfrm>
-            <a:off x="1219200" y="690282"/>
-            <a:ext cx="8910918" cy="5549153"/>
-          </a:xfrm>
-          <a:prstGeom prst="rect">
-            <a:avLst/>
-          </a:prstGeom>
-          <a:noFill/>
-          <a:ln w="28575">
-            <a:solidFill>
-              <a:schemeClr val="tx1"/>
-            </a:solidFill>
-          </a:ln>
-        </p:spPr>
-        <p:style>
-          <a:lnRef idx="2">
-            <a:schemeClr val="accent1">
-              <a:shade val="50000"/>
-            </a:schemeClr>
-          </a:lnRef>
-          <a:fillRef idx="1">
-            <a:schemeClr val="accent1"/>
-          </a:fillRef>
-          <a:effectRef idx="0">
-            <a:schemeClr val="accent1"/>
-          </a:effectRef>
-          <a:fontRef idx="minor">
-            <a:schemeClr val="lt1"/>
-          </a:fontRef>
-        </p:style>
-        <p:txBody>
-          <a:bodyPr rtlCol="0" anchor="ctr"/>
-          <a:lstStyle/>
-          <a:p>
-            <a:pPr algn="ctr"/>
-            <a:endParaRPr lang="ko-KR" altLang="en-US"/>
-          </a:p>
-        </p:txBody>
-      </p:sp>
-      <p:cxnSp>
-        <p:nvCxnSpPr>
-          <p:cNvPr id="20" name="직선 연결선 19">
-            <a:extLst>
-              <a:ext uri="{FF2B5EF4-FFF2-40B4-BE49-F238E27FC236}">
-                <a16:creationId xmlns:a16="http://schemas.microsoft.com/office/drawing/2014/main" id="{39A883E8-92E7-418B-9DA3-7E96DD63D9F6}"/>
-              </a:ext>
-            </a:extLst>
-          </p:cNvPr>
-          <p:cNvCxnSpPr/>
-          <p:nvPr/>
-        </p:nvCxnSpPr>
-        <p:spPr>
-          <a:xfrm>
-            <a:off x="788894" y="1308847"/>
-            <a:ext cx="9941859" cy="0"/>
-          </a:xfrm>
-          <a:prstGeom prst="line">
-            <a:avLst/>
-          </a:prstGeom>
-        </p:spPr>
-        <p:style>
-          <a:lnRef idx="1">
-            <a:schemeClr val="accent1"/>
-          </a:lnRef>
-          <a:fillRef idx="0">
-            <a:schemeClr val="accent1"/>
-          </a:fillRef>
-          <a:effectRef idx="0">
-            <a:schemeClr val="accent1"/>
-          </a:effectRef>
-          <a:fontRef idx="minor">
-            <a:schemeClr val="tx1"/>
-          </a:fontRef>
-        </p:style>
-      </p:cxnSp>
-      <p:sp>
-        <p:nvSpPr>
-          <p:cNvPr id="21" name="TextBox 20">
-            <a:extLst>
-              <a:ext uri="{FF2B5EF4-FFF2-40B4-BE49-F238E27FC236}">
-                <a16:creationId xmlns:a16="http://schemas.microsoft.com/office/drawing/2014/main" id="{835BF22E-392E-4593-9AE9-C21037E02C83}"/>
-              </a:ext>
-            </a:extLst>
-          </p:cNvPr>
-          <p:cNvSpPr txBox="1"/>
-          <p:nvPr/>
-        </p:nvSpPr>
-        <p:spPr>
-          <a:xfrm>
-            <a:off x="1317812" y="814899"/>
-            <a:ext cx="1210235" cy="369332"/>
-          </a:xfrm>
-          <a:prstGeom prst="rect">
-            <a:avLst/>
-          </a:prstGeom>
-          <a:noFill/>
-        </p:spPr>
-        <p:txBody>
-          <a:bodyPr wrap="square" rtlCol="0">
-            <a:spAutoFit/>
-          </a:bodyPr>
-          <a:lstStyle/>
-          <a:p>
-            <a:r>
-              <a:rPr lang="ko-KR" altLang="en-US"/>
-              <a:t>로고</a:t>
-            </a:r>
-            <a:endParaRPr lang="ko-KR" altLang="en-US" dirty="0"/>
-          </a:p>
-        </p:txBody>
-      </p:sp>
-      <p:sp>
-        <p:nvSpPr>
-          <p:cNvPr id="22" name="TextBox 21">
-            <a:extLst>
-              <a:ext uri="{FF2B5EF4-FFF2-40B4-BE49-F238E27FC236}">
-                <a16:creationId xmlns:a16="http://schemas.microsoft.com/office/drawing/2014/main" id="{6FA3F6FA-278D-487B-AD80-72513F607295}"/>
-              </a:ext>
-            </a:extLst>
-          </p:cNvPr>
-          <p:cNvSpPr txBox="1"/>
-          <p:nvPr/>
-        </p:nvSpPr>
-        <p:spPr>
-          <a:xfrm>
-            <a:off x="9018495" y="814899"/>
-            <a:ext cx="1210235" cy="369332"/>
-          </a:xfrm>
-          <a:prstGeom prst="rect">
-            <a:avLst/>
-          </a:prstGeom>
-          <a:noFill/>
-        </p:spPr>
-        <p:txBody>
-          <a:bodyPr wrap="square" rtlCol="0">
-            <a:spAutoFit/>
-          </a:bodyPr>
-          <a:lstStyle/>
-          <a:p>
-            <a:r>
-              <a:rPr lang="ko-KR" altLang="en-US"/>
-              <a:t>로그아웃</a:t>
-            </a:r>
-            <a:endParaRPr lang="ko-KR" altLang="en-US" dirty="0"/>
-          </a:p>
-        </p:txBody>
-      </p:sp>
-      <p:sp>
-        <p:nvSpPr>
-          <p:cNvPr id="23" name="TextBox 22">
-            <a:extLst>
-              <a:ext uri="{FF2B5EF4-FFF2-40B4-BE49-F238E27FC236}">
-                <a16:creationId xmlns:a16="http://schemas.microsoft.com/office/drawing/2014/main" id="{685E19D2-0364-421F-97EF-D152706AAA4E}"/>
-              </a:ext>
-            </a:extLst>
-          </p:cNvPr>
-          <p:cNvSpPr txBox="1"/>
-          <p:nvPr/>
-        </p:nvSpPr>
-        <p:spPr>
-          <a:xfrm>
-            <a:off x="515469" y="288667"/>
-            <a:ext cx="2102224" cy="276999"/>
-          </a:xfrm>
-          <a:prstGeom prst="rect">
-            <a:avLst/>
-          </a:prstGeom>
-          <a:noFill/>
-        </p:spPr>
-        <p:txBody>
-          <a:bodyPr wrap="square" rtlCol="0">
-            <a:spAutoFit/>
-          </a:bodyPr>
-          <a:lstStyle/>
-          <a:p>
-            <a:r>
-              <a:rPr lang="ko-KR" altLang="en-US" sz="1200" dirty="0" err="1"/>
-              <a:t>클릭시</a:t>
-            </a:r>
-            <a:r>
-              <a:rPr lang="ko-KR" altLang="en-US" sz="1200" dirty="0"/>
-              <a:t> </a:t>
-            </a:r>
-            <a:r>
-              <a:rPr lang="ko-KR" altLang="en-US" sz="1200" dirty="0" err="1"/>
-              <a:t>메인페이지</a:t>
-            </a:r>
-            <a:endParaRPr lang="ko-KR" altLang="en-US" sz="1200" dirty="0"/>
-          </a:p>
-        </p:txBody>
-      </p:sp>
-      <p:sp>
-        <p:nvSpPr>
-          <p:cNvPr id="25" name="TextBox 24">
-            <a:extLst>
-              <a:ext uri="{FF2B5EF4-FFF2-40B4-BE49-F238E27FC236}">
-                <a16:creationId xmlns:a16="http://schemas.microsoft.com/office/drawing/2014/main" id="{AE36873D-8C1A-49AF-B6C4-523BFCBCAA80}"/>
-              </a:ext>
-            </a:extLst>
-          </p:cNvPr>
-          <p:cNvSpPr txBox="1"/>
-          <p:nvPr/>
-        </p:nvSpPr>
-        <p:spPr>
-          <a:xfrm>
-            <a:off x="4827492" y="180192"/>
-            <a:ext cx="2102224" cy="276999"/>
-          </a:xfrm>
-          <a:prstGeom prst="rect">
-            <a:avLst/>
-          </a:prstGeom>
-          <a:noFill/>
-        </p:spPr>
-        <p:txBody>
-          <a:bodyPr wrap="square" rtlCol="0">
-            <a:spAutoFit/>
-          </a:bodyPr>
-          <a:lstStyle/>
-          <a:p>
-            <a:r>
-              <a:rPr lang="en-US" altLang="ko-KR" sz="1200" dirty="0"/>
-              <a:t>&lt;</a:t>
-            </a:r>
-            <a:r>
-              <a:rPr lang="ko-KR" altLang="en-US" sz="1200" dirty="0"/>
-              <a:t>메인</a:t>
-            </a:r>
-            <a:r>
-              <a:rPr lang="en-US" altLang="ko-KR" sz="1200" dirty="0"/>
-              <a:t>&gt; - </a:t>
-            </a:r>
-            <a:r>
-              <a:rPr lang="ko-KR" altLang="en-US" sz="1200" dirty="0"/>
-              <a:t> 기존 프로젝트</a:t>
-            </a:r>
-          </a:p>
-        </p:txBody>
-      </p:sp>
-      <p:sp>
-        <p:nvSpPr>
-          <p:cNvPr id="8" name="TextBox 7">
-            <a:extLst>
-              <a:ext uri="{FF2B5EF4-FFF2-40B4-BE49-F238E27FC236}">
-                <a16:creationId xmlns:a16="http://schemas.microsoft.com/office/drawing/2014/main" id="{1EB3F7C8-C930-45B4-ACD0-B6C9A51F407C}"/>
-              </a:ext>
-            </a:extLst>
-          </p:cNvPr>
-          <p:cNvSpPr txBox="1"/>
-          <p:nvPr/>
-        </p:nvSpPr>
-        <p:spPr>
-          <a:xfrm>
-            <a:off x="4374776" y="3186054"/>
-            <a:ext cx="3199042" cy="369332"/>
-          </a:xfrm>
-          <a:prstGeom prst="rect">
-            <a:avLst/>
-          </a:prstGeom>
-          <a:noFill/>
-        </p:spPr>
-        <p:txBody>
-          <a:bodyPr wrap="square" rtlCol="0">
-            <a:spAutoFit/>
-          </a:bodyPr>
-          <a:lstStyle/>
-          <a:p>
-            <a:pPr algn="ctr"/>
-            <a:r>
-              <a:rPr lang="ko-KR" altLang="en-US"/>
-              <a:t>여러 프로젝트 화면 송출</a:t>
-            </a:r>
-            <a:endParaRPr lang="ko-KR" altLang="en-US" dirty="0"/>
-          </a:p>
-        </p:txBody>
-      </p:sp>
-      <p:sp>
-        <p:nvSpPr>
-          <p:cNvPr id="9" name="별: 꼭짓점 6개 8">
-            <a:extLst>
-              <a:ext uri="{FF2B5EF4-FFF2-40B4-BE49-F238E27FC236}">
-                <a16:creationId xmlns:a16="http://schemas.microsoft.com/office/drawing/2014/main" id="{AFFA3CCD-75B5-407A-A7CA-810029762825}"/>
-              </a:ext>
-            </a:extLst>
-          </p:cNvPr>
-          <p:cNvSpPr/>
-          <p:nvPr/>
-        </p:nvSpPr>
-        <p:spPr>
-          <a:xfrm>
-            <a:off x="7969624" y="775892"/>
-            <a:ext cx="1048871" cy="447346"/>
-          </a:xfrm>
-          <a:prstGeom prst="star6">
-            <a:avLst/>
-          </a:prstGeom>
-        </p:spPr>
-        <p:style>
-          <a:lnRef idx="2">
-            <a:schemeClr val="accent1">
-              <a:shade val="50000"/>
-            </a:schemeClr>
-          </a:lnRef>
-          <a:fillRef idx="1">
-            <a:schemeClr val="accent1"/>
-          </a:fillRef>
-          <a:effectRef idx="0">
-            <a:schemeClr val="accent1"/>
-          </a:effectRef>
-          <a:fontRef idx="minor">
-            <a:schemeClr val="lt1"/>
-          </a:fontRef>
-        </p:style>
-        <p:txBody>
-          <a:bodyPr rtlCol="0" anchor="ctr"/>
-          <a:lstStyle/>
-          <a:p>
-            <a:pPr algn="ctr"/>
-            <a:r>
-              <a:rPr lang="ko-KR" altLang="en-US" dirty="0"/>
-              <a:t>설정</a:t>
-            </a:r>
-          </a:p>
-        </p:txBody>
-      </p:sp>
-    </p:spTree>
-    <p:extLst>
-      <p:ext uri="{BB962C8B-B14F-4D97-AF65-F5344CB8AC3E}">
-        <p14:creationId xmlns:p14="http://schemas.microsoft.com/office/powerpoint/2010/main" val="2910107317"/>
-      </p:ext>
-    </p:extLst>
-  </p:cSld>
-  <p:clrMapOvr>
-    <a:masterClrMapping/>
-  </p:clrMapOvr>
-</p:sld>
-</file>
-
-<file path=ppt/slides/slide7.xml><?xml version="1.0" encoding="utf-8"?>
-<p:sld xmlns:a="http://schemas.openxmlformats.org/drawingml/2006/main" xmlns:r="http://schemas.openxmlformats.org/officeDocument/2006/relationships" xmlns:p="http://schemas.openxmlformats.org/presentationml/2006/main">
-  <p:cSld>
-    <p:spTree>
-      <p:nvGrpSpPr>
-        <p:cNvPr id="1" name=""/>
-        <p:cNvGrpSpPr/>
-        <p:nvPr/>
-      </p:nvGrpSpPr>
-      <p:grpSpPr>
-        <a:xfrm>
-          <a:off x="0" y="0"/>
-          <a:ext cx="0" cy="0"/>
-          <a:chOff x="0" y="0"/>
-          <a:chExt cx="0" cy="0"/>
-        </a:xfrm>
-      </p:grpSpPr>
-      <p:sp>
-        <p:nvSpPr>
-          <p:cNvPr id="18" name="직사각형 17">
-            <a:extLst>
-              <a:ext uri="{FF2B5EF4-FFF2-40B4-BE49-F238E27FC236}">
-                <a16:creationId xmlns:a16="http://schemas.microsoft.com/office/drawing/2014/main" id="{CDC4EE87-45EC-40D8-A336-E667EDAC60CC}"/>
-              </a:ext>
-            </a:extLst>
-          </p:cNvPr>
-          <p:cNvSpPr/>
-          <p:nvPr/>
-        </p:nvSpPr>
-        <p:spPr>
-          <a:xfrm>
-            <a:off x="1219200" y="690282"/>
-            <a:ext cx="8910918" cy="5549153"/>
-          </a:xfrm>
-          <a:prstGeom prst="rect">
-            <a:avLst/>
-          </a:prstGeom>
-          <a:noFill/>
-          <a:ln w="28575">
-            <a:solidFill>
-              <a:schemeClr val="tx1"/>
-            </a:solidFill>
-          </a:ln>
-        </p:spPr>
-        <p:style>
-          <a:lnRef idx="2">
-            <a:schemeClr val="accent1">
-              <a:shade val="50000"/>
-            </a:schemeClr>
-          </a:lnRef>
-          <a:fillRef idx="1">
-            <a:schemeClr val="accent1"/>
-          </a:fillRef>
-          <a:effectRef idx="0">
-            <a:schemeClr val="accent1"/>
-          </a:effectRef>
-          <a:fontRef idx="minor">
-            <a:schemeClr val="lt1"/>
-          </a:fontRef>
-        </p:style>
-        <p:txBody>
-          <a:bodyPr rtlCol="0" anchor="ctr"/>
-          <a:lstStyle/>
-          <a:p>
-            <a:pPr algn="ctr"/>
-            <a:endParaRPr lang="ko-KR" altLang="en-US"/>
-          </a:p>
-        </p:txBody>
-      </p:sp>
-      <p:cxnSp>
-        <p:nvCxnSpPr>
-          <p:cNvPr id="20" name="직선 연결선 19">
-            <a:extLst>
-              <a:ext uri="{FF2B5EF4-FFF2-40B4-BE49-F238E27FC236}">
-                <a16:creationId xmlns:a16="http://schemas.microsoft.com/office/drawing/2014/main" id="{39A883E8-92E7-418B-9DA3-7E96DD63D9F6}"/>
-              </a:ext>
-            </a:extLst>
-          </p:cNvPr>
-          <p:cNvCxnSpPr/>
-          <p:nvPr/>
-        </p:nvCxnSpPr>
-        <p:spPr>
-          <a:xfrm>
-            <a:off x="788894" y="1308847"/>
-            <a:ext cx="9941859" cy="0"/>
-          </a:xfrm>
-          <a:prstGeom prst="line">
-            <a:avLst/>
-          </a:prstGeom>
-        </p:spPr>
-        <p:style>
-          <a:lnRef idx="1">
-            <a:schemeClr val="accent1"/>
-          </a:lnRef>
-          <a:fillRef idx="0">
-            <a:schemeClr val="accent1"/>
-          </a:fillRef>
-          <a:effectRef idx="0">
-            <a:schemeClr val="accent1"/>
-          </a:effectRef>
-          <a:fontRef idx="minor">
-            <a:schemeClr val="tx1"/>
-          </a:fontRef>
-        </p:style>
-      </p:cxnSp>
-      <p:sp>
-        <p:nvSpPr>
-          <p:cNvPr id="21" name="TextBox 20">
-            <a:extLst>
-              <a:ext uri="{FF2B5EF4-FFF2-40B4-BE49-F238E27FC236}">
-                <a16:creationId xmlns:a16="http://schemas.microsoft.com/office/drawing/2014/main" id="{835BF22E-392E-4593-9AE9-C21037E02C83}"/>
-              </a:ext>
-            </a:extLst>
-          </p:cNvPr>
-          <p:cNvSpPr txBox="1"/>
-          <p:nvPr/>
-        </p:nvSpPr>
-        <p:spPr>
-          <a:xfrm>
-            <a:off x="1317812" y="814899"/>
-            <a:ext cx="1210235" cy="369332"/>
-          </a:xfrm>
-          <a:prstGeom prst="rect">
-            <a:avLst/>
-          </a:prstGeom>
-          <a:noFill/>
-        </p:spPr>
-        <p:txBody>
-          <a:bodyPr wrap="square" rtlCol="0">
-            <a:spAutoFit/>
-          </a:bodyPr>
-          <a:lstStyle/>
-          <a:p>
-            <a:r>
-              <a:rPr lang="ko-KR" altLang="en-US"/>
-              <a:t>로고</a:t>
-            </a:r>
-            <a:endParaRPr lang="ko-KR" altLang="en-US" dirty="0"/>
-          </a:p>
-        </p:txBody>
-      </p:sp>
-      <p:sp>
-        <p:nvSpPr>
-          <p:cNvPr id="22" name="TextBox 21">
-            <a:extLst>
-              <a:ext uri="{FF2B5EF4-FFF2-40B4-BE49-F238E27FC236}">
-                <a16:creationId xmlns:a16="http://schemas.microsoft.com/office/drawing/2014/main" id="{6FA3F6FA-278D-487B-AD80-72513F607295}"/>
-              </a:ext>
-            </a:extLst>
-          </p:cNvPr>
-          <p:cNvSpPr txBox="1"/>
-          <p:nvPr/>
-        </p:nvSpPr>
-        <p:spPr>
-          <a:xfrm>
-            <a:off x="9018495" y="814899"/>
-            <a:ext cx="1210235" cy="369332"/>
-          </a:xfrm>
-          <a:prstGeom prst="rect">
-            <a:avLst/>
-          </a:prstGeom>
-          <a:noFill/>
-        </p:spPr>
-        <p:txBody>
-          <a:bodyPr wrap="square" rtlCol="0">
-            <a:spAutoFit/>
-          </a:bodyPr>
-          <a:lstStyle/>
-          <a:p>
-            <a:r>
-              <a:rPr lang="ko-KR" altLang="en-US"/>
-              <a:t>로그아웃</a:t>
-            </a:r>
-            <a:endParaRPr lang="ko-KR" altLang="en-US" dirty="0"/>
-          </a:p>
-        </p:txBody>
-      </p:sp>
-      <p:sp>
-        <p:nvSpPr>
-          <p:cNvPr id="23" name="TextBox 22">
-            <a:extLst>
-              <a:ext uri="{FF2B5EF4-FFF2-40B4-BE49-F238E27FC236}">
-                <a16:creationId xmlns:a16="http://schemas.microsoft.com/office/drawing/2014/main" id="{685E19D2-0364-421F-97EF-D152706AAA4E}"/>
-              </a:ext>
-            </a:extLst>
-          </p:cNvPr>
-          <p:cNvSpPr txBox="1"/>
-          <p:nvPr/>
-        </p:nvSpPr>
-        <p:spPr>
-          <a:xfrm>
-            <a:off x="515469" y="288667"/>
-            <a:ext cx="2102224" cy="276999"/>
-          </a:xfrm>
-          <a:prstGeom prst="rect">
-            <a:avLst/>
-          </a:prstGeom>
-          <a:noFill/>
-        </p:spPr>
-        <p:txBody>
-          <a:bodyPr wrap="square" rtlCol="0">
-            <a:spAutoFit/>
-          </a:bodyPr>
-          <a:lstStyle/>
-          <a:p>
-            <a:r>
-              <a:rPr lang="ko-KR" altLang="en-US" sz="1200" dirty="0" err="1"/>
-              <a:t>클릭시</a:t>
-            </a:r>
-            <a:r>
-              <a:rPr lang="ko-KR" altLang="en-US" sz="1200" dirty="0"/>
-              <a:t> </a:t>
-            </a:r>
-            <a:r>
-              <a:rPr lang="ko-KR" altLang="en-US" sz="1200" dirty="0" err="1"/>
-              <a:t>메인페이지</a:t>
-            </a:r>
-            <a:endParaRPr lang="ko-KR" altLang="en-US" sz="1200" dirty="0"/>
-          </a:p>
-        </p:txBody>
-      </p:sp>
-      <p:sp>
-        <p:nvSpPr>
-          <p:cNvPr id="25" name="TextBox 24">
-            <a:extLst>
-              <a:ext uri="{FF2B5EF4-FFF2-40B4-BE49-F238E27FC236}">
-                <a16:creationId xmlns:a16="http://schemas.microsoft.com/office/drawing/2014/main" id="{AE36873D-8C1A-49AF-B6C4-523BFCBCAA80}"/>
-              </a:ext>
-            </a:extLst>
-          </p:cNvPr>
-          <p:cNvSpPr txBox="1"/>
-          <p:nvPr/>
-        </p:nvSpPr>
-        <p:spPr>
-          <a:xfrm>
-            <a:off x="4471147" y="212476"/>
-            <a:ext cx="2102224" cy="276999"/>
-          </a:xfrm>
-          <a:prstGeom prst="rect">
-            <a:avLst/>
-          </a:prstGeom>
-          <a:noFill/>
-        </p:spPr>
-        <p:txBody>
-          <a:bodyPr wrap="square" rtlCol="0">
-            <a:spAutoFit/>
-          </a:bodyPr>
-          <a:lstStyle/>
-          <a:p>
-            <a:pPr algn="ctr"/>
-            <a:r>
-              <a:rPr lang="en-US" altLang="ko-KR" sz="1200" dirty="0"/>
-              <a:t>&lt;</a:t>
-            </a:r>
-            <a:r>
-              <a:rPr lang="ko-KR" altLang="en-US" sz="1200" dirty="0"/>
-              <a:t>알바용</a:t>
-            </a:r>
-            <a:r>
-              <a:rPr lang="en-US" altLang="ko-KR" sz="1200" dirty="0"/>
-              <a:t>&gt;</a:t>
             </a:r>
             <a:endParaRPr lang="ko-KR" altLang="en-US" sz="1200" dirty="0"/>
           </a:p>
@@ -5824,13 +3931,7 @@
           <p:cNvGraphicFramePr>
             <a:graphicFrameLocks noGrp="1"/>
           </p:cNvGraphicFramePr>
-          <p:nvPr>
-            <p:extLst>
-              <p:ext uri="{D42A27DB-BD31-4B8C-83A1-F6EECF244321}">
-                <p14:modId xmlns:p14="http://schemas.microsoft.com/office/powerpoint/2010/main" val="3221804195"/>
-              </p:ext>
-            </p:extLst>
-          </p:nvPr>
+          <p:nvPr/>
         </p:nvGraphicFramePr>
         <p:xfrm>
           <a:off x="3544790" y="2151528"/>
@@ -6558,10 +4659,4877 @@
           </a:p>
         </p:txBody>
       </p:sp>
+      <p:sp>
+        <p:nvSpPr>
+          <p:cNvPr id="5" name="직사각형 4">
+            <a:extLst>
+              <a:ext uri="{FF2B5EF4-FFF2-40B4-BE49-F238E27FC236}">
+                <a16:creationId xmlns:a16="http://schemas.microsoft.com/office/drawing/2014/main" id="{B0E9DA98-2150-423E-B3A6-973626756B04}"/>
+              </a:ext>
+            </a:extLst>
+          </p:cNvPr>
+          <p:cNvSpPr/>
+          <p:nvPr/>
+        </p:nvSpPr>
+        <p:spPr>
+          <a:xfrm>
+            <a:off x="433633" y="-65988"/>
+            <a:ext cx="10485379" cy="6624513"/>
+          </a:xfrm>
+          <a:prstGeom prst="rect">
+            <a:avLst/>
+          </a:prstGeom>
+          <a:solidFill>
+            <a:schemeClr val="tx1">
+              <a:alpha val="50000"/>
+            </a:schemeClr>
+          </a:solidFill>
+          <a:ln>
+            <a:solidFill>
+              <a:schemeClr val="accent1">
+                <a:shade val="50000"/>
+                <a:alpha val="50000"/>
+              </a:schemeClr>
+            </a:solidFill>
+          </a:ln>
+        </p:spPr>
+        <p:style>
+          <a:lnRef idx="2">
+            <a:schemeClr val="accent1">
+              <a:shade val="50000"/>
+            </a:schemeClr>
+          </a:lnRef>
+          <a:fillRef idx="1">
+            <a:schemeClr val="accent1"/>
+          </a:fillRef>
+          <a:effectRef idx="0">
+            <a:schemeClr val="accent1"/>
+          </a:effectRef>
+          <a:fontRef idx="minor">
+            <a:schemeClr val="lt1"/>
+          </a:fontRef>
+        </p:style>
+        <p:txBody>
+          <a:bodyPr rtlCol="0" anchor="ctr"/>
+          <a:lstStyle/>
+          <a:p>
+            <a:pPr algn="ctr"/>
+            <a:endParaRPr lang="ko-KR" altLang="en-US" dirty="0"/>
+          </a:p>
+        </p:txBody>
+      </p:sp>
+      <p:sp>
+        <p:nvSpPr>
+          <p:cNvPr id="6" name="직사각형 5">
+            <a:extLst>
+              <a:ext uri="{FF2B5EF4-FFF2-40B4-BE49-F238E27FC236}">
+                <a16:creationId xmlns:a16="http://schemas.microsoft.com/office/drawing/2014/main" id="{CFFCA24C-715A-41FE-9B0F-E3E7D58C8102}"/>
+              </a:ext>
+            </a:extLst>
+          </p:cNvPr>
+          <p:cNvSpPr/>
+          <p:nvPr/>
+        </p:nvSpPr>
+        <p:spPr>
+          <a:xfrm>
+            <a:off x="6573371" y="151234"/>
+            <a:ext cx="3092665" cy="6016484"/>
+          </a:xfrm>
+          <a:prstGeom prst="rect">
+            <a:avLst/>
+          </a:prstGeom>
+          <a:solidFill>
+            <a:schemeClr val="bg1">
+              <a:alpha val="90000"/>
+            </a:schemeClr>
+          </a:solidFill>
+        </p:spPr>
+        <p:style>
+          <a:lnRef idx="2">
+            <a:schemeClr val="accent1">
+              <a:shade val="50000"/>
+            </a:schemeClr>
+          </a:lnRef>
+          <a:fillRef idx="1">
+            <a:schemeClr val="accent1"/>
+          </a:fillRef>
+          <a:effectRef idx="0">
+            <a:schemeClr val="accent1"/>
+          </a:effectRef>
+          <a:fontRef idx="minor">
+            <a:schemeClr val="lt1"/>
+          </a:fontRef>
+        </p:style>
+        <p:txBody>
+          <a:bodyPr rtlCol="0" anchor="ctr"/>
+          <a:lstStyle/>
+          <a:p>
+            <a:pPr algn="ctr"/>
+            <a:endParaRPr lang="ko-KR" altLang="en-US"/>
+          </a:p>
+        </p:txBody>
+      </p:sp>
+      <p:sp>
+        <p:nvSpPr>
+          <p:cNvPr id="17" name="TextBox 16">
+            <a:extLst>
+              <a:ext uri="{FF2B5EF4-FFF2-40B4-BE49-F238E27FC236}">
+                <a16:creationId xmlns:a16="http://schemas.microsoft.com/office/drawing/2014/main" id="{AB98979C-9E72-4B97-B8EE-4F4B01B36987}"/>
+              </a:ext>
+            </a:extLst>
+          </p:cNvPr>
+          <p:cNvSpPr txBox="1"/>
+          <p:nvPr/>
+        </p:nvSpPr>
+        <p:spPr>
+          <a:xfrm>
+            <a:off x="6582879" y="259458"/>
+            <a:ext cx="1210235" cy="369332"/>
+          </a:xfrm>
+          <a:prstGeom prst="rect">
+            <a:avLst/>
+          </a:prstGeom>
+          <a:noFill/>
+        </p:spPr>
+        <p:txBody>
+          <a:bodyPr wrap="square" rtlCol="0">
+            <a:spAutoFit/>
+          </a:bodyPr>
+          <a:lstStyle/>
+          <a:p>
+            <a:r>
+              <a:rPr lang="ko-KR" altLang="en-US" dirty="0" err="1"/>
+              <a:t>년월일</a:t>
+            </a:r>
+            <a:endParaRPr lang="ko-KR" altLang="en-US" dirty="0"/>
+          </a:p>
+        </p:txBody>
+      </p:sp>
+      <p:sp>
+        <p:nvSpPr>
+          <p:cNvPr id="19" name="TextBox 18">
+            <a:extLst>
+              <a:ext uri="{FF2B5EF4-FFF2-40B4-BE49-F238E27FC236}">
+                <a16:creationId xmlns:a16="http://schemas.microsoft.com/office/drawing/2014/main" id="{7C55DC31-4B14-4741-BED5-ADE8AC804D9C}"/>
+              </a:ext>
+            </a:extLst>
+          </p:cNvPr>
+          <p:cNvSpPr txBox="1"/>
+          <p:nvPr/>
+        </p:nvSpPr>
+        <p:spPr>
+          <a:xfrm>
+            <a:off x="7297658" y="5618403"/>
+            <a:ext cx="2102224" cy="276999"/>
+          </a:xfrm>
+          <a:prstGeom prst="rect">
+            <a:avLst/>
+          </a:prstGeom>
+          <a:noFill/>
+        </p:spPr>
+        <p:txBody>
+          <a:bodyPr wrap="square" rtlCol="0">
+            <a:spAutoFit/>
+          </a:bodyPr>
+          <a:lstStyle/>
+          <a:p>
+            <a:r>
+              <a:rPr lang="ko-KR" altLang="en-US" sz="1200" dirty="0" err="1"/>
+              <a:t>클릭시</a:t>
+            </a:r>
+            <a:r>
+              <a:rPr lang="ko-KR" altLang="en-US" sz="1200" dirty="0"/>
+              <a:t> </a:t>
+            </a:r>
+            <a:r>
+              <a:rPr lang="ko-KR" altLang="en-US" sz="1200" dirty="0" err="1"/>
+              <a:t>메인페이지</a:t>
+            </a:r>
+            <a:endParaRPr lang="ko-KR" altLang="en-US" sz="1200" dirty="0"/>
+          </a:p>
+        </p:txBody>
+      </p:sp>
+      <p:cxnSp>
+        <p:nvCxnSpPr>
+          <p:cNvPr id="24" name="직선 연결선 23">
+            <a:extLst>
+              <a:ext uri="{FF2B5EF4-FFF2-40B4-BE49-F238E27FC236}">
+                <a16:creationId xmlns:a16="http://schemas.microsoft.com/office/drawing/2014/main" id="{C42E26FE-338C-46A2-93DD-05927097290F}"/>
+              </a:ext>
+            </a:extLst>
+          </p:cNvPr>
+          <p:cNvCxnSpPr>
+            <a:cxnSpLocks/>
+          </p:cNvCxnSpPr>
+          <p:nvPr/>
+        </p:nvCxnSpPr>
+        <p:spPr>
+          <a:xfrm>
+            <a:off x="6573371" y="1184231"/>
+            <a:ext cx="3092665" cy="0"/>
+          </a:xfrm>
+          <a:prstGeom prst="line">
+            <a:avLst/>
+          </a:prstGeom>
+          <a:ln w="15875">
+            <a:solidFill>
+              <a:schemeClr val="tx1"/>
+            </a:solidFill>
+          </a:ln>
+        </p:spPr>
+        <p:style>
+          <a:lnRef idx="1">
+            <a:schemeClr val="accent1"/>
+          </a:lnRef>
+          <a:fillRef idx="0">
+            <a:schemeClr val="accent1"/>
+          </a:fillRef>
+          <a:effectRef idx="0">
+            <a:schemeClr val="accent1"/>
+          </a:effectRef>
+          <a:fontRef idx="minor">
+            <a:schemeClr val="tx1"/>
+          </a:fontRef>
+        </p:style>
+      </p:cxnSp>
+      <p:sp>
+        <p:nvSpPr>
+          <p:cNvPr id="26" name="직사각형 25">
+            <a:extLst>
+              <a:ext uri="{FF2B5EF4-FFF2-40B4-BE49-F238E27FC236}">
+                <a16:creationId xmlns:a16="http://schemas.microsoft.com/office/drawing/2014/main" id="{8E8C8498-0E0E-4D9F-93DC-9ED87274D4C1}"/>
+              </a:ext>
+            </a:extLst>
+          </p:cNvPr>
+          <p:cNvSpPr/>
+          <p:nvPr/>
+        </p:nvSpPr>
+        <p:spPr>
+          <a:xfrm>
+            <a:off x="1932515" y="151234"/>
+            <a:ext cx="4633045" cy="6016484"/>
+          </a:xfrm>
+          <a:prstGeom prst="rect">
+            <a:avLst/>
+          </a:prstGeom>
+          <a:solidFill>
+            <a:schemeClr val="bg1">
+              <a:alpha val="90000"/>
+            </a:schemeClr>
+          </a:solidFill>
+          <a:ln w="25400">
+            <a:solidFill>
+              <a:schemeClr val="tx1"/>
+            </a:solidFill>
+          </a:ln>
+        </p:spPr>
+        <p:style>
+          <a:lnRef idx="2">
+            <a:schemeClr val="accent1">
+              <a:shade val="50000"/>
+            </a:schemeClr>
+          </a:lnRef>
+          <a:fillRef idx="1">
+            <a:schemeClr val="accent1"/>
+          </a:fillRef>
+          <a:effectRef idx="0">
+            <a:schemeClr val="accent1"/>
+          </a:effectRef>
+          <a:fontRef idx="minor">
+            <a:schemeClr val="lt1"/>
+          </a:fontRef>
+        </p:style>
+        <p:txBody>
+          <a:bodyPr rtlCol="0" anchor="ctr"/>
+          <a:lstStyle/>
+          <a:p>
+            <a:pPr algn="ctr"/>
+            <a:endParaRPr lang="ko-KR" altLang="en-US"/>
+          </a:p>
+        </p:txBody>
+      </p:sp>
+      <p:sp>
+        <p:nvSpPr>
+          <p:cNvPr id="27" name="TextBox 26">
+            <a:extLst>
+              <a:ext uri="{FF2B5EF4-FFF2-40B4-BE49-F238E27FC236}">
+                <a16:creationId xmlns:a16="http://schemas.microsoft.com/office/drawing/2014/main" id="{4EADD001-5B37-41E6-8BD4-6CECA5492103}"/>
+              </a:ext>
+            </a:extLst>
+          </p:cNvPr>
+          <p:cNvSpPr txBox="1"/>
+          <p:nvPr/>
+        </p:nvSpPr>
+        <p:spPr>
+          <a:xfrm>
+            <a:off x="2051271" y="330966"/>
+            <a:ext cx="1210235" cy="369332"/>
+          </a:xfrm>
+          <a:prstGeom prst="rect">
+            <a:avLst/>
+          </a:prstGeom>
+          <a:noFill/>
+        </p:spPr>
+        <p:txBody>
+          <a:bodyPr wrap="square" rtlCol="0">
+            <a:spAutoFit/>
+          </a:bodyPr>
+          <a:lstStyle/>
+          <a:p>
+            <a:r>
+              <a:rPr lang="en-US" altLang="ko-KR" dirty="0"/>
+              <a:t>Today</a:t>
+            </a:r>
+            <a:endParaRPr lang="ko-KR" altLang="en-US" dirty="0"/>
+          </a:p>
+        </p:txBody>
+      </p:sp>
+      <p:sp>
+        <p:nvSpPr>
+          <p:cNvPr id="28" name="직사각형 27">
+            <a:extLst>
+              <a:ext uri="{FF2B5EF4-FFF2-40B4-BE49-F238E27FC236}">
+                <a16:creationId xmlns:a16="http://schemas.microsoft.com/office/drawing/2014/main" id="{CB4546D9-6534-4148-B29A-B62CD4180CCA}"/>
+              </a:ext>
+            </a:extLst>
+          </p:cNvPr>
+          <p:cNvSpPr/>
+          <p:nvPr/>
+        </p:nvSpPr>
+        <p:spPr>
+          <a:xfrm>
+            <a:off x="2199778" y="924982"/>
+            <a:ext cx="4082783" cy="5059231"/>
+          </a:xfrm>
+          <a:prstGeom prst="rect">
+            <a:avLst/>
+          </a:prstGeom>
+          <a:solidFill>
+            <a:schemeClr val="bg1">
+              <a:alpha val="90000"/>
+            </a:schemeClr>
+          </a:solidFill>
+          <a:ln w="25400">
+            <a:solidFill>
+              <a:schemeClr val="tx1"/>
+            </a:solidFill>
+          </a:ln>
+        </p:spPr>
+        <p:style>
+          <a:lnRef idx="2">
+            <a:schemeClr val="accent1">
+              <a:shade val="50000"/>
+            </a:schemeClr>
+          </a:lnRef>
+          <a:fillRef idx="1">
+            <a:schemeClr val="accent1"/>
+          </a:fillRef>
+          <a:effectRef idx="0">
+            <a:schemeClr val="accent1"/>
+          </a:effectRef>
+          <a:fontRef idx="minor">
+            <a:schemeClr val="lt1"/>
+          </a:fontRef>
+        </p:style>
+        <p:txBody>
+          <a:bodyPr rtlCol="0" anchor="ctr"/>
+          <a:lstStyle/>
+          <a:p>
+            <a:pPr algn="ctr"/>
+            <a:endParaRPr lang="ko-KR" altLang="en-US"/>
+          </a:p>
+        </p:txBody>
+      </p:sp>
+      <p:cxnSp>
+        <p:nvCxnSpPr>
+          <p:cNvPr id="29" name="직선 연결선 28">
+            <a:extLst>
+              <a:ext uri="{FF2B5EF4-FFF2-40B4-BE49-F238E27FC236}">
+                <a16:creationId xmlns:a16="http://schemas.microsoft.com/office/drawing/2014/main" id="{A2AEA854-9D04-4AE0-B673-70D8CE54D28D}"/>
+              </a:ext>
+            </a:extLst>
+          </p:cNvPr>
+          <p:cNvCxnSpPr>
+            <a:cxnSpLocks/>
+          </p:cNvCxnSpPr>
+          <p:nvPr/>
+        </p:nvCxnSpPr>
+        <p:spPr>
+          <a:xfrm>
+            <a:off x="6582879" y="5295889"/>
+            <a:ext cx="3143076" cy="0"/>
+          </a:xfrm>
+          <a:prstGeom prst="line">
+            <a:avLst/>
+          </a:prstGeom>
+          <a:ln w="15875">
+            <a:solidFill>
+              <a:schemeClr val="tx1"/>
+            </a:solidFill>
+          </a:ln>
+        </p:spPr>
+        <p:style>
+          <a:lnRef idx="1">
+            <a:schemeClr val="accent1"/>
+          </a:lnRef>
+          <a:fillRef idx="0">
+            <a:schemeClr val="accent1"/>
+          </a:fillRef>
+          <a:effectRef idx="0">
+            <a:schemeClr val="accent1"/>
+          </a:effectRef>
+          <a:fontRef idx="minor">
+            <a:schemeClr val="tx1"/>
+          </a:fontRef>
+        </p:style>
+      </p:cxnSp>
+      <p:sp>
+        <p:nvSpPr>
+          <p:cNvPr id="30" name="TextBox 29">
+            <a:extLst>
+              <a:ext uri="{FF2B5EF4-FFF2-40B4-BE49-F238E27FC236}">
+                <a16:creationId xmlns:a16="http://schemas.microsoft.com/office/drawing/2014/main" id="{D6CF3E83-981C-41EC-8927-1748F7E4804A}"/>
+              </a:ext>
+            </a:extLst>
+          </p:cNvPr>
+          <p:cNvSpPr txBox="1"/>
+          <p:nvPr/>
+        </p:nvSpPr>
+        <p:spPr>
+          <a:xfrm>
+            <a:off x="8897412" y="5542427"/>
+            <a:ext cx="1282012" cy="461665"/>
+          </a:xfrm>
+          <a:prstGeom prst="rect">
+            <a:avLst/>
+          </a:prstGeom>
+          <a:noFill/>
+        </p:spPr>
+        <p:txBody>
+          <a:bodyPr wrap="square" rtlCol="0">
+            <a:spAutoFit/>
+          </a:bodyPr>
+          <a:lstStyle/>
+          <a:p>
+            <a:r>
+              <a:rPr lang="ko-KR" altLang="en-US" sz="1200" dirty="0"/>
+              <a:t>메시지</a:t>
+            </a:r>
+            <a:endParaRPr lang="en-US" altLang="ko-KR" sz="1200" dirty="0"/>
+          </a:p>
+          <a:p>
+            <a:r>
+              <a:rPr lang="ko-KR" altLang="en-US" sz="1200" dirty="0"/>
+              <a:t>전송</a:t>
+            </a:r>
+          </a:p>
+        </p:txBody>
+      </p:sp>
+      <p:pic>
+        <p:nvPicPr>
+          <p:cNvPr id="13" name="그림 12">
+            <a:extLst>
+              <a:ext uri="{FF2B5EF4-FFF2-40B4-BE49-F238E27FC236}">
+                <a16:creationId xmlns:a16="http://schemas.microsoft.com/office/drawing/2014/main" id="{4A1D2CB4-A6F2-4E11-ABDD-3529150C47A7}"/>
+              </a:ext>
+            </a:extLst>
+          </p:cNvPr>
+          <p:cNvPicPr>
+            <a:picLocks noChangeAspect="1"/>
+          </p:cNvPicPr>
+          <p:nvPr/>
+        </p:nvPicPr>
+        <p:blipFill>
+          <a:blip r:embed="rId2"/>
+          <a:stretch>
+            <a:fillRect/>
+          </a:stretch>
+        </p:blipFill>
+        <p:spPr>
+          <a:xfrm>
+            <a:off x="2224150" y="934998"/>
+            <a:ext cx="4013356" cy="5049215"/>
+          </a:xfrm>
+          <a:prstGeom prst="rect">
+            <a:avLst/>
+          </a:prstGeom>
+        </p:spPr>
+      </p:pic>
+      <p:sp>
+        <p:nvSpPr>
+          <p:cNvPr id="31" name="TextBox 30">
+            <a:extLst>
+              <a:ext uri="{FF2B5EF4-FFF2-40B4-BE49-F238E27FC236}">
+                <a16:creationId xmlns:a16="http://schemas.microsoft.com/office/drawing/2014/main" id="{7ED55BE8-00F0-4A77-B027-8248B6A790E3}"/>
+              </a:ext>
+            </a:extLst>
+          </p:cNvPr>
+          <p:cNvSpPr txBox="1"/>
+          <p:nvPr/>
+        </p:nvSpPr>
+        <p:spPr>
+          <a:xfrm>
+            <a:off x="2278985" y="4671403"/>
+            <a:ext cx="453462" cy="646331"/>
+          </a:xfrm>
+          <a:prstGeom prst="rect">
+            <a:avLst/>
+          </a:prstGeom>
+          <a:noFill/>
+        </p:spPr>
+        <p:txBody>
+          <a:bodyPr wrap="square" rtlCol="0">
+            <a:spAutoFit/>
+          </a:bodyPr>
+          <a:lstStyle/>
+          <a:p>
+            <a:r>
+              <a:rPr lang="en-US" altLang="ko-KR" sz="1200" dirty="0"/>
+              <a:t>14</a:t>
+            </a:r>
+          </a:p>
+          <a:p>
+            <a:endParaRPr lang="en-US" altLang="ko-KR" sz="1200" dirty="0"/>
+          </a:p>
+          <a:p>
+            <a:r>
+              <a:rPr lang="en-US" altLang="ko-KR" sz="1200" dirty="0"/>
+              <a:t>20</a:t>
+            </a:r>
+            <a:endParaRPr lang="ko-KR" altLang="en-US" sz="1200" dirty="0"/>
+          </a:p>
+        </p:txBody>
+      </p:sp>
+      <p:sp>
+        <p:nvSpPr>
+          <p:cNvPr id="14" name="타원 13">
+            <a:extLst>
+              <a:ext uri="{FF2B5EF4-FFF2-40B4-BE49-F238E27FC236}">
+                <a16:creationId xmlns:a16="http://schemas.microsoft.com/office/drawing/2014/main" id="{87836D90-2A5B-4498-9109-AAFA93A8E8FC}"/>
+              </a:ext>
+            </a:extLst>
+          </p:cNvPr>
+          <p:cNvSpPr/>
+          <p:nvPr/>
+        </p:nvSpPr>
+        <p:spPr>
+          <a:xfrm>
+            <a:off x="6673124" y="5691816"/>
+            <a:ext cx="148543" cy="124612"/>
+          </a:xfrm>
+          <a:prstGeom prst="ellipse">
+            <a:avLst/>
+          </a:prstGeom>
+        </p:spPr>
+        <p:style>
+          <a:lnRef idx="2">
+            <a:schemeClr val="accent1">
+              <a:shade val="50000"/>
+            </a:schemeClr>
+          </a:lnRef>
+          <a:fillRef idx="1">
+            <a:schemeClr val="accent1"/>
+          </a:fillRef>
+          <a:effectRef idx="0">
+            <a:schemeClr val="accent1"/>
+          </a:effectRef>
+          <a:fontRef idx="minor">
+            <a:schemeClr val="lt1"/>
+          </a:fontRef>
+        </p:style>
+        <p:txBody>
+          <a:bodyPr rtlCol="0" anchor="ctr"/>
+          <a:lstStyle/>
+          <a:p>
+            <a:pPr algn="ctr"/>
+            <a:endParaRPr lang="ko-KR" altLang="en-US"/>
+          </a:p>
+        </p:txBody>
+      </p:sp>
+      <p:cxnSp>
+        <p:nvCxnSpPr>
+          <p:cNvPr id="32" name="직선 연결선 31">
+            <a:extLst>
+              <a:ext uri="{FF2B5EF4-FFF2-40B4-BE49-F238E27FC236}">
+                <a16:creationId xmlns:a16="http://schemas.microsoft.com/office/drawing/2014/main" id="{287DA478-D349-4003-9E4E-701210000E40}"/>
+              </a:ext>
+            </a:extLst>
+          </p:cNvPr>
+          <p:cNvCxnSpPr>
+            <a:cxnSpLocks/>
+          </p:cNvCxnSpPr>
+          <p:nvPr/>
+        </p:nvCxnSpPr>
+        <p:spPr>
+          <a:xfrm>
+            <a:off x="6747395" y="5761857"/>
+            <a:ext cx="285001" cy="0"/>
+          </a:xfrm>
+          <a:prstGeom prst="line">
+            <a:avLst/>
+          </a:prstGeom>
+          <a:ln w="15875">
+            <a:solidFill>
+              <a:schemeClr val="tx1"/>
+            </a:solidFill>
+          </a:ln>
+        </p:spPr>
+        <p:style>
+          <a:lnRef idx="1">
+            <a:schemeClr val="accent1"/>
+          </a:lnRef>
+          <a:fillRef idx="0">
+            <a:schemeClr val="accent1"/>
+          </a:fillRef>
+          <a:effectRef idx="0">
+            <a:schemeClr val="accent1"/>
+          </a:effectRef>
+          <a:fontRef idx="minor">
+            <a:schemeClr val="tx1"/>
+          </a:fontRef>
+        </p:style>
+      </p:cxnSp>
+      <p:sp>
+        <p:nvSpPr>
+          <p:cNvPr id="34" name="TextBox 33">
+            <a:extLst>
+              <a:ext uri="{FF2B5EF4-FFF2-40B4-BE49-F238E27FC236}">
+                <a16:creationId xmlns:a16="http://schemas.microsoft.com/office/drawing/2014/main" id="{EFC76FEF-D9D0-469E-BD4E-5F299EBFB848}"/>
+              </a:ext>
+            </a:extLst>
+          </p:cNvPr>
+          <p:cNvSpPr txBox="1"/>
+          <p:nvPr/>
+        </p:nvSpPr>
+        <p:spPr>
+          <a:xfrm>
+            <a:off x="6696159" y="1371156"/>
+            <a:ext cx="1703123" cy="369332"/>
+          </a:xfrm>
+          <a:prstGeom prst="rect">
+            <a:avLst/>
+          </a:prstGeom>
+          <a:noFill/>
+        </p:spPr>
+        <p:txBody>
+          <a:bodyPr wrap="square" rtlCol="0">
+            <a:spAutoFit/>
+          </a:bodyPr>
+          <a:lstStyle/>
+          <a:p>
+            <a:r>
+              <a:rPr lang="ko-KR" altLang="en-US" dirty="0"/>
+              <a:t>패티 </a:t>
+            </a:r>
+            <a:r>
+              <a:rPr lang="ko-KR" altLang="en-US" dirty="0" err="1"/>
+              <a:t>상해떠요</a:t>
+            </a:r>
+            <a:endParaRPr lang="ko-KR" altLang="en-US" dirty="0"/>
+          </a:p>
+        </p:txBody>
+      </p:sp>
+      <p:sp>
+        <p:nvSpPr>
+          <p:cNvPr id="35" name="TextBox 34">
+            <a:extLst>
+              <a:ext uri="{FF2B5EF4-FFF2-40B4-BE49-F238E27FC236}">
+                <a16:creationId xmlns:a16="http://schemas.microsoft.com/office/drawing/2014/main" id="{902C0F1D-FB67-4DC7-B337-788F08E2AFCA}"/>
+              </a:ext>
+            </a:extLst>
+          </p:cNvPr>
+          <p:cNvSpPr txBox="1"/>
+          <p:nvPr/>
+        </p:nvSpPr>
+        <p:spPr>
+          <a:xfrm>
+            <a:off x="7180263" y="4671402"/>
+            <a:ext cx="2481159" cy="646331"/>
+          </a:xfrm>
+          <a:prstGeom prst="rect">
+            <a:avLst/>
+          </a:prstGeom>
+          <a:noFill/>
+        </p:spPr>
+        <p:txBody>
+          <a:bodyPr wrap="square" rtlCol="0">
+            <a:spAutoFit/>
+          </a:bodyPr>
+          <a:lstStyle/>
+          <a:p>
+            <a:r>
+              <a:rPr lang="en-US" altLang="ko-KR" dirty="0"/>
+              <a:t>12</a:t>
+            </a:r>
+            <a:r>
+              <a:rPr lang="ko-KR" altLang="en-US" dirty="0"/>
+              <a:t>월 </a:t>
+            </a:r>
+            <a:r>
+              <a:rPr lang="en-US" altLang="ko-KR" dirty="0"/>
+              <a:t>25</a:t>
+            </a:r>
+            <a:r>
+              <a:rPr lang="ko-KR" altLang="en-US" dirty="0"/>
+              <a:t>일 박세연님이 </a:t>
+            </a:r>
+            <a:r>
+              <a:rPr lang="ko-KR" altLang="en-US" dirty="0" err="1"/>
+              <a:t>대타요청했습니다</a:t>
+            </a:r>
+            <a:r>
+              <a:rPr lang="en-US" altLang="ko-KR" dirty="0"/>
+              <a:t>.</a:t>
+            </a:r>
+            <a:endParaRPr lang="ko-KR" altLang="en-US" dirty="0"/>
+          </a:p>
+        </p:txBody>
+      </p:sp>
+      <p:sp>
+        <p:nvSpPr>
+          <p:cNvPr id="36" name="TextBox 35">
+            <a:extLst>
+              <a:ext uri="{FF2B5EF4-FFF2-40B4-BE49-F238E27FC236}">
+                <a16:creationId xmlns:a16="http://schemas.microsoft.com/office/drawing/2014/main" id="{03270624-FF8D-48DE-AE2F-704F30CA94ED}"/>
+              </a:ext>
+            </a:extLst>
+          </p:cNvPr>
+          <p:cNvSpPr txBox="1"/>
+          <p:nvPr/>
+        </p:nvSpPr>
+        <p:spPr>
+          <a:xfrm>
+            <a:off x="7982606" y="4363756"/>
+            <a:ext cx="1678815" cy="369332"/>
+          </a:xfrm>
+          <a:prstGeom prst="rect">
+            <a:avLst/>
+          </a:prstGeom>
+          <a:noFill/>
+        </p:spPr>
+        <p:txBody>
+          <a:bodyPr wrap="square" rtlCol="0">
+            <a:spAutoFit/>
+          </a:bodyPr>
+          <a:lstStyle/>
+          <a:p>
+            <a:r>
+              <a:rPr lang="ko-KR" altLang="en-US" dirty="0"/>
+              <a:t>패티 </a:t>
+            </a:r>
+            <a:r>
+              <a:rPr lang="en-US" altLang="ko-KR" dirty="0"/>
+              <a:t>2</a:t>
+            </a:r>
+            <a:r>
+              <a:rPr lang="ko-KR" altLang="en-US" dirty="0"/>
+              <a:t>개 남음</a:t>
+            </a:r>
+          </a:p>
+        </p:txBody>
+      </p:sp>
     </p:spTree>
     <p:extLst>
       <p:ext uri="{BB962C8B-B14F-4D97-AF65-F5344CB8AC3E}">
-        <p14:creationId xmlns:p14="http://schemas.microsoft.com/office/powerpoint/2010/main" val="3590941797"/>
+        <p14:creationId xmlns:p14="http://schemas.microsoft.com/office/powerpoint/2010/main" val="848022613"/>
+      </p:ext>
+    </p:extLst>
+  </p:cSld>
+  <p:clrMapOvr>
+    <a:masterClrMapping/>
+  </p:clrMapOvr>
+</p:sld>
+</file>
+
+<file path=ppt/slides/slide11.xml><?xml version="1.0" encoding="utf-8"?>
+<p:sld xmlns:a="http://schemas.openxmlformats.org/drawingml/2006/main" xmlns:r="http://schemas.openxmlformats.org/officeDocument/2006/relationships" xmlns:p="http://schemas.openxmlformats.org/presentationml/2006/main">
+  <p:cSld>
+    <p:spTree>
+      <p:nvGrpSpPr>
+        <p:cNvPr id="1" name=""/>
+        <p:cNvGrpSpPr/>
+        <p:nvPr/>
+      </p:nvGrpSpPr>
+      <p:grpSpPr>
+        <a:xfrm>
+          <a:off x="0" y="0"/>
+          <a:ext cx="0" cy="0"/>
+          <a:chOff x="0" y="0"/>
+          <a:chExt cx="0" cy="0"/>
+        </a:xfrm>
+      </p:grpSpPr>
+      <p:sp>
+        <p:nvSpPr>
+          <p:cNvPr id="18" name="직사각형 17">
+            <a:extLst>
+              <a:ext uri="{FF2B5EF4-FFF2-40B4-BE49-F238E27FC236}">
+                <a16:creationId xmlns:a16="http://schemas.microsoft.com/office/drawing/2014/main" id="{CDC4EE87-45EC-40D8-A336-E667EDAC60CC}"/>
+              </a:ext>
+            </a:extLst>
+          </p:cNvPr>
+          <p:cNvSpPr/>
+          <p:nvPr/>
+        </p:nvSpPr>
+        <p:spPr>
+          <a:xfrm>
+            <a:off x="1219200" y="690282"/>
+            <a:ext cx="8910918" cy="5549153"/>
+          </a:xfrm>
+          <a:prstGeom prst="rect">
+            <a:avLst/>
+          </a:prstGeom>
+          <a:noFill/>
+          <a:ln w="28575">
+            <a:solidFill>
+              <a:schemeClr val="tx1"/>
+            </a:solidFill>
+          </a:ln>
+        </p:spPr>
+        <p:style>
+          <a:lnRef idx="2">
+            <a:schemeClr val="accent1">
+              <a:shade val="50000"/>
+            </a:schemeClr>
+          </a:lnRef>
+          <a:fillRef idx="1">
+            <a:schemeClr val="accent1"/>
+          </a:fillRef>
+          <a:effectRef idx="0">
+            <a:schemeClr val="accent1"/>
+          </a:effectRef>
+          <a:fontRef idx="minor">
+            <a:schemeClr val="lt1"/>
+          </a:fontRef>
+        </p:style>
+        <p:txBody>
+          <a:bodyPr rtlCol="0" anchor="ctr"/>
+          <a:lstStyle/>
+          <a:p>
+            <a:pPr algn="ctr"/>
+            <a:endParaRPr lang="ko-KR" altLang="en-US"/>
+          </a:p>
+        </p:txBody>
+      </p:sp>
+      <p:cxnSp>
+        <p:nvCxnSpPr>
+          <p:cNvPr id="20" name="직선 연결선 19">
+            <a:extLst>
+              <a:ext uri="{FF2B5EF4-FFF2-40B4-BE49-F238E27FC236}">
+                <a16:creationId xmlns:a16="http://schemas.microsoft.com/office/drawing/2014/main" id="{39A883E8-92E7-418B-9DA3-7E96DD63D9F6}"/>
+              </a:ext>
+            </a:extLst>
+          </p:cNvPr>
+          <p:cNvCxnSpPr/>
+          <p:nvPr/>
+        </p:nvCxnSpPr>
+        <p:spPr>
+          <a:xfrm>
+            <a:off x="788894" y="1308847"/>
+            <a:ext cx="9941859" cy="0"/>
+          </a:xfrm>
+          <a:prstGeom prst="line">
+            <a:avLst/>
+          </a:prstGeom>
+        </p:spPr>
+        <p:style>
+          <a:lnRef idx="1">
+            <a:schemeClr val="accent1"/>
+          </a:lnRef>
+          <a:fillRef idx="0">
+            <a:schemeClr val="accent1"/>
+          </a:fillRef>
+          <a:effectRef idx="0">
+            <a:schemeClr val="accent1"/>
+          </a:effectRef>
+          <a:fontRef idx="minor">
+            <a:schemeClr val="tx1"/>
+          </a:fontRef>
+        </p:style>
+      </p:cxnSp>
+      <p:sp>
+        <p:nvSpPr>
+          <p:cNvPr id="21" name="TextBox 20">
+            <a:extLst>
+              <a:ext uri="{FF2B5EF4-FFF2-40B4-BE49-F238E27FC236}">
+                <a16:creationId xmlns:a16="http://schemas.microsoft.com/office/drawing/2014/main" id="{835BF22E-392E-4593-9AE9-C21037E02C83}"/>
+              </a:ext>
+            </a:extLst>
+          </p:cNvPr>
+          <p:cNvSpPr txBox="1"/>
+          <p:nvPr/>
+        </p:nvSpPr>
+        <p:spPr>
+          <a:xfrm>
+            <a:off x="1317812" y="814899"/>
+            <a:ext cx="1210235" cy="369332"/>
+          </a:xfrm>
+          <a:prstGeom prst="rect">
+            <a:avLst/>
+          </a:prstGeom>
+          <a:noFill/>
+        </p:spPr>
+        <p:txBody>
+          <a:bodyPr wrap="square" rtlCol="0">
+            <a:spAutoFit/>
+          </a:bodyPr>
+          <a:lstStyle/>
+          <a:p>
+            <a:r>
+              <a:rPr lang="ko-KR" altLang="en-US"/>
+              <a:t>로고</a:t>
+            </a:r>
+            <a:endParaRPr lang="ko-KR" altLang="en-US" dirty="0"/>
+          </a:p>
+        </p:txBody>
+      </p:sp>
+      <p:sp>
+        <p:nvSpPr>
+          <p:cNvPr id="22" name="TextBox 21">
+            <a:extLst>
+              <a:ext uri="{FF2B5EF4-FFF2-40B4-BE49-F238E27FC236}">
+                <a16:creationId xmlns:a16="http://schemas.microsoft.com/office/drawing/2014/main" id="{6FA3F6FA-278D-487B-AD80-72513F607295}"/>
+              </a:ext>
+            </a:extLst>
+          </p:cNvPr>
+          <p:cNvSpPr txBox="1"/>
+          <p:nvPr/>
+        </p:nvSpPr>
+        <p:spPr>
+          <a:xfrm>
+            <a:off x="9018495" y="814899"/>
+            <a:ext cx="1210235" cy="369332"/>
+          </a:xfrm>
+          <a:prstGeom prst="rect">
+            <a:avLst/>
+          </a:prstGeom>
+          <a:noFill/>
+        </p:spPr>
+        <p:txBody>
+          <a:bodyPr wrap="square" rtlCol="0">
+            <a:spAutoFit/>
+          </a:bodyPr>
+          <a:lstStyle/>
+          <a:p>
+            <a:r>
+              <a:rPr lang="ko-KR" altLang="en-US"/>
+              <a:t>로그아웃</a:t>
+            </a:r>
+            <a:endParaRPr lang="ko-KR" altLang="en-US" dirty="0"/>
+          </a:p>
+        </p:txBody>
+      </p:sp>
+      <p:sp>
+        <p:nvSpPr>
+          <p:cNvPr id="23" name="TextBox 22">
+            <a:extLst>
+              <a:ext uri="{FF2B5EF4-FFF2-40B4-BE49-F238E27FC236}">
+                <a16:creationId xmlns:a16="http://schemas.microsoft.com/office/drawing/2014/main" id="{685E19D2-0364-421F-97EF-D152706AAA4E}"/>
+              </a:ext>
+            </a:extLst>
+          </p:cNvPr>
+          <p:cNvSpPr txBox="1"/>
+          <p:nvPr/>
+        </p:nvSpPr>
+        <p:spPr>
+          <a:xfrm>
+            <a:off x="515469" y="288667"/>
+            <a:ext cx="2102224" cy="276999"/>
+          </a:xfrm>
+          <a:prstGeom prst="rect">
+            <a:avLst/>
+          </a:prstGeom>
+          <a:noFill/>
+        </p:spPr>
+        <p:txBody>
+          <a:bodyPr wrap="square" rtlCol="0">
+            <a:spAutoFit/>
+          </a:bodyPr>
+          <a:lstStyle/>
+          <a:p>
+            <a:r>
+              <a:rPr lang="ko-KR" altLang="en-US" sz="1200" dirty="0" err="1"/>
+              <a:t>클릭시</a:t>
+            </a:r>
+            <a:r>
+              <a:rPr lang="ko-KR" altLang="en-US" sz="1200" dirty="0"/>
+              <a:t> </a:t>
+            </a:r>
+            <a:r>
+              <a:rPr lang="ko-KR" altLang="en-US" sz="1200" dirty="0" err="1"/>
+              <a:t>메인페이지</a:t>
+            </a:r>
+            <a:endParaRPr lang="ko-KR" altLang="en-US" sz="1200" dirty="0"/>
+          </a:p>
+        </p:txBody>
+      </p:sp>
+      <p:sp>
+        <p:nvSpPr>
+          <p:cNvPr id="7" name="TextBox 6">
+            <a:extLst>
+              <a:ext uri="{FF2B5EF4-FFF2-40B4-BE49-F238E27FC236}">
+                <a16:creationId xmlns:a16="http://schemas.microsoft.com/office/drawing/2014/main" id="{95BEDD33-0259-42A9-A6E7-DF4CC92644E9}"/>
+              </a:ext>
+            </a:extLst>
+          </p:cNvPr>
+          <p:cNvSpPr txBox="1"/>
+          <p:nvPr/>
+        </p:nvSpPr>
+        <p:spPr>
+          <a:xfrm>
+            <a:off x="4119282" y="224118"/>
+            <a:ext cx="3110754" cy="369332"/>
+          </a:xfrm>
+          <a:prstGeom prst="rect">
+            <a:avLst/>
+          </a:prstGeom>
+          <a:noFill/>
+        </p:spPr>
+        <p:txBody>
+          <a:bodyPr wrap="square" rtlCol="0">
+            <a:spAutoFit/>
+          </a:bodyPr>
+          <a:lstStyle/>
+          <a:p>
+            <a:pPr algn="ctr"/>
+            <a:r>
+              <a:rPr lang="en-US" altLang="ko-KR" sz="1800" dirty="0"/>
+              <a:t>&lt;</a:t>
+            </a:r>
+            <a:r>
+              <a:rPr lang="ko-KR" altLang="en-US" sz="1800" dirty="0"/>
+              <a:t>설정</a:t>
+            </a:r>
+            <a:r>
+              <a:rPr lang="en-US" altLang="ko-KR" sz="1800" dirty="0"/>
+              <a:t>&gt;</a:t>
+            </a:r>
+            <a:endParaRPr lang="ko-KR" altLang="en-US" sz="1800" dirty="0"/>
+          </a:p>
+        </p:txBody>
+      </p:sp>
+      <p:sp>
+        <p:nvSpPr>
+          <p:cNvPr id="11" name="TextBox 10">
+            <a:extLst>
+              <a:ext uri="{FF2B5EF4-FFF2-40B4-BE49-F238E27FC236}">
+                <a16:creationId xmlns:a16="http://schemas.microsoft.com/office/drawing/2014/main" id="{F248A6B2-460B-4BD8-895F-F874DDD80B70}"/>
+              </a:ext>
+            </a:extLst>
+          </p:cNvPr>
+          <p:cNvSpPr txBox="1"/>
+          <p:nvPr/>
+        </p:nvSpPr>
+        <p:spPr>
+          <a:xfrm>
+            <a:off x="8205508" y="814899"/>
+            <a:ext cx="714375" cy="369332"/>
+          </a:xfrm>
+          <a:prstGeom prst="rect">
+            <a:avLst/>
+          </a:prstGeom>
+          <a:noFill/>
+        </p:spPr>
+        <p:txBody>
+          <a:bodyPr wrap="square" rtlCol="0">
+            <a:spAutoFit/>
+          </a:bodyPr>
+          <a:lstStyle/>
+          <a:p>
+            <a:r>
+              <a:rPr lang="ko-KR" altLang="en-US" dirty="0"/>
+              <a:t>관리</a:t>
+            </a:r>
+          </a:p>
+        </p:txBody>
+      </p:sp>
+      <p:sp>
+        <p:nvSpPr>
+          <p:cNvPr id="12" name="TextBox 11">
+            <a:extLst>
+              <a:ext uri="{FF2B5EF4-FFF2-40B4-BE49-F238E27FC236}">
+                <a16:creationId xmlns:a16="http://schemas.microsoft.com/office/drawing/2014/main" id="{EF599977-4459-4E79-AEC7-5701DCC21D00}"/>
+              </a:ext>
+            </a:extLst>
+          </p:cNvPr>
+          <p:cNvSpPr txBox="1"/>
+          <p:nvPr/>
+        </p:nvSpPr>
+        <p:spPr>
+          <a:xfrm>
+            <a:off x="1317812" y="1493514"/>
+            <a:ext cx="1567278" cy="369332"/>
+          </a:xfrm>
+          <a:prstGeom prst="rect">
+            <a:avLst/>
+          </a:prstGeom>
+          <a:noFill/>
+        </p:spPr>
+        <p:txBody>
+          <a:bodyPr wrap="square" rtlCol="0">
+            <a:spAutoFit/>
+          </a:bodyPr>
+          <a:lstStyle/>
+          <a:p>
+            <a:r>
+              <a:rPr lang="ko-KR" altLang="en-US"/>
+              <a:t>프로젝트명</a:t>
+            </a:r>
+            <a:endParaRPr lang="ko-KR" altLang="en-US" dirty="0"/>
+          </a:p>
+        </p:txBody>
+      </p:sp>
+      <p:cxnSp>
+        <p:nvCxnSpPr>
+          <p:cNvPr id="3" name="직선 연결선 2">
+            <a:extLst>
+              <a:ext uri="{FF2B5EF4-FFF2-40B4-BE49-F238E27FC236}">
+                <a16:creationId xmlns:a16="http://schemas.microsoft.com/office/drawing/2014/main" id="{F7B11E40-3C41-490F-AAD9-D56E79C4D7A8}"/>
+              </a:ext>
+            </a:extLst>
+          </p:cNvPr>
+          <p:cNvCxnSpPr>
+            <a:cxnSpLocks/>
+          </p:cNvCxnSpPr>
+          <p:nvPr/>
+        </p:nvCxnSpPr>
+        <p:spPr>
+          <a:xfrm flipV="1">
+            <a:off x="3478306" y="3630706"/>
+            <a:ext cx="6454588" cy="1"/>
+          </a:xfrm>
+          <a:prstGeom prst="line">
+            <a:avLst/>
+          </a:prstGeom>
+        </p:spPr>
+        <p:style>
+          <a:lnRef idx="1">
+            <a:schemeClr val="accent1"/>
+          </a:lnRef>
+          <a:fillRef idx="0">
+            <a:schemeClr val="accent1"/>
+          </a:fillRef>
+          <a:effectRef idx="0">
+            <a:schemeClr val="accent1"/>
+          </a:effectRef>
+          <a:fontRef idx="minor">
+            <a:schemeClr val="tx1"/>
+          </a:fontRef>
+        </p:style>
+      </p:cxnSp>
+      <p:cxnSp>
+        <p:nvCxnSpPr>
+          <p:cNvPr id="16" name="직선 연결선 15">
+            <a:extLst>
+              <a:ext uri="{FF2B5EF4-FFF2-40B4-BE49-F238E27FC236}">
+                <a16:creationId xmlns:a16="http://schemas.microsoft.com/office/drawing/2014/main" id="{EFE378BA-2FE6-4F9B-A3C1-B934C3A6C40A}"/>
+              </a:ext>
+            </a:extLst>
+          </p:cNvPr>
+          <p:cNvCxnSpPr>
+            <a:cxnSpLocks/>
+          </p:cNvCxnSpPr>
+          <p:nvPr/>
+        </p:nvCxnSpPr>
+        <p:spPr>
+          <a:xfrm>
+            <a:off x="6454588" y="1775012"/>
+            <a:ext cx="0" cy="3881717"/>
+          </a:xfrm>
+          <a:prstGeom prst="line">
+            <a:avLst/>
+          </a:prstGeom>
+        </p:spPr>
+        <p:style>
+          <a:lnRef idx="1">
+            <a:schemeClr val="accent1"/>
+          </a:lnRef>
+          <a:fillRef idx="0">
+            <a:schemeClr val="accent1"/>
+          </a:fillRef>
+          <a:effectRef idx="0">
+            <a:schemeClr val="accent1"/>
+          </a:effectRef>
+          <a:fontRef idx="minor">
+            <a:schemeClr val="tx1"/>
+          </a:fontRef>
+        </p:style>
+      </p:cxnSp>
+    </p:spTree>
+    <p:extLst>
+      <p:ext uri="{BB962C8B-B14F-4D97-AF65-F5344CB8AC3E}">
+        <p14:creationId xmlns:p14="http://schemas.microsoft.com/office/powerpoint/2010/main" val="3598058405"/>
+      </p:ext>
+    </p:extLst>
+  </p:cSld>
+  <p:clrMapOvr>
+    <a:masterClrMapping/>
+  </p:clrMapOvr>
+</p:sld>
+</file>
+
+<file path=ppt/slides/slide12.xml><?xml version="1.0" encoding="utf-8"?>
+<p:sld xmlns:a="http://schemas.openxmlformats.org/drawingml/2006/main" xmlns:r="http://schemas.openxmlformats.org/officeDocument/2006/relationships" xmlns:p="http://schemas.openxmlformats.org/presentationml/2006/main">
+  <p:cSld>
+    <p:spTree>
+      <p:nvGrpSpPr>
+        <p:cNvPr id="1" name=""/>
+        <p:cNvGrpSpPr/>
+        <p:nvPr/>
+      </p:nvGrpSpPr>
+      <p:grpSpPr>
+        <a:xfrm>
+          <a:off x="0" y="0"/>
+          <a:ext cx="0" cy="0"/>
+          <a:chOff x="0" y="0"/>
+          <a:chExt cx="0" cy="0"/>
+        </a:xfrm>
+      </p:grpSpPr>
+      <p:sp>
+        <p:nvSpPr>
+          <p:cNvPr id="18" name="직사각형 17">
+            <a:extLst>
+              <a:ext uri="{FF2B5EF4-FFF2-40B4-BE49-F238E27FC236}">
+                <a16:creationId xmlns:a16="http://schemas.microsoft.com/office/drawing/2014/main" id="{CDC4EE87-45EC-40D8-A336-E667EDAC60CC}"/>
+              </a:ext>
+            </a:extLst>
+          </p:cNvPr>
+          <p:cNvSpPr/>
+          <p:nvPr/>
+        </p:nvSpPr>
+        <p:spPr>
+          <a:xfrm>
+            <a:off x="1219200" y="690282"/>
+            <a:ext cx="8910918" cy="5549153"/>
+          </a:xfrm>
+          <a:prstGeom prst="rect">
+            <a:avLst/>
+          </a:prstGeom>
+          <a:noFill/>
+          <a:ln w="28575">
+            <a:solidFill>
+              <a:schemeClr val="tx1"/>
+            </a:solidFill>
+          </a:ln>
+        </p:spPr>
+        <p:style>
+          <a:lnRef idx="2">
+            <a:schemeClr val="accent1">
+              <a:shade val="50000"/>
+            </a:schemeClr>
+          </a:lnRef>
+          <a:fillRef idx="1">
+            <a:schemeClr val="accent1"/>
+          </a:fillRef>
+          <a:effectRef idx="0">
+            <a:schemeClr val="accent1"/>
+          </a:effectRef>
+          <a:fontRef idx="minor">
+            <a:schemeClr val="lt1"/>
+          </a:fontRef>
+        </p:style>
+        <p:txBody>
+          <a:bodyPr rtlCol="0" anchor="ctr"/>
+          <a:lstStyle/>
+          <a:p>
+            <a:pPr algn="ctr"/>
+            <a:endParaRPr lang="ko-KR" altLang="en-US"/>
+          </a:p>
+        </p:txBody>
+      </p:sp>
+      <p:cxnSp>
+        <p:nvCxnSpPr>
+          <p:cNvPr id="20" name="직선 연결선 19">
+            <a:extLst>
+              <a:ext uri="{FF2B5EF4-FFF2-40B4-BE49-F238E27FC236}">
+                <a16:creationId xmlns:a16="http://schemas.microsoft.com/office/drawing/2014/main" id="{39A883E8-92E7-418B-9DA3-7E96DD63D9F6}"/>
+              </a:ext>
+            </a:extLst>
+          </p:cNvPr>
+          <p:cNvCxnSpPr/>
+          <p:nvPr/>
+        </p:nvCxnSpPr>
+        <p:spPr>
+          <a:xfrm>
+            <a:off x="788894" y="1308847"/>
+            <a:ext cx="9941859" cy="0"/>
+          </a:xfrm>
+          <a:prstGeom prst="line">
+            <a:avLst/>
+          </a:prstGeom>
+        </p:spPr>
+        <p:style>
+          <a:lnRef idx="1">
+            <a:schemeClr val="accent1"/>
+          </a:lnRef>
+          <a:fillRef idx="0">
+            <a:schemeClr val="accent1"/>
+          </a:fillRef>
+          <a:effectRef idx="0">
+            <a:schemeClr val="accent1"/>
+          </a:effectRef>
+          <a:fontRef idx="minor">
+            <a:schemeClr val="tx1"/>
+          </a:fontRef>
+        </p:style>
+      </p:cxnSp>
+      <p:sp>
+        <p:nvSpPr>
+          <p:cNvPr id="21" name="TextBox 20">
+            <a:extLst>
+              <a:ext uri="{FF2B5EF4-FFF2-40B4-BE49-F238E27FC236}">
+                <a16:creationId xmlns:a16="http://schemas.microsoft.com/office/drawing/2014/main" id="{835BF22E-392E-4593-9AE9-C21037E02C83}"/>
+              </a:ext>
+            </a:extLst>
+          </p:cNvPr>
+          <p:cNvSpPr txBox="1"/>
+          <p:nvPr/>
+        </p:nvSpPr>
+        <p:spPr>
+          <a:xfrm>
+            <a:off x="1317812" y="814899"/>
+            <a:ext cx="1210235" cy="369332"/>
+          </a:xfrm>
+          <a:prstGeom prst="rect">
+            <a:avLst/>
+          </a:prstGeom>
+          <a:noFill/>
+        </p:spPr>
+        <p:txBody>
+          <a:bodyPr wrap="square" rtlCol="0">
+            <a:spAutoFit/>
+          </a:bodyPr>
+          <a:lstStyle/>
+          <a:p>
+            <a:r>
+              <a:rPr lang="ko-KR" altLang="en-US" dirty="0"/>
+              <a:t>로고</a:t>
+            </a:r>
+          </a:p>
+        </p:txBody>
+      </p:sp>
+      <p:sp>
+        <p:nvSpPr>
+          <p:cNvPr id="22" name="TextBox 21">
+            <a:extLst>
+              <a:ext uri="{FF2B5EF4-FFF2-40B4-BE49-F238E27FC236}">
+                <a16:creationId xmlns:a16="http://schemas.microsoft.com/office/drawing/2014/main" id="{6FA3F6FA-278D-487B-AD80-72513F607295}"/>
+              </a:ext>
+            </a:extLst>
+          </p:cNvPr>
+          <p:cNvSpPr txBox="1"/>
+          <p:nvPr/>
+        </p:nvSpPr>
+        <p:spPr>
+          <a:xfrm>
+            <a:off x="9018495" y="814899"/>
+            <a:ext cx="1210235" cy="369332"/>
+          </a:xfrm>
+          <a:prstGeom prst="rect">
+            <a:avLst/>
+          </a:prstGeom>
+          <a:noFill/>
+        </p:spPr>
+        <p:txBody>
+          <a:bodyPr wrap="square" rtlCol="0">
+            <a:spAutoFit/>
+          </a:bodyPr>
+          <a:lstStyle/>
+          <a:p>
+            <a:r>
+              <a:rPr lang="ko-KR" altLang="en-US"/>
+              <a:t>로그아웃</a:t>
+            </a:r>
+            <a:endParaRPr lang="ko-KR" altLang="en-US" dirty="0"/>
+          </a:p>
+        </p:txBody>
+      </p:sp>
+      <p:sp>
+        <p:nvSpPr>
+          <p:cNvPr id="23" name="TextBox 22">
+            <a:extLst>
+              <a:ext uri="{FF2B5EF4-FFF2-40B4-BE49-F238E27FC236}">
+                <a16:creationId xmlns:a16="http://schemas.microsoft.com/office/drawing/2014/main" id="{685E19D2-0364-421F-97EF-D152706AAA4E}"/>
+              </a:ext>
+            </a:extLst>
+          </p:cNvPr>
+          <p:cNvSpPr txBox="1"/>
+          <p:nvPr/>
+        </p:nvSpPr>
+        <p:spPr>
+          <a:xfrm>
+            <a:off x="515469" y="288667"/>
+            <a:ext cx="2102224" cy="276999"/>
+          </a:xfrm>
+          <a:prstGeom prst="rect">
+            <a:avLst/>
+          </a:prstGeom>
+          <a:noFill/>
+        </p:spPr>
+        <p:txBody>
+          <a:bodyPr wrap="square" rtlCol="0">
+            <a:spAutoFit/>
+          </a:bodyPr>
+          <a:lstStyle/>
+          <a:p>
+            <a:r>
+              <a:rPr lang="ko-KR" altLang="en-US" sz="1200" dirty="0" err="1"/>
+              <a:t>클릭시</a:t>
+            </a:r>
+            <a:r>
+              <a:rPr lang="ko-KR" altLang="en-US" sz="1200" dirty="0"/>
+              <a:t> </a:t>
+            </a:r>
+            <a:r>
+              <a:rPr lang="ko-KR" altLang="en-US" sz="1200" dirty="0" err="1"/>
+              <a:t>메인페이지</a:t>
+            </a:r>
+            <a:endParaRPr lang="ko-KR" altLang="en-US" sz="1200" dirty="0"/>
+          </a:p>
+        </p:txBody>
+      </p:sp>
+      <p:sp>
+        <p:nvSpPr>
+          <p:cNvPr id="25" name="TextBox 24">
+            <a:extLst>
+              <a:ext uri="{FF2B5EF4-FFF2-40B4-BE49-F238E27FC236}">
+                <a16:creationId xmlns:a16="http://schemas.microsoft.com/office/drawing/2014/main" id="{AE36873D-8C1A-49AF-B6C4-523BFCBCAA80}"/>
+              </a:ext>
+            </a:extLst>
+          </p:cNvPr>
+          <p:cNvSpPr txBox="1"/>
+          <p:nvPr/>
+        </p:nvSpPr>
+        <p:spPr>
+          <a:xfrm>
+            <a:off x="4471147" y="212476"/>
+            <a:ext cx="2102224" cy="276999"/>
+          </a:xfrm>
+          <a:prstGeom prst="rect">
+            <a:avLst/>
+          </a:prstGeom>
+          <a:noFill/>
+        </p:spPr>
+        <p:txBody>
+          <a:bodyPr wrap="square" rtlCol="0">
+            <a:spAutoFit/>
+          </a:bodyPr>
+          <a:lstStyle/>
+          <a:p>
+            <a:pPr algn="ctr"/>
+            <a:r>
+              <a:rPr lang="en-US" altLang="ko-KR" sz="1200" dirty="0"/>
+              <a:t>&lt;</a:t>
+            </a:r>
+            <a:r>
+              <a:rPr lang="ko-KR" altLang="en-US" sz="1200" dirty="0"/>
+              <a:t>설정</a:t>
+            </a:r>
+            <a:r>
+              <a:rPr lang="en-US" altLang="ko-KR" sz="1200" dirty="0"/>
+              <a:t>&gt;</a:t>
+            </a:r>
+            <a:endParaRPr lang="ko-KR" altLang="en-US" sz="1200" dirty="0"/>
+          </a:p>
+        </p:txBody>
+      </p:sp>
+      <p:sp>
+        <p:nvSpPr>
+          <p:cNvPr id="4" name="별: 꼭짓점 6개 3">
+            <a:extLst>
+              <a:ext uri="{FF2B5EF4-FFF2-40B4-BE49-F238E27FC236}">
+                <a16:creationId xmlns:a16="http://schemas.microsoft.com/office/drawing/2014/main" id="{E7324D8D-C143-47EB-AB80-1C8E2D23B9E2}"/>
+              </a:ext>
+            </a:extLst>
+          </p:cNvPr>
+          <p:cNvSpPr/>
+          <p:nvPr/>
+        </p:nvSpPr>
+        <p:spPr>
+          <a:xfrm>
+            <a:off x="7969624" y="744515"/>
+            <a:ext cx="1048871" cy="447346"/>
+          </a:xfrm>
+          <a:prstGeom prst="star6">
+            <a:avLst/>
+          </a:prstGeom>
+        </p:spPr>
+        <p:style>
+          <a:lnRef idx="2">
+            <a:schemeClr val="accent1">
+              <a:shade val="50000"/>
+            </a:schemeClr>
+          </a:lnRef>
+          <a:fillRef idx="1">
+            <a:schemeClr val="accent1"/>
+          </a:fillRef>
+          <a:effectRef idx="0">
+            <a:schemeClr val="accent1"/>
+          </a:effectRef>
+          <a:fontRef idx="minor">
+            <a:schemeClr val="lt1"/>
+          </a:fontRef>
+        </p:style>
+        <p:txBody>
+          <a:bodyPr rtlCol="0" anchor="ctr"/>
+          <a:lstStyle/>
+          <a:p>
+            <a:pPr algn="ctr"/>
+            <a:r>
+              <a:rPr lang="ko-KR" altLang="en-US" dirty="0"/>
+              <a:t>설정</a:t>
+            </a:r>
+          </a:p>
+        </p:txBody>
+      </p:sp>
+      <p:sp>
+        <p:nvSpPr>
+          <p:cNvPr id="14" name="TextBox 13">
+            <a:extLst>
+              <a:ext uri="{FF2B5EF4-FFF2-40B4-BE49-F238E27FC236}">
+                <a16:creationId xmlns:a16="http://schemas.microsoft.com/office/drawing/2014/main" id="{F50D7196-9583-42DE-9A3B-10097E10367B}"/>
+              </a:ext>
+            </a:extLst>
+          </p:cNvPr>
+          <p:cNvSpPr txBox="1"/>
+          <p:nvPr/>
+        </p:nvSpPr>
+        <p:spPr>
+          <a:xfrm>
+            <a:off x="1317812" y="3792208"/>
+            <a:ext cx="1210235" cy="369332"/>
+          </a:xfrm>
+          <a:prstGeom prst="rect">
+            <a:avLst/>
+          </a:prstGeom>
+          <a:noFill/>
+        </p:spPr>
+        <p:txBody>
+          <a:bodyPr wrap="square" rtlCol="0">
+            <a:spAutoFit/>
+          </a:bodyPr>
+          <a:lstStyle/>
+          <a:p>
+            <a:r>
+              <a:rPr lang="ko-KR" altLang="en-US" dirty="0"/>
+              <a:t>사용자</a:t>
+            </a:r>
+          </a:p>
+        </p:txBody>
+      </p:sp>
+      <p:cxnSp>
+        <p:nvCxnSpPr>
+          <p:cNvPr id="17" name="직선 연결선 16">
+            <a:extLst>
+              <a:ext uri="{FF2B5EF4-FFF2-40B4-BE49-F238E27FC236}">
+                <a16:creationId xmlns:a16="http://schemas.microsoft.com/office/drawing/2014/main" id="{0B6BF562-7D1E-4CA6-BC75-2B2793FCF1C0}"/>
+              </a:ext>
+            </a:extLst>
+          </p:cNvPr>
+          <p:cNvCxnSpPr>
+            <a:cxnSpLocks/>
+          </p:cNvCxnSpPr>
+          <p:nvPr/>
+        </p:nvCxnSpPr>
+        <p:spPr>
+          <a:xfrm>
+            <a:off x="1317812" y="4161540"/>
+            <a:ext cx="912737" cy="0"/>
+          </a:xfrm>
+          <a:prstGeom prst="line">
+            <a:avLst/>
+          </a:prstGeom>
+          <a:ln w="22225">
+            <a:solidFill>
+              <a:schemeClr val="bg1">
+                <a:lumMod val="65000"/>
+              </a:schemeClr>
+            </a:solidFill>
+          </a:ln>
+        </p:spPr>
+        <p:style>
+          <a:lnRef idx="1">
+            <a:schemeClr val="accent1"/>
+          </a:lnRef>
+          <a:fillRef idx="0">
+            <a:schemeClr val="accent1"/>
+          </a:fillRef>
+          <a:effectRef idx="0">
+            <a:schemeClr val="accent1"/>
+          </a:effectRef>
+          <a:fontRef idx="minor">
+            <a:schemeClr val="tx1"/>
+          </a:fontRef>
+        </p:style>
+      </p:cxnSp>
+      <p:pic>
+        <p:nvPicPr>
+          <p:cNvPr id="13" name="그림 12">
+            <a:extLst>
+              <a:ext uri="{FF2B5EF4-FFF2-40B4-BE49-F238E27FC236}">
+                <a16:creationId xmlns:a16="http://schemas.microsoft.com/office/drawing/2014/main" id="{40F5C781-63EB-4EC1-A371-4B5D64381C72}"/>
+              </a:ext>
+            </a:extLst>
+          </p:cNvPr>
+          <p:cNvPicPr>
+            <a:picLocks noChangeAspect="1"/>
+          </p:cNvPicPr>
+          <p:nvPr/>
+        </p:nvPicPr>
+        <p:blipFill>
+          <a:blip r:embed="rId2"/>
+          <a:stretch>
+            <a:fillRect/>
+          </a:stretch>
+        </p:blipFill>
+        <p:spPr>
+          <a:xfrm>
+            <a:off x="1299051" y="1417244"/>
+            <a:ext cx="8751216" cy="2250348"/>
+          </a:xfrm>
+          <a:prstGeom prst="rect">
+            <a:avLst/>
+          </a:prstGeom>
+        </p:spPr>
+      </p:pic>
+      <p:sp>
+        <p:nvSpPr>
+          <p:cNvPr id="24" name="TextBox 23">
+            <a:extLst>
+              <a:ext uri="{FF2B5EF4-FFF2-40B4-BE49-F238E27FC236}">
+                <a16:creationId xmlns:a16="http://schemas.microsoft.com/office/drawing/2014/main" id="{98E603B8-DF96-484F-A5C4-651564A9A69D}"/>
+              </a:ext>
+            </a:extLst>
+          </p:cNvPr>
+          <p:cNvSpPr txBox="1"/>
+          <p:nvPr/>
+        </p:nvSpPr>
+        <p:spPr>
+          <a:xfrm>
+            <a:off x="2208622" y="4348824"/>
+            <a:ext cx="4364749" cy="1477328"/>
+          </a:xfrm>
+          <a:prstGeom prst="rect">
+            <a:avLst/>
+          </a:prstGeom>
+          <a:noFill/>
+        </p:spPr>
+        <p:txBody>
+          <a:bodyPr wrap="square" rtlCol="0">
+            <a:spAutoFit/>
+          </a:bodyPr>
+          <a:lstStyle/>
+          <a:p>
+            <a:r>
+              <a:rPr lang="en-US" altLang="ko-KR" dirty="0"/>
+              <a:t>(</a:t>
+            </a:r>
+            <a:r>
+              <a:rPr lang="ko-KR" altLang="en-US" dirty="0"/>
+              <a:t>관리자</a:t>
+            </a:r>
+            <a:r>
+              <a:rPr lang="en-US" altLang="ko-KR" dirty="0"/>
+              <a:t>) : </a:t>
+            </a:r>
+            <a:r>
+              <a:rPr lang="ko-KR" altLang="en-US" dirty="0"/>
+              <a:t>프로젝트 관리 </a:t>
+            </a:r>
+            <a:endParaRPr lang="en-US" altLang="ko-KR" dirty="0"/>
+          </a:p>
+          <a:p>
+            <a:r>
+              <a:rPr lang="en-US" altLang="ko-KR" dirty="0"/>
+              <a:t>(</a:t>
+            </a:r>
+            <a:r>
+              <a:rPr lang="ko-KR" altLang="en-US" dirty="0"/>
+              <a:t>관리자</a:t>
+            </a:r>
+            <a:r>
+              <a:rPr lang="en-US" altLang="ko-KR" dirty="0"/>
+              <a:t>) : </a:t>
+            </a:r>
+            <a:r>
+              <a:rPr lang="ko-KR" altLang="en-US" dirty="0"/>
+              <a:t>관리자 변경</a:t>
+            </a:r>
+            <a:endParaRPr lang="en-US" altLang="ko-KR" dirty="0"/>
+          </a:p>
+          <a:p>
+            <a:r>
+              <a:rPr lang="ko-KR" altLang="en-US" dirty="0"/>
+              <a:t>프로젝트 나가기</a:t>
+            </a:r>
+            <a:endParaRPr lang="en-US" altLang="ko-KR" dirty="0"/>
+          </a:p>
+          <a:p>
+            <a:r>
+              <a:rPr lang="en-US" altLang="ko-KR" dirty="0"/>
+              <a:t>(</a:t>
+            </a:r>
+            <a:r>
+              <a:rPr lang="ko-KR" altLang="en-US" dirty="0"/>
+              <a:t>관리자</a:t>
+            </a:r>
+            <a:r>
+              <a:rPr lang="en-US" altLang="ko-KR" dirty="0"/>
+              <a:t>) : </a:t>
+            </a:r>
+            <a:r>
+              <a:rPr lang="ko-KR" altLang="en-US" dirty="0"/>
+              <a:t>프로젝트 삭제</a:t>
+            </a:r>
+            <a:endParaRPr lang="en-US" altLang="ko-KR" dirty="0"/>
+          </a:p>
+          <a:p>
+            <a:endParaRPr lang="ko-KR" altLang="en-US" dirty="0"/>
+          </a:p>
+        </p:txBody>
+      </p:sp>
+    </p:spTree>
+    <p:extLst>
+      <p:ext uri="{BB962C8B-B14F-4D97-AF65-F5344CB8AC3E}">
+        <p14:creationId xmlns:p14="http://schemas.microsoft.com/office/powerpoint/2010/main" val="2521895517"/>
+      </p:ext>
+    </p:extLst>
+  </p:cSld>
+  <p:clrMapOvr>
+    <a:masterClrMapping/>
+  </p:clrMapOvr>
+</p:sld>
+</file>
+
+<file path=ppt/slides/slide13.xml><?xml version="1.0" encoding="utf-8"?>
+<p:sld xmlns:a="http://schemas.openxmlformats.org/drawingml/2006/main" xmlns:r="http://schemas.openxmlformats.org/officeDocument/2006/relationships" xmlns:p="http://schemas.openxmlformats.org/presentationml/2006/main">
+  <p:cSld>
+    <p:spTree>
+      <p:nvGrpSpPr>
+        <p:cNvPr id="1" name=""/>
+        <p:cNvGrpSpPr/>
+        <p:nvPr/>
+      </p:nvGrpSpPr>
+      <p:grpSpPr>
+        <a:xfrm>
+          <a:off x="0" y="0"/>
+          <a:ext cx="0" cy="0"/>
+          <a:chOff x="0" y="0"/>
+          <a:chExt cx="0" cy="0"/>
+        </a:xfrm>
+      </p:grpSpPr>
+      <p:sp>
+        <p:nvSpPr>
+          <p:cNvPr id="18" name="직사각형 17">
+            <a:extLst>
+              <a:ext uri="{FF2B5EF4-FFF2-40B4-BE49-F238E27FC236}">
+                <a16:creationId xmlns:a16="http://schemas.microsoft.com/office/drawing/2014/main" id="{CDC4EE87-45EC-40D8-A336-E667EDAC60CC}"/>
+              </a:ext>
+            </a:extLst>
+          </p:cNvPr>
+          <p:cNvSpPr/>
+          <p:nvPr/>
+        </p:nvSpPr>
+        <p:spPr>
+          <a:xfrm>
+            <a:off x="1219200" y="690282"/>
+            <a:ext cx="8910918" cy="5549153"/>
+          </a:xfrm>
+          <a:prstGeom prst="rect">
+            <a:avLst/>
+          </a:prstGeom>
+          <a:noFill/>
+          <a:ln w="28575">
+            <a:solidFill>
+              <a:schemeClr val="tx1"/>
+            </a:solidFill>
+          </a:ln>
+        </p:spPr>
+        <p:style>
+          <a:lnRef idx="2">
+            <a:schemeClr val="accent1">
+              <a:shade val="50000"/>
+            </a:schemeClr>
+          </a:lnRef>
+          <a:fillRef idx="1">
+            <a:schemeClr val="accent1"/>
+          </a:fillRef>
+          <a:effectRef idx="0">
+            <a:schemeClr val="accent1"/>
+          </a:effectRef>
+          <a:fontRef idx="minor">
+            <a:schemeClr val="lt1"/>
+          </a:fontRef>
+        </p:style>
+        <p:txBody>
+          <a:bodyPr rtlCol="0" anchor="ctr"/>
+          <a:lstStyle/>
+          <a:p>
+            <a:pPr algn="ctr"/>
+            <a:endParaRPr lang="ko-KR" altLang="en-US"/>
+          </a:p>
+        </p:txBody>
+      </p:sp>
+      <p:cxnSp>
+        <p:nvCxnSpPr>
+          <p:cNvPr id="20" name="직선 연결선 19">
+            <a:extLst>
+              <a:ext uri="{FF2B5EF4-FFF2-40B4-BE49-F238E27FC236}">
+                <a16:creationId xmlns:a16="http://schemas.microsoft.com/office/drawing/2014/main" id="{39A883E8-92E7-418B-9DA3-7E96DD63D9F6}"/>
+              </a:ext>
+            </a:extLst>
+          </p:cNvPr>
+          <p:cNvCxnSpPr/>
+          <p:nvPr/>
+        </p:nvCxnSpPr>
+        <p:spPr>
+          <a:xfrm>
+            <a:off x="788894" y="1308847"/>
+            <a:ext cx="9941859" cy="0"/>
+          </a:xfrm>
+          <a:prstGeom prst="line">
+            <a:avLst/>
+          </a:prstGeom>
+        </p:spPr>
+        <p:style>
+          <a:lnRef idx="1">
+            <a:schemeClr val="accent1"/>
+          </a:lnRef>
+          <a:fillRef idx="0">
+            <a:schemeClr val="accent1"/>
+          </a:fillRef>
+          <a:effectRef idx="0">
+            <a:schemeClr val="accent1"/>
+          </a:effectRef>
+          <a:fontRef idx="minor">
+            <a:schemeClr val="tx1"/>
+          </a:fontRef>
+        </p:style>
+      </p:cxnSp>
+      <p:sp>
+        <p:nvSpPr>
+          <p:cNvPr id="21" name="TextBox 20">
+            <a:extLst>
+              <a:ext uri="{FF2B5EF4-FFF2-40B4-BE49-F238E27FC236}">
+                <a16:creationId xmlns:a16="http://schemas.microsoft.com/office/drawing/2014/main" id="{835BF22E-392E-4593-9AE9-C21037E02C83}"/>
+              </a:ext>
+            </a:extLst>
+          </p:cNvPr>
+          <p:cNvSpPr txBox="1"/>
+          <p:nvPr/>
+        </p:nvSpPr>
+        <p:spPr>
+          <a:xfrm>
+            <a:off x="1317812" y="814899"/>
+            <a:ext cx="1210235" cy="369332"/>
+          </a:xfrm>
+          <a:prstGeom prst="rect">
+            <a:avLst/>
+          </a:prstGeom>
+          <a:noFill/>
+        </p:spPr>
+        <p:txBody>
+          <a:bodyPr wrap="square" rtlCol="0">
+            <a:spAutoFit/>
+          </a:bodyPr>
+          <a:lstStyle/>
+          <a:p>
+            <a:r>
+              <a:rPr lang="ko-KR" altLang="en-US" dirty="0"/>
+              <a:t>로고</a:t>
+            </a:r>
+          </a:p>
+        </p:txBody>
+      </p:sp>
+      <p:sp>
+        <p:nvSpPr>
+          <p:cNvPr id="22" name="TextBox 21">
+            <a:extLst>
+              <a:ext uri="{FF2B5EF4-FFF2-40B4-BE49-F238E27FC236}">
+                <a16:creationId xmlns:a16="http://schemas.microsoft.com/office/drawing/2014/main" id="{6FA3F6FA-278D-487B-AD80-72513F607295}"/>
+              </a:ext>
+            </a:extLst>
+          </p:cNvPr>
+          <p:cNvSpPr txBox="1"/>
+          <p:nvPr/>
+        </p:nvSpPr>
+        <p:spPr>
+          <a:xfrm>
+            <a:off x="9018495" y="814899"/>
+            <a:ext cx="1210235" cy="369332"/>
+          </a:xfrm>
+          <a:prstGeom prst="rect">
+            <a:avLst/>
+          </a:prstGeom>
+          <a:noFill/>
+        </p:spPr>
+        <p:txBody>
+          <a:bodyPr wrap="square" rtlCol="0">
+            <a:spAutoFit/>
+          </a:bodyPr>
+          <a:lstStyle/>
+          <a:p>
+            <a:r>
+              <a:rPr lang="ko-KR" altLang="en-US"/>
+              <a:t>로그아웃</a:t>
+            </a:r>
+            <a:endParaRPr lang="ko-KR" altLang="en-US" dirty="0"/>
+          </a:p>
+        </p:txBody>
+      </p:sp>
+      <p:sp>
+        <p:nvSpPr>
+          <p:cNvPr id="23" name="TextBox 22">
+            <a:extLst>
+              <a:ext uri="{FF2B5EF4-FFF2-40B4-BE49-F238E27FC236}">
+                <a16:creationId xmlns:a16="http://schemas.microsoft.com/office/drawing/2014/main" id="{685E19D2-0364-421F-97EF-D152706AAA4E}"/>
+              </a:ext>
+            </a:extLst>
+          </p:cNvPr>
+          <p:cNvSpPr txBox="1"/>
+          <p:nvPr/>
+        </p:nvSpPr>
+        <p:spPr>
+          <a:xfrm>
+            <a:off x="515469" y="288667"/>
+            <a:ext cx="2102224" cy="276999"/>
+          </a:xfrm>
+          <a:prstGeom prst="rect">
+            <a:avLst/>
+          </a:prstGeom>
+          <a:noFill/>
+        </p:spPr>
+        <p:txBody>
+          <a:bodyPr wrap="square" rtlCol="0">
+            <a:spAutoFit/>
+          </a:bodyPr>
+          <a:lstStyle/>
+          <a:p>
+            <a:r>
+              <a:rPr lang="ko-KR" altLang="en-US" sz="1200" dirty="0" err="1"/>
+              <a:t>클릭시</a:t>
+            </a:r>
+            <a:r>
+              <a:rPr lang="ko-KR" altLang="en-US" sz="1200" dirty="0"/>
+              <a:t> </a:t>
+            </a:r>
+            <a:r>
+              <a:rPr lang="ko-KR" altLang="en-US" sz="1200" dirty="0" err="1"/>
+              <a:t>메인페이지</a:t>
+            </a:r>
+            <a:endParaRPr lang="ko-KR" altLang="en-US" sz="1200" dirty="0"/>
+          </a:p>
+        </p:txBody>
+      </p:sp>
+      <p:sp>
+        <p:nvSpPr>
+          <p:cNvPr id="25" name="TextBox 24">
+            <a:extLst>
+              <a:ext uri="{FF2B5EF4-FFF2-40B4-BE49-F238E27FC236}">
+                <a16:creationId xmlns:a16="http://schemas.microsoft.com/office/drawing/2014/main" id="{AE36873D-8C1A-49AF-B6C4-523BFCBCAA80}"/>
+              </a:ext>
+            </a:extLst>
+          </p:cNvPr>
+          <p:cNvSpPr txBox="1"/>
+          <p:nvPr/>
+        </p:nvSpPr>
+        <p:spPr>
+          <a:xfrm>
+            <a:off x="4471147" y="212476"/>
+            <a:ext cx="2102224" cy="276999"/>
+          </a:xfrm>
+          <a:prstGeom prst="rect">
+            <a:avLst/>
+          </a:prstGeom>
+          <a:noFill/>
+        </p:spPr>
+        <p:txBody>
+          <a:bodyPr wrap="square" rtlCol="0">
+            <a:spAutoFit/>
+          </a:bodyPr>
+          <a:lstStyle/>
+          <a:p>
+            <a:pPr algn="ctr"/>
+            <a:r>
+              <a:rPr lang="en-US" altLang="ko-KR" sz="1200" dirty="0"/>
+              <a:t>&lt;</a:t>
+            </a:r>
+            <a:r>
+              <a:rPr lang="ko-KR" altLang="en-US" sz="1200" dirty="0"/>
+              <a:t>설정</a:t>
+            </a:r>
+            <a:r>
+              <a:rPr lang="en-US" altLang="ko-KR" sz="1200" dirty="0"/>
+              <a:t>&gt;</a:t>
+            </a:r>
+            <a:endParaRPr lang="ko-KR" altLang="en-US" sz="1200" dirty="0"/>
+          </a:p>
+        </p:txBody>
+      </p:sp>
+      <p:sp>
+        <p:nvSpPr>
+          <p:cNvPr id="4" name="별: 꼭짓점 6개 3">
+            <a:extLst>
+              <a:ext uri="{FF2B5EF4-FFF2-40B4-BE49-F238E27FC236}">
+                <a16:creationId xmlns:a16="http://schemas.microsoft.com/office/drawing/2014/main" id="{E7324D8D-C143-47EB-AB80-1C8E2D23B9E2}"/>
+              </a:ext>
+            </a:extLst>
+          </p:cNvPr>
+          <p:cNvSpPr/>
+          <p:nvPr/>
+        </p:nvSpPr>
+        <p:spPr>
+          <a:xfrm>
+            <a:off x="7969624" y="744515"/>
+            <a:ext cx="1048871" cy="447346"/>
+          </a:xfrm>
+          <a:prstGeom prst="star6">
+            <a:avLst/>
+          </a:prstGeom>
+        </p:spPr>
+        <p:style>
+          <a:lnRef idx="2">
+            <a:schemeClr val="accent1">
+              <a:shade val="50000"/>
+            </a:schemeClr>
+          </a:lnRef>
+          <a:fillRef idx="1">
+            <a:schemeClr val="accent1"/>
+          </a:fillRef>
+          <a:effectRef idx="0">
+            <a:schemeClr val="accent1"/>
+          </a:effectRef>
+          <a:fontRef idx="minor">
+            <a:schemeClr val="lt1"/>
+          </a:fontRef>
+        </p:style>
+        <p:txBody>
+          <a:bodyPr rtlCol="0" anchor="ctr"/>
+          <a:lstStyle/>
+          <a:p>
+            <a:pPr algn="ctr"/>
+            <a:r>
+              <a:rPr lang="ko-KR" altLang="en-US" dirty="0"/>
+              <a:t>설정</a:t>
+            </a:r>
+          </a:p>
+        </p:txBody>
+      </p:sp>
+      <p:sp>
+        <p:nvSpPr>
+          <p:cNvPr id="14" name="TextBox 13">
+            <a:extLst>
+              <a:ext uri="{FF2B5EF4-FFF2-40B4-BE49-F238E27FC236}">
+                <a16:creationId xmlns:a16="http://schemas.microsoft.com/office/drawing/2014/main" id="{F50D7196-9583-42DE-9A3B-10097E10367B}"/>
+              </a:ext>
+            </a:extLst>
+          </p:cNvPr>
+          <p:cNvSpPr txBox="1"/>
+          <p:nvPr/>
+        </p:nvSpPr>
+        <p:spPr>
+          <a:xfrm>
+            <a:off x="1317812" y="1495413"/>
+            <a:ext cx="1461247" cy="369332"/>
+          </a:xfrm>
+          <a:prstGeom prst="rect">
+            <a:avLst/>
+          </a:prstGeom>
+          <a:noFill/>
+        </p:spPr>
+        <p:txBody>
+          <a:bodyPr wrap="square" rtlCol="0">
+            <a:spAutoFit/>
+          </a:bodyPr>
+          <a:lstStyle/>
+          <a:p>
+            <a:r>
+              <a:rPr lang="ko-KR" altLang="en-US"/>
+              <a:t>관리자 변경</a:t>
+            </a:r>
+            <a:endParaRPr lang="ko-KR" altLang="en-US" dirty="0"/>
+          </a:p>
+        </p:txBody>
+      </p:sp>
+      <p:cxnSp>
+        <p:nvCxnSpPr>
+          <p:cNvPr id="17" name="직선 연결선 16">
+            <a:extLst>
+              <a:ext uri="{FF2B5EF4-FFF2-40B4-BE49-F238E27FC236}">
+                <a16:creationId xmlns:a16="http://schemas.microsoft.com/office/drawing/2014/main" id="{0B6BF562-7D1E-4CA6-BC75-2B2793FCF1C0}"/>
+              </a:ext>
+            </a:extLst>
+          </p:cNvPr>
+          <p:cNvCxnSpPr>
+            <a:cxnSpLocks/>
+          </p:cNvCxnSpPr>
+          <p:nvPr/>
+        </p:nvCxnSpPr>
+        <p:spPr>
+          <a:xfrm>
+            <a:off x="1317812" y="1864745"/>
+            <a:ext cx="1541929" cy="0"/>
+          </a:xfrm>
+          <a:prstGeom prst="line">
+            <a:avLst/>
+          </a:prstGeom>
+          <a:ln w="22225">
+            <a:solidFill>
+              <a:schemeClr val="bg1">
+                <a:lumMod val="65000"/>
+              </a:schemeClr>
+            </a:solidFill>
+          </a:ln>
+        </p:spPr>
+        <p:style>
+          <a:lnRef idx="1">
+            <a:schemeClr val="accent1"/>
+          </a:lnRef>
+          <a:fillRef idx="0">
+            <a:schemeClr val="accent1"/>
+          </a:fillRef>
+          <a:effectRef idx="0">
+            <a:schemeClr val="accent1"/>
+          </a:effectRef>
+          <a:fontRef idx="minor">
+            <a:schemeClr val="tx1"/>
+          </a:fontRef>
+        </p:style>
+      </p:cxnSp>
+      <p:sp>
+        <p:nvSpPr>
+          <p:cNvPr id="24" name="TextBox 23">
+            <a:extLst>
+              <a:ext uri="{FF2B5EF4-FFF2-40B4-BE49-F238E27FC236}">
+                <a16:creationId xmlns:a16="http://schemas.microsoft.com/office/drawing/2014/main" id="{98E603B8-DF96-484F-A5C4-651564A9A69D}"/>
+              </a:ext>
+            </a:extLst>
+          </p:cNvPr>
+          <p:cNvSpPr txBox="1"/>
+          <p:nvPr/>
+        </p:nvSpPr>
+        <p:spPr>
+          <a:xfrm>
+            <a:off x="2208622" y="2052029"/>
+            <a:ext cx="4364749" cy="1754326"/>
+          </a:xfrm>
+          <a:prstGeom prst="rect">
+            <a:avLst/>
+          </a:prstGeom>
+          <a:noFill/>
+        </p:spPr>
+        <p:txBody>
+          <a:bodyPr wrap="square" rtlCol="0">
+            <a:spAutoFit/>
+          </a:bodyPr>
+          <a:lstStyle/>
+          <a:p>
+            <a:r>
+              <a:rPr lang="en-US" altLang="ko-KR" dirty="0"/>
+              <a:t>(</a:t>
+            </a:r>
+            <a:r>
+              <a:rPr lang="ko-KR" altLang="en-US" dirty="0"/>
+              <a:t>관리자</a:t>
+            </a:r>
+            <a:r>
+              <a:rPr lang="en-US" altLang="ko-KR" dirty="0"/>
+              <a:t>) : </a:t>
+            </a:r>
+            <a:r>
+              <a:rPr lang="ko-KR" altLang="en-US" dirty="0"/>
+              <a:t>관리자 변경 </a:t>
+            </a:r>
+            <a:endParaRPr lang="en-US" altLang="ko-KR" dirty="0"/>
+          </a:p>
+          <a:p>
+            <a:endParaRPr lang="en-US" altLang="ko-KR" dirty="0"/>
+          </a:p>
+          <a:p>
+            <a:r>
+              <a:rPr lang="ko-KR" altLang="en-US" dirty="0"/>
+              <a:t>해당 프로젝트 인원</a:t>
+            </a:r>
+            <a:endParaRPr lang="en-US" altLang="ko-KR" dirty="0"/>
+          </a:p>
+          <a:p>
+            <a:endParaRPr lang="en-US" altLang="ko-KR" dirty="0"/>
+          </a:p>
+          <a:p>
+            <a:r>
+              <a:rPr lang="en-US" altLang="ko-KR" dirty="0"/>
+              <a:t>+ </a:t>
+            </a:r>
+            <a:r>
+              <a:rPr lang="ko-KR" altLang="en-US" dirty="0"/>
+              <a:t>관리자 초대</a:t>
+            </a:r>
+            <a:endParaRPr lang="en-US" altLang="ko-KR" dirty="0"/>
+          </a:p>
+          <a:p>
+            <a:endParaRPr lang="ko-KR" altLang="en-US" dirty="0"/>
+          </a:p>
+        </p:txBody>
+      </p:sp>
+    </p:spTree>
+    <p:extLst>
+      <p:ext uri="{BB962C8B-B14F-4D97-AF65-F5344CB8AC3E}">
+        <p14:creationId xmlns:p14="http://schemas.microsoft.com/office/powerpoint/2010/main" val="3681409536"/>
+      </p:ext>
+    </p:extLst>
+  </p:cSld>
+  <p:clrMapOvr>
+    <a:masterClrMapping/>
+  </p:clrMapOvr>
+</p:sld>
+</file>
+
+<file path=ppt/slides/slide2.xml><?xml version="1.0" encoding="utf-8"?>
+<p:sld xmlns:a="http://schemas.openxmlformats.org/drawingml/2006/main" xmlns:r="http://schemas.openxmlformats.org/officeDocument/2006/relationships" xmlns:p="http://schemas.openxmlformats.org/presentationml/2006/main">
+  <p:cSld>
+    <p:spTree>
+      <p:nvGrpSpPr>
+        <p:cNvPr id="1" name=""/>
+        <p:cNvGrpSpPr/>
+        <p:nvPr/>
+      </p:nvGrpSpPr>
+      <p:grpSpPr>
+        <a:xfrm>
+          <a:off x="0" y="0"/>
+          <a:ext cx="0" cy="0"/>
+          <a:chOff x="0" y="0"/>
+          <a:chExt cx="0" cy="0"/>
+        </a:xfrm>
+      </p:grpSpPr>
+      <p:sp>
+        <p:nvSpPr>
+          <p:cNvPr id="2" name="사각형: 둥근 모서리 1">
+            <a:extLst>
+              <a:ext uri="{FF2B5EF4-FFF2-40B4-BE49-F238E27FC236}">
+                <a16:creationId xmlns:a16="http://schemas.microsoft.com/office/drawing/2014/main" id="{D261D5D9-B323-4B7E-9E72-154499C678BB}"/>
+              </a:ext>
+            </a:extLst>
+          </p:cNvPr>
+          <p:cNvSpPr/>
+          <p:nvPr/>
+        </p:nvSpPr>
+        <p:spPr>
+          <a:xfrm>
+            <a:off x="4177553" y="2662517"/>
+            <a:ext cx="3030071" cy="419057"/>
+          </a:xfrm>
+          <a:prstGeom prst="roundRect">
+            <a:avLst/>
+          </a:prstGeom>
+        </p:spPr>
+        <p:style>
+          <a:lnRef idx="2">
+            <a:schemeClr val="accent1">
+              <a:shade val="50000"/>
+            </a:schemeClr>
+          </a:lnRef>
+          <a:fillRef idx="1">
+            <a:schemeClr val="accent1"/>
+          </a:fillRef>
+          <a:effectRef idx="0">
+            <a:schemeClr val="accent1"/>
+          </a:effectRef>
+          <a:fontRef idx="minor">
+            <a:schemeClr val="lt1"/>
+          </a:fontRef>
+        </p:style>
+        <p:txBody>
+          <a:bodyPr rtlCol="0" anchor="ctr"/>
+          <a:lstStyle/>
+          <a:p>
+            <a:pPr algn="ctr"/>
+            <a:endParaRPr lang="ko-KR" altLang="en-US"/>
+          </a:p>
+        </p:txBody>
+      </p:sp>
+      <p:sp>
+        <p:nvSpPr>
+          <p:cNvPr id="18" name="직사각형 17">
+            <a:extLst>
+              <a:ext uri="{FF2B5EF4-FFF2-40B4-BE49-F238E27FC236}">
+                <a16:creationId xmlns:a16="http://schemas.microsoft.com/office/drawing/2014/main" id="{CDC4EE87-45EC-40D8-A336-E667EDAC60CC}"/>
+              </a:ext>
+            </a:extLst>
+          </p:cNvPr>
+          <p:cNvSpPr/>
+          <p:nvPr/>
+        </p:nvSpPr>
+        <p:spPr>
+          <a:xfrm>
+            <a:off x="1219200" y="690282"/>
+            <a:ext cx="8910918" cy="5549153"/>
+          </a:xfrm>
+          <a:prstGeom prst="rect">
+            <a:avLst/>
+          </a:prstGeom>
+          <a:noFill/>
+          <a:ln w="28575">
+            <a:solidFill>
+              <a:schemeClr val="tx1"/>
+            </a:solidFill>
+          </a:ln>
+        </p:spPr>
+        <p:style>
+          <a:lnRef idx="2">
+            <a:schemeClr val="accent1">
+              <a:shade val="50000"/>
+            </a:schemeClr>
+          </a:lnRef>
+          <a:fillRef idx="1">
+            <a:schemeClr val="accent1"/>
+          </a:fillRef>
+          <a:effectRef idx="0">
+            <a:schemeClr val="accent1"/>
+          </a:effectRef>
+          <a:fontRef idx="minor">
+            <a:schemeClr val="lt1"/>
+          </a:fontRef>
+        </p:style>
+        <p:txBody>
+          <a:bodyPr rtlCol="0" anchor="ctr"/>
+          <a:lstStyle/>
+          <a:p>
+            <a:pPr algn="ctr"/>
+            <a:endParaRPr lang="ko-KR" altLang="en-US"/>
+          </a:p>
+        </p:txBody>
+      </p:sp>
+      <p:cxnSp>
+        <p:nvCxnSpPr>
+          <p:cNvPr id="20" name="직선 연결선 19">
+            <a:extLst>
+              <a:ext uri="{FF2B5EF4-FFF2-40B4-BE49-F238E27FC236}">
+                <a16:creationId xmlns:a16="http://schemas.microsoft.com/office/drawing/2014/main" id="{39A883E8-92E7-418B-9DA3-7E96DD63D9F6}"/>
+              </a:ext>
+            </a:extLst>
+          </p:cNvPr>
+          <p:cNvCxnSpPr/>
+          <p:nvPr/>
+        </p:nvCxnSpPr>
+        <p:spPr>
+          <a:xfrm>
+            <a:off x="788894" y="1308847"/>
+            <a:ext cx="9941859" cy="0"/>
+          </a:xfrm>
+          <a:prstGeom prst="line">
+            <a:avLst/>
+          </a:prstGeom>
+        </p:spPr>
+        <p:style>
+          <a:lnRef idx="1">
+            <a:schemeClr val="accent1"/>
+          </a:lnRef>
+          <a:fillRef idx="0">
+            <a:schemeClr val="accent1"/>
+          </a:fillRef>
+          <a:effectRef idx="0">
+            <a:schemeClr val="accent1"/>
+          </a:effectRef>
+          <a:fontRef idx="minor">
+            <a:schemeClr val="tx1"/>
+          </a:fontRef>
+        </p:style>
+      </p:cxnSp>
+      <p:sp>
+        <p:nvSpPr>
+          <p:cNvPr id="21" name="TextBox 20">
+            <a:extLst>
+              <a:ext uri="{FF2B5EF4-FFF2-40B4-BE49-F238E27FC236}">
+                <a16:creationId xmlns:a16="http://schemas.microsoft.com/office/drawing/2014/main" id="{835BF22E-392E-4593-9AE9-C21037E02C83}"/>
+              </a:ext>
+            </a:extLst>
+          </p:cNvPr>
+          <p:cNvSpPr txBox="1"/>
+          <p:nvPr/>
+        </p:nvSpPr>
+        <p:spPr>
+          <a:xfrm>
+            <a:off x="1317812" y="814899"/>
+            <a:ext cx="1210235" cy="369332"/>
+          </a:xfrm>
+          <a:prstGeom prst="rect">
+            <a:avLst/>
+          </a:prstGeom>
+          <a:noFill/>
+        </p:spPr>
+        <p:txBody>
+          <a:bodyPr wrap="square" rtlCol="0">
+            <a:spAutoFit/>
+          </a:bodyPr>
+          <a:lstStyle/>
+          <a:p>
+            <a:r>
+              <a:rPr lang="ko-KR" altLang="en-US"/>
+              <a:t>로고</a:t>
+            </a:r>
+            <a:endParaRPr lang="ko-KR" altLang="en-US" dirty="0"/>
+          </a:p>
+        </p:txBody>
+      </p:sp>
+      <p:sp>
+        <p:nvSpPr>
+          <p:cNvPr id="22" name="TextBox 21">
+            <a:extLst>
+              <a:ext uri="{FF2B5EF4-FFF2-40B4-BE49-F238E27FC236}">
+                <a16:creationId xmlns:a16="http://schemas.microsoft.com/office/drawing/2014/main" id="{6FA3F6FA-278D-487B-AD80-72513F607295}"/>
+              </a:ext>
+            </a:extLst>
+          </p:cNvPr>
+          <p:cNvSpPr txBox="1"/>
+          <p:nvPr/>
+        </p:nvSpPr>
+        <p:spPr>
+          <a:xfrm>
+            <a:off x="9220200" y="814899"/>
+            <a:ext cx="1210235" cy="369332"/>
+          </a:xfrm>
+          <a:prstGeom prst="rect">
+            <a:avLst/>
+          </a:prstGeom>
+          <a:noFill/>
+        </p:spPr>
+        <p:txBody>
+          <a:bodyPr wrap="square" rtlCol="0">
+            <a:spAutoFit/>
+          </a:bodyPr>
+          <a:lstStyle/>
+          <a:p>
+            <a:r>
+              <a:rPr lang="ko-KR" altLang="en-US" dirty="0"/>
+              <a:t>로그인</a:t>
+            </a:r>
+          </a:p>
+        </p:txBody>
+      </p:sp>
+      <p:sp>
+        <p:nvSpPr>
+          <p:cNvPr id="23" name="TextBox 22">
+            <a:extLst>
+              <a:ext uri="{FF2B5EF4-FFF2-40B4-BE49-F238E27FC236}">
+                <a16:creationId xmlns:a16="http://schemas.microsoft.com/office/drawing/2014/main" id="{685E19D2-0364-421F-97EF-D152706AAA4E}"/>
+              </a:ext>
+            </a:extLst>
+          </p:cNvPr>
+          <p:cNvSpPr txBox="1"/>
+          <p:nvPr/>
+        </p:nvSpPr>
+        <p:spPr>
+          <a:xfrm>
+            <a:off x="515469" y="288667"/>
+            <a:ext cx="2102224" cy="276999"/>
+          </a:xfrm>
+          <a:prstGeom prst="rect">
+            <a:avLst/>
+          </a:prstGeom>
+          <a:noFill/>
+        </p:spPr>
+        <p:txBody>
+          <a:bodyPr wrap="square" rtlCol="0">
+            <a:spAutoFit/>
+          </a:bodyPr>
+          <a:lstStyle/>
+          <a:p>
+            <a:r>
+              <a:rPr lang="ko-KR" altLang="en-US" sz="1200" dirty="0" err="1"/>
+              <a:t>클릭시</a:t>
+            </a:r>
+            <a:r>
+              <a:rPr lang="ko-KR" altLang="en-US" sz="1200" dirty="0"/>
+              <a:t> </a:t>
+            </a:r>
+            <a:r>
+              <a:rPr lang="ko-KR" altLang="en-US" sz="1200" dirty="0" err="1"/>
+              <a:t>메인페이지</a:t>
+            </a:r>
+            <a:endParaRPr lang="ko-KR" altLang="en-US" sz="1200" dirty="0"/>
+          </a:p>
+        </p:txBody>
+      </p:sp>
+      <p:sp>
+        <p:nvSpPr>
+          <p:cNvPr id="7" name="TextBox 6">
+            <a:extLst>
+              <a:ext uri="{FF2B5EF4-FFF2-40B4-BE49-F238E27FC236}">
+                <a16:creationId xmlns:a16="http://schemas.microsoft.com/office/drawing/2014/main" id="{95BEDD33-0259-42A9-A6E7-DF4CC92644E9}"/>
+              </a:ext>
+            </a:extLst>
+          </p:cNvPr>
+          <p:cNvSpPr txBox="1"/>
+          <p:nvPr/>
+        </p:nvSpPr>
+        <p:spPr>
+          <a:xfrm>
+            <a:off x="4509246" y="134026"/>
+            <a:ext cx="2545977" cy="369332"/>
+          </a:xfrm>
+          <a:prstGeom prst="rect">
+            <a:avLst/>
+          </a:prstGeom>
+          <a:noFill/>
+        </p:spPr>
+        <p:txBody>
+          <a:bodyPr wrap="square" rtlCol="0">
+            <a:spAutoFit/>
+          </a:bodyPr>
+          <a:lstStyle/>
+          <a:p>
+            <a:r>
+              <a:rPr lang="en-US" altLang="ko-KR"/>
+              <a:t>&lt;</a:t>
+            </a:r>
+            <a:r>
+              <a:rPr lang="ko-KR" altLang="en-US" dirty="0"/>
+              <a:t>회원가입 페이지</a:t>
+            </a:r>
+            <a:r>
+              <a:rPr lang="en-US" altLang="ko-KR" dirty="0"/>
+              <a:t>&gt;</a:t>
+            </a:r>
+            <a:endParaRPr lang="ko-KR" altLang="en-US" dirty="0"/>
+          </a:p>
+        </p:txBody>
+      </p:sp>
+      <p:sp>
+        <p:nvSpPr>
+          <p:cNvPr id="8" name="TextBox 7">
+            <a:extLst>
+              <a:ext uri="{FF2B5EF4-FFF2-40B4-BE49-F238E27FC236}">
+                <a16:creationId xmlns:a16="http://schemas.microsoft.com/office/drawing/2014/main" id="{1FBF3178-D60D-41D8-BD9D-38AEBF7420A8}"/>
+              </a:ext>
+            </a:extLst>
+          </p:cNvPr>
+          <p:cNvSpPr txBox="1"/>
+          <p:nvPr/>
+        </p:nvSpPr>
+        <p:spPr>
+          <a:xfrm>
+            <a:off x="4509247" y="1901852"/>
+            <a:ext cx="2102224" cy="2585323"/>
+          </a:xfrm>
+          <a:prstGeom prst="rect">
+            <a:avLst/>
+          </a:prstGeom>
+          <a:noFill/>
+        </p:spPr>
+        <p:txBody>
+          <a:bodyPr wrap="square" rtlCol="0">
+            <a:spAutoFit/>
+          </a:bodyPr>
+          <a:lstStyle/>
+          <a:p>
+            <a:pPr algn="ctr"/>
+            <a:r>
+              <a:rPr lang="ko-KR" altLang="en-US" dirty="0"/>
+              <a:t>로고</a:t>
+            </a:r>
+            <a:endParaRPr lang="en-US" altLang="ko-KR" dirty="0"/>
+          </a:p>
+          <a:p>
+            <a:pPr algn="ctr"/>
+            <a:endParaRPr lang="en-US" altLang="ko-KR" dirty="0"/>
+          </a:p>
+          <a:p>
+            <a:pPr algn="ctr"/>
+            <a:endParaRPr lang="en-US" altLang="ko-KR" dirty="0"/>
+          </a:p>
+          <a:p>
+            <a:pPr algn="ctr"/>
+            <a:r>
+              <a:rPr lang="ko-KR" altLang="en-US" dirty="0"/>
+              <a:t>이메일</a:t>
+            </a:r>
+            <a:endParaRPr lang="en-US" altLang="ko-KR" dirty="0"/>
+          </a:p>
+          <a:p>
+            <a:pPr algn="ctr"/>
+            <a:r>
+              <a:rPr lang="ko-KR" altLang="en-US" dirty="0"/>
+              <a:t>이름</a:t>
+            </a:r>
+            <a:endParaRPr lang="en-US" altLang="ko-KR" dirty="0"/>
+          </a:p>
+          <a:p>
+            <a:pPr algn="ctr"/>
+            <a:r>
+              <a:rPr lang="ko-KR" altLang="en-US" dirty="0"/>
+              <a:t>패스워드</a:t>
+            </a:r>
+            <a:endParaRPr lang="en-US" altLang="ko-KR" dirty="0"/>
+          </a:p>
+          <a:p>
+            <a:pPr algn="ctr"/>
+            <a:r>
+              <a:rPr lang="ko-KR" altLang="en-US" dirty="0"/>
+              <a:t>패스워드 확인</a:t>
+            </a:r>
+            <a:endParaRPr lang="en-US" altLang="ko-KR" dirty="0"/>
+          </a:p>
+          <a:p>
+            <a:pPr algn="ctr"/>
+            <a:r>
+              <a:rPr lang="ko-KR" altLang="en-US" dirty="0"/>
+              <a:t>핸드폰 번호</a:t>
+            </a:r>
+            <a:endParaRPr lang="en-US" altLang="ko-KR" dirty="0"/>
+          </a:p>
+          <a:p>
+            <a:pPr algn="ctr"/>
+            <a:r>
+              <a:rPr lang="ko-KR" altLang="en-US" dirty="0"/>
+              <a:t>번호 확인</a:t>
+            </a:r>
+            <a:endParaRPr lang="en-US" altLang="ko-KR" dirty="0"/>
+          </a:p>
+        </p:txBody>
+      </p:sp>
+    </p:spTree>
+    <p:extLst>
+      <p:ext uri="{BB962C8B-B14F-4D97-AF65-F5344CB8AC3E}">
+        <p14:creationId xmlns:p14="http://schemas.microsoft.com/office/powerpoint/2010/main" val="3957096794"/>
+      </p:ext>
+    </p:extLst>
+  </p:cSld>
+  <p:clrMapOvr>
+    <a:masterClrMapping/>
+  </p:clrMapOvr>
+</p:sld>
+</file>
+
+<file path=ppt/slides/slide3.xml><?xml version="1.0" encoding="utf-8"?>
+<p:sld xmlns:a="http://schemas.openxmlformats.org/drawingml/2006/main" xmlns:r="http://schemas.openxmlformats.org/officeDocument/2006/relationships" xmlns:p="http://schemas.openxmlformats.org/presentationml/2006/main">
+  <p:cSld>
+    <p:spTree>
+      <p:nvGrpSpPr>
+        <p:cNvPr id="1" name=""/>
+        <p:cNvGrpSpPr/>
+        <p:nvPr/>
+      </p:nvGrpSpPr>
+      <p:grpSpPr>
+        <a:xfrm>
+          <a:off x="0" y="0"/>
+          <a:ext cx="0" cy="0"/>
+          <a:chOff x="0" y="0"/>
+          <a:chExt cx="0" cy="0"/>
+        </a:xfrm>
+      </p:grpSpPr>
+      <p:sp>
+        <p:nvSpPr>
+          <p:cNvPr id="18" name="직사각형 17">
+            <a:extLst>
+              <a:ext uri="{FF2B5EF4-FFF2-40B4-BE49-F238E27FC236}">
+                <a16:creationId xmlns:a16="http://schemas.microsoft.com/office/drawing/2014/main" id="{CDC4EE87-45EC-40D8-A336-E667EDAC60CC}"/>
+              </a:ext>
+            </a:extLst>
+          </p:cNvPr>
+          <p:cNvSpPr/>
+          <p:nvPr/>
+        </p:nvSpPr>
+        <p:spPr>
+          <a:xfrm>
+            <a:off x="1219200" y="690282"/>
+            <a:ext cx="8910918" cy="5549153"/>
+          </a:xfrm>
+          <a:prstGeom prst="rect">
+            <a:avLst/>
+          </a:prstGeom>
+          <a:noFill/>
+          <a:ln w="28575">
+            <a:solidFill>
+              <a:schemeClr val="tx1"/>
+            </a:solidFill>
+          </a:ln>
+        </p:spPr>
+        <p:style>
+          <a:lnRef idx="2">
+            <a:schemeClr val="accent1">
+              <a:shade val="50000"/>
+            </a:schemeClr>
+          </a:lnRef>
+          <a:fillRef idx="1">
+            <a:schemeClr val="accent1"/>
+          </a:fillRef>
+          <a:effectRef idx="0">
+            <a:schemeClr val="accent1"/>
+          </a:effectRef>
+          <a:fontRef idx="minor">
+            <a:schemeClr val="lt1"/>
+          </a:fontRef>
+        </p:style>
+        <p:txBody>
+          <a:bodyPr rtlCol="0" anchor="ctr"/>
+          <a:lstStyle/>
+          <a:p>
+            <a:pPr algn="ctr"/>
+            <a:endParaRPr lang="ko-KR" altLang="en-US"/>
+          </a:p>
+        </p:txBody>
+      </p:sp>
+      <p:cxnSp>
+        <p:nvCxnSpPr>
+          <p:cNvPr id="20" name="직선 연결선 19">
+            <a:extLst>
+              <a:ext uri="{FF2B5EF4-FFF2-40B4-BE49-F238E27FC236}">
+                <a16:creationId xmlns:a16="http://schemas.microsoft.com/office/drawing/2014/main" id="{39A883E8-92E7-418B-9DA3-7E96DD63D9F6}"/>
+              </a:ext>
+            </a:extLst>
+          </p:cNvPr>
+          <p:cNvCxnSpPr/>
+          <p:nvPr/>
+        </p:nvCxnSpPr>
+        <p:spPr>
+          <a:xfrm>
+            <a:off x="788894" y="1308847"/>
+            <a:ext cx="9941859" cy="0"/>
+          </a:xfrm>
+          <a:prstGeom prst="line">
+            <a:avLst/>
+          </a:prstGeom>
+        </p:spPr>
+        <p:style>
+          <a:lnRef idx="1">
+            <a:schemeClr val="accent1"/>
+          </a:lnRef>
+          <a:fillRef idx="0">
+            <a:schemeClr val="accent1"/>
+          </a:fillRef>
+          <a:effectRef idx="0">
+            <a:schemeClr val="accent1"/>
+          </a:effectRef>
+          <a:fontRef idx="minor">
+            <a:schemeClr val="tx1"/>
+          </a:fontRef>
+        </p:style>
+      </p:cxnSp>
+      <p:sp>
+        <p:nvSpPr>
+          <p:cNvPr id="21" name="TextBox 20">
+            <a:extLst>
+              <a:ext uri="{FF2B5EF4-FFF2-40B4-BE49-F238E27FC236}">
+                <a16:creationId xmlns:a16="http://schemas.microsoft.com/office/drawing/2014/main" id="{835BF22E-392E-4593-9AE9-C21037E02C83}"/>
+              </a:ext>
+            </a:extLst>
+          </p:cNvPr>
+          <p:cNvSpPr txBox="1"/>
+          <p:nvPr/>
+        </p:nvSpPr>
+        <p:spPr>
+          <a:xfrm>
+            <a:off x="1317812" y="814899"/>
+            <a:ext cx="1210235" cy="369332"/>
+          </a:xfrm>
+          <a:prstGeom prst="rect">
+            <a:avLst/>
+          </a:prstGeom>
+          <a:noFill/>
+        </p:spPr>
+        <p:txBody>
+          <a:bodyPr wrap="square" rtlCol="0">
+            <a:spAutoFit/>
+          </a:bodyPr>
+          <a:lstStyle/>
+          <a:p>
+            <a:r>
+              <a:rPr lang="ko-KR" altLang="en-US"/>
+              <a:t>로고</a:t>
+            </a:r>
+            <a:endParaRPr lang="ko-KR" altLang="en-US" dirty="0"/>
+          </a:p>
+        </p:txBody>
+      </p:sp>
+      <p:sp>
+        <p:nvSpPr>
+          <p:cNvPr id="22" name="TextBox 21">
+            <a:extLst>
+              <a:ext uri="{FF2B5EF4-FFF2-40B4-BE49-F238E27FC236}">
+                <a16:creationId xmlns:a16="http://schemas.microsoft.com/office/drawing/2014/main" id="{6FA3F6FA-278D-487B-AD80-72513F607295}"/>
+              </a:ext>
+            </a:extLst>
+          </p:cNvPr>
+          <p:cNvSpPr txBox="1"/>
+          <p:nvPr/>
+        </p:nvSpPr>
+        <p:spPr>
+          <a:xfrm>
+            <a:off x="9018495" y="814899"/>
+            <a:ext cx="1210235" cy="369332"/>
+          </a:xfrm>
+          <a:prstGeom prst="rect">
+            <a:avLst/>
+          </a:prstGeom>
+          <a:noFill/>
+        </p:spPr>
+        <p:txBody>
+          <a:bodyPr wrap="square" rtlCol="0">
+            <a:spAutoFit/>
+          </a:bodyPr>
+          <a:lstStyle/>
+          <a:p>
+            <a:r>
+              <a:rPr lang="ko-KR" altLang="en-US" dirty="0"/>
+              <a:t>로그아웃</a:t>
+            </a:r>
+          </a:p>
+        </p:txBody>
+      </p:sp>
+      <p:sp>
+        <p:nvSpPr>
+          <p:cNvPr id="23" name="TextBox 22">
+            <a:extLst>
+              <a:ext uri="{FF2B5EF4-FFF2-40B4-BE49-F238E27FC236}">
+                <a16:creationId xmlns:a16="http://schemas.microsoft.com/office/drawing/2014/main" id="{685E19D2-0364-421F-97EF-D152706AAA4E}"/>
+              </a:ext>
+            </a:extLst>
+          </p:cNvPr>
+          <p:cNvSpPr txBox="1"/>
+          <p:nvPr/>
+        </p:nvSpPr>
+        <p:spPr>
+          <a:xfrm>
+            <a:off x="515469" y="288667"/>
+            <a:ext cx="2102224" cy="276999"/>
+          </a:xfrm>
+          <a:prstGeom prst="rect">
+            <a:avLst/>
+          </a:prstGeom>
+          <a:noFill/>
+        </p:spPr>
+        <p:txBody>
+          <a:bodyPr wrap="square" rtlCol="0">
+            <a:spAutoFit/>
+          </a:bodyPr>
+          <a:lstStyle/>
+          <a:p>
+            <a:r>
+              <a:rPr lang="ko-KR" altLang="en-US" sz="1200" dirty="0" err="1"/>
+              <a:t>클릭시</a:t>
+            </a:r>
+            <a:r>
+              <a:rPr lang="ko-KR" altLang="en-US" sz="1200" dirty="0"/>
+              <a:t> </a:t>
+            </a:r>
+            <a:r>
+              <a:rPr lang="ko-KR" altLang="en-US" sz="1200" dirty="0" err="1"/>
+              <a:t>메인페이지</a:t>
+            </a:r>
+            <a:endParaRPr lang="ko-KR" altLang="en-US" sz="1200" dirty="0"/>
+          </a:p>
+        </p:txBody>
+      </p:sp>
+      <p:sp>
+        <p:nvSpPr>
+          <p:cNvPr id="7" name="TextBox 6">
+            <a:extLst>
+              <a:ext uri="{FF2B5EF4-FFF2-40B4-BE49-F238E27FC236}">
+                <a16:creationId xmlns:a16="http://schemas.microsoft.com/office/drawing/2014/main" id="{95BEDD33-0259-42A9-A6E7-DF4CC92644E9}"/>
+              </a:ext>
+            </a:extLst>
+          </p:cNvPr>
+          <p:cNvSpPr txBox="1"/>
+          <p:nvPr/>
+        </p:nvSpPr>
+        <p:spPr>
+          <a:xfrm>
+            <a:off x="4509247" y="134026"/>
+            <a:ext cx="2102224" cy="369332"/>
+          </a:xfrm>
+          <a:prstGeom prst="rect">
+            <a:avLst/>
+          </a:prstGeom>
+          <a:noFill/>
+        </p:spPr>
+        <p:txBody>
+          <a:bodyPr wrap="square" rtlCol="0">
+            <a:spAutoFit/>
+          </a:bodyPr>
+          <a:lstStyle/>
+          <a:p>
+            <a:r>
+              <a:rPr lang="en-US" altLang="ko-KR" dirty="0"/>
+              <a:t>&lt;</a:t>
+            </a:r>
+            <a:r>
+              <a:rPr lang="ko-KR" altLang="en-US" dirty="0"/>
+              <a:t>회원가입 성공</a:t>
+            </a:r>
+            <a:r>
+              <a:rPr lang="en-US" altLang="ko-KR" dirty="0"/>
+              <a:t>&gt;</a:t>
+            </a:r>
+            <a:endParaRPr lang="ko-KR" altLang="en-US" dirty="0"/>
+          </a:p>
+        </p:txBody>
+      </p:sp>
+      <p:sp>
+        <p:nvSpPr>
+          <p:cNvPr id="8" name="TextBox 7">
+            <a:extLst>
+              <a:ext uri="{FF2B5EF4-FFF2-40B4-BE49-F238E27FC236}">
+                <a16:creationId xmlns:a16="http://schemas.microsoft.com/office/drawing/2014/main" id="{1FBF3178-D60D-41D8-BD9D-38AEBF7420A8}"/>
+              </a:ext>
+            </a:extLst>
+          </p:cNvPr>
+          <p:cNvSpPr txBox="1"/>
+          <p:nvPr/>
+        </p:nvSpPr>
+        <p:spPr>
+          <a:xfrm>
+            <a:off x="2528047" y="3166826"/>
+            <a:ext cx="6141944" cy="923330"/>
+          </a:xfrm>
+          <a:prstGeom prst="rect">
+            <a:avLst/>
+          </a:prstGeom>
+          <a:noFill/>
+        </p:spPr>
+        <p:txBody>
+          <a:bodyPr wrap="square" rtlCol="0">
+            <a:spAutoFit/>
+          </a:bodyPr>
+          <a:lstStyle/>
+          <a:p>
+            <a:pPr algn="ctr"/>
+            <a:r>
+              <a:rPr lang="ko-KR" altLang="en-US" dirty="0"/>
+              <a:t>환영합니다</a:t>
+            </a:r>
+            <a:r>
+              <a:rPr lang="en-US" altLang="ko-KR" dirty="0"/>
+              <a:t>.</a:t>
+            </a:r>
+          </a:p>
+          <a:p>
+            <a:pPr algn="ctr"/>
+            <a:endParaRPr lang="en-US" altLang="ko-KR" dirty="0"/>
+          </a:p>
+          <a:p>
+            <a:pPr algn="ctr"/>
+            <a:r>
+              <a:rPr lang="ko-KR" altLang="en-US" dirty="0"/>
+              <a:t>회원 가입을 계속 진행하시려면 </a:t>
+            </a:r>
+            <a:r>
+              <a:rPr lang="ko-KR" altLang="en-US" u="sng" dirty="0"/>
+              <a:t>여기</a:t>
+            </a:r>
+            <a:r>
+              <a:rPr lang="ko-KR" altLang="en-US" dirty="0"/>
+              <a:t>를 눌러주세요 </a:t>
+            </a:r>
+            <a:endParaRPr lang="en-US" altLang="ko-KR" dirty="0"/>
+          </a:p>
+        </p:txBody>
+      </p:sp>
+      <p:sp>
+        <p:nvSpPr>
+          <p:cNvPr id="9" name="TextBox 8">
+            <a:extLst>
+              <a:ext uri="{FF2B5EF4-FFF2-40B4-BE49-F238E27FC236}">
+                <a16:creationId xmlns:a16="http://schemas.microsoft.com/office/drawing/2014/main" id="{B605473D-C99D-444B-8AD2-2D63EE238EDE}"/>
+              </a:ext>
+            </a:extLst>
+          </p:cNvPr>
+          <p:cNvSpPr txBox="1"/>
+          <p:nvPr/>
+        </p:nvSpPr>
+        <p:spPr>
+          <a:xfrm>
+            <a:off x="6039970" y="4214772"/>
+            <a:ext cx="1143002" cy="276999"/>
+          </a:xfrm>
+          <a:prstGeom prst="rect">
+            <a:avLst/>
+          </a:prstGeom>
+          <a:noFill/>
+        </p:spPr>
+        <p:txBody>
+          <a:bodyPr wrap="square" rtlCol="0">
+            <a:spAutoFit/>
+          </a:bodyPr>
+          <a:lstStyle/>
+          <a:p>
+            <a:r>
+              <a:rPr lang="ko-KR" altLang="en-US" sz="1200" dirty="0"/>
+              <a:t>메일로 전송 </a:t>
+            </a:r>
+          </a:p>
+        </p:txBody>
+      </p:sp>
+    </p:spTree>
+    <p:extLst>
+      <p:ext uri="{BB962C8B-B14F-4D97-AF65-F5344CB8AC3E}">
+        <p14:creationId xmlns:p14="http://schemas.microsoft.com/office/powerpoint/2010/main" val="4121413635"/>
+      </p:ext>
+    </p:extLst>
+  </p:cSld>
+  <p:clrMapOvr>
+    <a:masterClrMapping/>
+  </p:clrMapOvr>
+</p:sld>
+</file>
+
+<file path=ppt/slides/slide4.xml><?xml version="1.0" encoding="utf-8"?>
+<p:sld xmlns:a="http://schemas.openxmlformats.org/drawingml/2006/main" xmlns:r="http://schemas.openxmlformats.org/officeDocument/2006/relationships" xmlns:p="http://schemas.openxmlformats.org/presentationml/2006/main">
+  <p:cSld>
+    <p:spTree>
+      <p:nvGrpSpPr>
+        <p:cNvPr id="1" name=""/>
+        <p:cNvGrpSpPr/>
+        <p:nvPr/>
+      </p:nvGrpSpPr>
+      <p:grpSpPr>
+        <a:xfrm>
+          <a:off x="0" y="0"/>
+          <a:ext cx="0" cy="0"/>
+          <a:chOff x="0" y="0"/>
+          <a:chExt cx="0" cy="0"/>
+        </a:xfrm>
+      </p:grpSpPr>
+      <p:sp>
+        <p:nvSpPr>
+          <p:cNvPr id="18" name="직사각형 17">
+            <a:extLst>
+              <a:ext uri="{FF2B5EF4-FFF2-40B4-BE49-F238E27FC236}">
+                <a16:creationId xmlns:a16="http://schemas.microsoft.com/office/drawing/2014/main" id="{CDC4EE87-45EC-40D8-A336-E667EDAC60CC}"/>
+              </a:ext>
+            </a:extLst>
+          </p:cNvPr>
+          <p:cNvSpPr/>
+          <p:nvPr/>
+        </p:nvSpPr>
+        <p:spPr>
+          <a:xfrm>
+            <a:off x="1219200" y="690282"/>
+            <a:ext cx="8910918" cy="5549153"/>
+          </a:xfrm>
+          <a:prstGeom prst="rect">
+            <a:avLst/>
+          </a:prstGeom>
+          <a:noFill/>
+          <a:ln w="28575">
+            <a:solidFill>
+              <a:schemeClr val="tx1"/>
+            </a:solidFill>
+          </a:ln>
+        </p:spPr>
+        <p:style>
+          <a:lnRef idx="2">
+            <a:schemeClr val="accent1">
+              <a:shade val="50000"/>
+            </a:schemeClr>
+          </a:lnRef>
+          <a:fillRef idx="1">
+            <a:schemeClr val="accent1"/>
+          </a:fillRef>
+          <a:effectRef idx="0">
+            <a:schemeClr val="accent1"/>
+          </a:effectRef>
+          <a:fontRef idx="minor">
+            <a:schemeClr val="lt1"/>
+          </a:fontRef>
+        </p:style>
+        <p:txBody>
+          <a:bodyPr rtlCol="0" anchor="ctr"/>
+          <a:lstStyle/>
+          <a:p>
+            <a:pPr algn="ctr"/>
+            <a:endParaRPr lang="ko-KR" altLang="en-US"/>
+          </a:p>
+        </p:txBody>
+      </p:sp>
+      <p:cxnSp>
+        <p:nvCxnSpPr>
+          <p:cNvPr id="20" name="직선 연결선 19">
+            <a:extLst>
+              <a:ext uri="{FF2B5EF4-FFF2-40B4-BE49-F238E27FC236}">
+                <a16:creationId xmlns:a16="http://schemas.microsoft.com/office/drawing/2014/main" id="{39A883E8-92E7-418B-9DA3-7E96DD63D9F6}"/>
+              </a:ext>
+            </a:extLst>
+          </p:cNvPr>
+          <p:cNvCxnSpPr/>
+          <p:nvPr/>
+        </p:nvCxnSpPr>
+        <p:spPr>
+          <a:xfrm>
+            <a:off x="788894" y="1308847"/>
+            <a:ext cx="9941859" cy="0"/>
+          </a:xfrm>
+          <a:prstGeom prst="line">
+            <a:avLst/>
+          </a:prstGeom>
+        </p:spPr>
+        <p:style>
+          <a:lnRef idx="1">
+            <a:schemeClr val="accent1"/>
+          </a:lnRef>
+          <a:fillRef idx="0">
+            <a:schemeClr val="accent1"/>
+          </a:fillRef>
+          <a:effectRef idx="0">
+            <a:schemeClr val="accent1"/>
+          </a:effectRef>
+          <a:fontRef idx="minor">
+            <a:schemeClr val="tx1"/>
+          </a:fontRef>
+        </p:style>
+      </p:cxnSp>
+      <p:sp>
+        <p:nvSpPr>
+          <p:cNvPr id="21" name="TextBox 20">
+            <a:extLst>
+              <a:ext uri="{FF2B5EF4-FFF2-40B4-BE49-F238E27FC236}">
+                <a16:creationId xmlns:a16="http://schemas.microsoft.com/office/drawing/2014/main" id="{835BF22E-392E-4593-9AE9-C21037E02C83}"/>
+              </a:ext>
+            </a:extLst>
+          </p:cNvPr>
+          <p:cNvSpPr txBox="1"/>
+          <p:nvPr/>
+        </p:nvSpPr>
+        <p:spPr>
+          <a:xfrm>
+            <a:off x="1317812" y="814899"/>
+            <a:ext cx="1210235" cy="369332"/>
+          </a:xfrm>
+          <a:prstGeom prst="rect">
+            <a:avLst/>
+          </a:prstGeom>
+          <a:noFill/>
+        </p:spPr>
+        <p:txBody>
+          <a:bodyPr wrap="square" rtlCol="0">
+            <a:spAutoFit/>
+          </a:bodyPr>
+          <a:lstStyle/>
+          <a:p>
+            <a:r>
+              <a:rPr lang="ko-KR" altLang="en-US"/>
+              <a:t>로고</a:t>
+            </a:r>
+            <a:endParaRPr lang="ko-KR" altLang="en-US" dirty="0"/>
+          </a:p>
+        </p:txBody>
+      </p:sp>
+      <p:sp>
+        <p:nvSpPr>
+          <p:cNvPr id="22" name="TextBox 21">
+            <a:extLst>
+              <a:ext uri="{FF2B5EF4-FFF2-40B4-BE49-F238E27FC236}">
+                <a16:creationId xmlns:a16="http://schemas.microsoft.com/office/drawing/2014/main" id="{6FA3F6FA-278D-487B-AD80-72513F607295}"/>
+              </a:ext>
+            </a:extLst>
+          </p:cNvPr>
+          <p:cNvSpPr txBox="1"/>
+          <p:nvPr/>
+        </p:nvSpPr>
+        <p:spPr>
+          <a:xfrm>
+            <a:off x="9018495" y="814899"/>
+            <a:ext cx="1210235" cy="369332"/>
+          </a:xfrm>
+          <a:prstGeom prst="rect">
+            <a:avLst/>
+          </a:prstGeom>
+          <a:noFill/>
+        </p:spPr>
+        <p:txBody>
+          <a:bodyPr wrap="square" rtlCol="0">
+            <a:spAutoFit/>
+          </a:bodyPr>
+          <a:lstStyle/>
+          <a:p>
+            <a:r>
+              <a:rPr lang="ko-KR" altLang="en-US"/>
+              <a:t>로그아웃</a:t>
+            </a:r>
+            <a:endParaRPr lang="ko-KR" altLang="en-US" dirty="0"/>
+          </a:p>
+        </p:txBody>
+      </p:sp>
+      <p:sp>
+        <p:nvSpPr>
+          <p:cNvPr id="23" name="TextBox 22">
+            <a:extLst>
+              <a:ext uri="{FF2B5EF4-FFF2-40B4-BE49-F238E27FC236}">
+                <a16:creationId xmlns:a16="http://schemas.microsoft.com/office/drawing/2014/main" id="{685E19D2-0364-421F-97EF-D152706AAA4E}"/>
+              </a:ext>
+            </a:extLst>
+          </p:cNvPr>
+          <p:cNvSpPr txBox="1"/>
+          <p:nvPr/>
+        </p:nvSpPr>
+        <p:spPr>
+          <a:xfrm>
+            <a:off x="515469" y="288667"/>
+            <a:ext cx="2102224" cy="276999"/>
+          </a:xfrm>
+          <a:prstGeom prst="rect">
+            <a:avLst/>
+          </a:prstGeom>
+          <a:noFill/>
+        </p:spPr>
+        <p:txBody>
+          <a:bodyPr wrap="square" rtlCol="0">
+            <a:spAutoFit/>
+          </a:bodyPr>
+          <a:lstStyle/>
+          <a:p>
+            <a:r>
+              <a:rPr lang="ko-KR" altLang="en-US" sz="1200" dirty="0" err="1"/>
+              <a:t>클릭시</a:t>
+            </a:r>
+            <a:r>
+              <a:rPr lang="ko-KR" altLang="en-US" sz="1200" dirty="0"/>
+              <a:t> </a:t>
+            </a:r>
+            <a:r>
+              <a:rPr lang="ko-KR" altLang="en-US" sz="1200" dirty="0" err="1"/>
+              <a:t>메인페이지</a:t>
+            </a:r>
+            <a:endParaRPr lang="ko-KR" altLang="en-US" sz="1200" dirty="0"/>
+          </a:p>
+        </p:txBody>
+      </p:sp>
+      <p:sp>
+        <p:nvSpPr>
+          <p:cNvPr id="7" name="TextBox 6">
+            <a:extLst>
+              <a:ext uri="{FF2B5EF4-FFF2-40B4-BE49-F238E27FC236}">
+                <a16:creationId xmlns:a16="http://schemas.microsoft.com/office/drawing/2014/main" id="{95BEDD33-0259-42A9-A6E7-DF4CC92644E9}"/>
+              </a:ext>
+            </a:extLst>
+          </p:cNvPr>
+          <p:cNvSpPr txBox="1"/>
+          <p:nvPr/>
+        </p:nvSpPr>
+        <p:spPr>
+          <a:xfrm>
+            <a:off x="4043642" y="196334"/>
+            <a:ext cx="3110754" cy="369332"/>
+          </a:xfrm>
+          <a:prstGeom prst="rect">
+            <a:avLst/>
+          </a:prstGeom>
+          <a:noFill/>
+        </p:spPr>
+        <p:txBody>
+          <a:bodyPr wrap="square" rtlCol="0">
+            <a:spAutoFit/>
+          </a:bodyPr>
+          <a:lstStyle/>
+          <a:p>
+            <a:r>
+              <a:rPr lang="en-US" altLang="ko-KR" dirty="0"/>
+              <a:t>&lt;</a:t>
+            </a:r>
+            <a:r>
+              <a:rPr lang="ko-KR" altLang="en-US" dirty="0"/>
+              <a:t>이메일 인증 가입 완료</a:t>
+            </a:r>
+            <a:r>
+              <a:rPr lang="en-US" altLang="ko-KR" dirty="0"/>
+              <a:t>&gt;</a:t>
+            </a:r>
+            <a:endParaRPr lang="ko-KR" altLang="en-US" dirty="0"/>
+          </a:p>
+        </p:txBody>
+      </p:sp>
+      <p:sp>
+        <p:nvSpPr>
+          <p:cNvPr id="8" name="TextBox 7">
+            <a:extLst>
+              <a:ext uri="{FF2B5EF4-FFF2-40B4-BE49-F238E27FC236}">
+                <a16:creationId xmlns:a16="http://schemas.microsoft.com/office/drawing/2014/main" id="{1FBF3178-D60D-41D8-BD9D-38AEBF7420A8}"/>
+              </a:ext>
+            </a:extLst>
+          </p:cNvPr>
+          <p:cNvSpPr txBox="1"/>
+          <p:nvPr/>
+        </p:nvSpPr>
+        <p:spPr>
+          <a:xfrm>
+            <a:off x="2528047" y="3166826"/>
+            <a:ext cx="6141944" cy="646331"/>
+          </a:xfrm>
+          <a:prstGeom prst="rect">
+            <a:avLst/>
+          </a:prstGeom>
+          <a:noFill/>
+        </p:spPr>
+        <p:txBody>
+          <a:bodyPr wrap="square" rtlCol="0">
+            <a:spAutoFit/>
+          </a:bodyPr>
+          <a:lstStyle/>
+          <a:p>
+            <a:pPr algn="ctr"/>
+            <a:r>
+              <a:rPr lang="ko-KR" altLang="en-US" dirty="0"/>
+              <a:t>환영합니다</a:t>
+            </a:r>
+            <a:r>
+              <a:rPr lang="en-US" altLang="ko-KR" dirty="0"/>
+              <a:t>.</a:t>
+            </a:r>
+          </a:p>
+          <a:p>
+            <a:pPr algn="ctr"/>
+            <a:r>
+              <a:rPr lang="ko-KR" altLang="en-US" dirty="0" err="1"/>
+              <a:t>몇마디</a:t>
+            </a:r>
+            <a:endParaRPr lang="en-US" altLang="ko-KR" dirty="0"/>
+          </a:p>
+        </p:txBody>
+      </p:sp>
+      <p:sp>
+        <p:nvSpPr>
+          <p:cNvPr id="10" name="TextBox 9">
+            <a:extLst>
+              <a:ext uri="{FF2B5EF4-FFF2-40B4-BE49-F238E27FC236}">
+                <a16:creationId xmlns:a16="http://schemas.microsoft.com/office/drawing/2014/main" id="{006B7188-E4C8-4AFF-B7B2-99F1A4959CAC}"/>
+              </a:ext>
+            </a:extLst>
+          </p:cNvPr>
+          <p:cNvSpPr txBox="1"/>
+          <p:nvPr/>
+        </p:nvSpPr>
+        <p:spPr>
+          <a:xfrm>
+            <a:off x="7154396" y="228617"/>
+            <a:ext cx="2102224" cy="276999"/>
+          </a:xfrm>
+          <a:prstGeom prst="rect">
+            <a:avLst/>
+          </a:prstGeom>
+          <a:noFill/>
+        </p:spPr>
+        <p:txBody>
+          <a:bodyPr wrap="square" rtlCol="0">
+            <a:spAutoFit/>
+          </a:bodyPr>
+          <a:lstStyle/>
+          <a:p>
+            <a:r>
+              <a:rPr lang="ko-KR" altLang="en-US" sz="1200" dirty="0"/>
+              <a:t>이메일 인증해야 사용 가능</a:t>
+            </a:r>
+          </a:p>
+        </p:txBody>
+      </p:sp>
+      <p:sp>
+        <p:nvSpPr>
+          <p:cNvPr id="11" name="TextBox 10">
+            <a:extLst>
+              <a:ext uri="{FF2B5EF4-FFF2-40B4-BE49-F238E27FC236}">
+                <a16:creationId xmlns:a16="http://schemas.microsoft.com/office/drawing/2014/main" id="{F248A6B2-460B-4BD8-895F-F874DDD80B70}"/>
+              </a:ext>
+            </a:extLst>
+          </p:cNvPr>
+          <p:cNvSpPr txBox="1"/>
+          <p:nvPr/>
+        </p:nvSpPr>
+        <p:spPr>
+          <a:xfrm>
+            <a:off x="8205508" y="814899"/>
+            <a:ext cx="714375" cy="369332"/>
+          </a:xfrm>
+          <a:prstGeom prst="rect">
+            <a:avLst/>
+          </a:prstGeom>
+          <a:noFill/>
+        </p:spPr>
+        <p:txBody>
+          <a:bodyPr wrap="square" rtlCol="0">
+            <a:spAutoFit/>
+          </a:bodyPr>
+          <a:lstStyle/>
+          <a:p>
+            <a:r>
+              <a:rPr lang="ko-KR" altLang="en-US"/>
+              <a:t>관리</a:t>
+            </a:r>
+            <a:endParaRPr lang="ko-KR" altLang="en-US" dirty="0"/>
+          </a:p>
+        </p:txBody>
+      </p:sp>
+    </p:spTree>
+    <p:extLst>
+      <p:ext uri="{BB962C8B-B14F-4D97-AF65-F5344CB8AC3E}">
+        <p14:creationId xmlns:p14="http://schemas.microsoft.com/office/powerpoint/2010/main" val="831138431"/>
+      </p:ext>
+    </p:extLst>
+  </p:cSld>
+  <p:clrMapOvr>
+    <a:masterClrMapping/>
+  </p:clrMapOvr>
+</p:sld>
+</file>
+
+<file path=ppt/slides/slide5.xml><?xml version="1.0" encoding="utf-8"?>
+<p:sld xmlns:a="http://schemas.openxmlformats.org/drawingml/2006/main" xmlns:r="http://schemas.openxmlformats.org/officeDocument/2006/relationships" xmlns:p="http://schemas.openxmlformats.org/presentationml/2006/main">
+  <p:cSld>
+    <p:spTree>
+      <p:nvGrpSpPr>
+        <p:cNvPr id="1" name=""/>
+        <p:cNvGrpSpPr/>
+        <p:nvPr/>
+      </p:nvGrpSpPr>
+      <p:grpSpPr>
+        <a:xfrm>
+          <a:off x="0" y="0"/>
+          <a:ext cx="0" cy="0"/>
+          <a:chOff x="0" y="0"/>
+          <a:chExt cx="0" cy="0"/>
+        </a:xfrm>
+      </p:grpSpPr>
+      <p:sp>
+        <p:nvSpPr>
+          <p:cNvPr id="18" name="직사각형 17">
+            <a:extLst>
+              <a:ext uri="{FF2B5EF4-FFF2-40B4-BE49-F238E27FC236}">
+                <a16:creationId xmlns:a16="http://schemas.microsoft.com/office/drawing/2014/main" id="{CDC4EE87-45EC-40D8-A336-E667EDAC60CC}"/>
+              </a:ext>
+            </a:extLst>
+          </p:cNvPr>
+          <p:cNvSpPr/>
+          <p:nvPr/>
+        </p:nvSpPr>
+        <p:spPr>
+          <a:xfrm>
+            <a:off x="1219200" y="690282"/>
+            <a:ext cx="8910918" cy="5549153"/>
+          </a:xfrm>
+          <a:prstGeom prst="rect">
+            <a:avLst/>
+          </a:prstGeom>
+          <a:noFill/>
+          <a:ln w="28575">
+            <a:solidFill>
+              <a:schemeClr val="tx1"/>
+            </a:solidFill>
+          </a:ln>
+        </p:spPr>
+        <p:style>
+          <a:lnRef idx="2">
+            <a:schemeClr val="accent1">
+              <a:shade val="50000"/>
+            </a:schemeClr>
+          </a:lnRef>
+          <a:fillRef idx="1">
+            <a:schemeClr val="accent1"/>
+          </a:fillRef>
+          <a:effectRef idx="0">
+            <a:schemeClr val="accent1"/>
+          </a:effectRef>
+          <a:fontRef idx="minor">
+            <a:schemeClr val="lt1"/>
+          </a:fontRef>
+        </p:style>
+        <p:txBody>
+          <a:bodyPr rtlCol="0" anchor="ctr"/>
+          <a:lstStyle/>
+          <a:p>
+            <a:pPr algn="ctr"/>
+            <a:endParaRPr lang="ko-KR" altLang="en-US"/>
+          </a:p>
+        </p:txBody>
+      </p:sp>
+      <p:cxnSp>
+        <p:nvCxnSpPr>
+          <p:cNvPr id="20" name="직선 연결선 19">
+            <a:extLst>
+              <a:ext uri="{FF2B5EF4-FFF2-40B4-BE49-F238E27FC236}">
+                <a16:creationId xmlns:a16="http://schemas.microsoft.com/office/drawing/2014/main" id="{39A883E8-92E7-418B-9DA3-7E96DD63D9F6}"/>
+              </a:ext>
+            </a:extLst>
+          </p:cNvPr>
+          <p:cNvCxnSpPr/>
+          <p:nvPr/>
+        </p:nvCxnSpPr>
+        <p:spPr>
+          <a:xfrm>
+            <a:off x="788894" y="1308847"/>
+            <a:ext cx="9941859" cy="0"/>
+          </a:xfrm>
+          <a:prstGeom prst="line">
+            <a:avLst/>
+          </a:prstGeom>
+        </p:spPr>
+        <p:style>
+          <a:lnRef idx="1">
+            <a:schemeClr val="accent1"/>
+          </a:lnRef>
+          <a:fillRef idx="0">
+            <a:schemeClr val="accent1"/>
+          </a:fillRef>
+          <a:effectRef idx="0">
+            <a:schemeClr val="accent1"/>
+          </a:effectRef>
+          <a:fontRef idx="minor">
+            <a:schemeClr val="tx1"/>
+          </a:fontRef>
+        </p:style>
+      </p:cxnSp>
+      <p:sp>
+        <p:nvSpPr>
+          <p:cNvPr id="21" name="TextBox 20">
+            <a:extLst>
+              <a:ext uri="{FF2B5EF4-FFF2-40B4-BE49-F238E27FC236}">
+                <a16:creationId xmlns:a16="http://schemas.microsoft.com/office/drawing/2014/main" id="{835BF22E-392E-4593-9AE9-C21037E02C83}"/>
+              </a:ext>
+            </a:extLst>
+          </p:cNvPr>
+          <p:cNvSpPr txBox="1"/>
+          <p:nvPr/>
+        </p:nvSpPr>
+        <p:spPr>
+          <a:xfrm>
+            <a:off x="4374776" y="3186054"/>
+            <a:ext cx="2294966" cy="923330"/>
+          </a:xfrm>
+          <a:prstGeom prst="rect">
+            <a:avLst/>
+          </a:prstGeom>
+          <a:noFill/>
+        </p:spPr>
+        <p:txBody>
+          <a:bodyPr wrap="square" rtlCol="0">
+            <a:spAutoFit/>
+          </a:bodyPr>
+          <a:lstStyle/>
+          <a:p>
+            <a:pPr algn="ctr"/>
+            <a:r>
+              <a:rPr lang="ko-KR" altLang="en-US" dirty="0"/>
+              <a:t>새 프로젝트</a:t>
+            </a:r>
+            <a:endParaRPr lang="en-US" altLang="ko-KR" dirty="0"/>
+          </a:p>
+          <a:p>
+            <a:endParaRPr lang="en-US" altLang="ko-KR" dirty="0"/>
+          </a:p>
+          <a:p>
+            <a:pPr algn="ctr"/>
+            <a:r>
+              <a:rPr lang="ko-KR" altLang="en-US" dirty="0"/>
+              <a:t>기존 프로젝트</a:t>
+            </a:r>
+          </a:p>
+        </p:txBody>
+      </p:sp>
+      <p:sp>
+        <p:nvSpPr>
+          <p:cNvPr id="22" name="TextBox 21">
+            <a:extLst>
+              <a:ext uri="{FF2B5EF4-FFF2-40B4-BE49-F238E27FC236}">
+                <a16:creationId xmlns:a16="http://schemas.microsoft.com/office/drawing/2014/main" id="{6FA3F6FA-278D-487B-AD80-72513F607295}"/>
+              </a:ext>
+            </a:extLst>
+          </p:cNvPr>
+          <p:cNvSpPr txBox="1"/>
+          <p:nvPr/>
+        </p:nvSpPr>
+        <p:spPr>
+          <a:xfrm>
+            <a:off x="8996082" y="822970"/>
+            <a:ext cx="1210235" cy="369332"/>
+          </a:xfrm>
+          <a:prstGeom prst="rect">
+            <a:avLst/>
+          </a:prstGeom>
+          <a:noFill/>
+        </p:spPr>
+        <p:txBody>
+          <a:bodyPr wrap="square" rtlCol="0">
+            <a:spAutoFit/>
+          </a:bodyPr>
+          <a:lstStyle/>
+          <a:p>
+            <a:r>
+              <a:rPr lang="ko-KR" altLang="en-US"/>
+              <a:t>로그아웃</a:t>
+            </a:r>
+            <a:endParaRPr lang="ko-KR" altLang="en-US" dirty="0"/>
+          </a:p>
+        </p:txBody>
+      </p:sp>
+      <p:sp>
+        <p:nvSpPr>
+          <p:cNvPr id="23" name="TextBox 22">
+            <a:extLst>
+              <a:ext uri="{FF2B5EF4-FFF2-40B4-BE49-F238E27FC236}">
+                <a16:creationId xmlns:a16="http://schemas.microsoft.com/office/drawing/2014/main" id="{685E19D2-0364-421F-97EF-D152706AAA4E}"/>
+              </a:ext>
+            </a:extLst>
+          </p:cNvPr>
+          <p:cNvSpPr txBox="1"/>
+          <p:nvPr/>
+        </p:nvSpPr>
+        <p:spPr>
+          <a:xfrm>
+            <a:off x="515469" y="288667"/>
+            <a:ext cx="2102224" cy="276999"/>
+          </a:xfrm>
+          <a:prstGeom prst="rect">
+            <a:avLst/>
+          </a:prstGeom>
+          <a:noFill/>
+        </p:spPr>
+        <p:txBody>
+          <a:bodyPr wrap="square" rtlCol="0">
+            <a:spAutoFit/>
+          </a:bodyPr>
+          <a:lstStyle/>
+          <a:p>
+            <a:r>
+              <a:rPr lang="ko-KR" altLang="en-US" sz="1200" dirty="0" err="1"/>
+              <a:t>클릭시</a:t>
+            </a:r>
+            <a:r>
+              <a:rPr lang="ko-KR" altLang="en-US" sz="1200" dirty="0"/>
+              <a:t> </a:t>
+            </a:r>
+            <a:r>
+              <a:rPr lang="ko-KR" altLang="en-US" sz="1200" dirty="0" err="1"/>
+              <a:t>메인페이지</a:t>
+            </a:r>
+            <a:endParaRPr lang="ko-KR" altLang="en-US" sz="1200" dirty="0"/>
+          </a:p>
+        </p:txBody>
+      </p:sp>
+      <p:sp>
+        <p:nvSpPr>
+          <p:cNvPr id="25" name="TextBox 24">
+            <a:extLst>
+              <a:ext uri="{FF2B5EF4-FFF2-40B4-BE49-F238E27FC236}">
+                <a16:creationId xmlns:a16="http://schemas.microsoft.com/office/drawing/2014/main" id="{AE36873D-8C1A-49AF-B6C4-523BFCBCAA80}"/>
+              </a:ext>
+            </a:extLst>
+          </p:cNvPr>
+          <p:cNvSpPr txBox="1"/>
+          <p:nvPr/>
+        </p:nvSpPr>
+        <p:spPr>
+          <a:xfrm>
+            <a:off x="4827492" y="180192"/>
+            <a:ext cx="2102224" cy="276999"/>
+          </a:xfrm>
+          <a:prstGeom prst="rect">
+            <a:avLst/>
+          </a:prstGeom>
+          <a:noFill/>
+        </p:spPr>
+        <p:txBody>
+          <a:bodyPr wrap="square" rtlCol="0">
+            <a:spAutoFit/>
+          </a:bodyPr>
+          <a:lstStyle/>
+          <a:p>
+            <a:r>
+              <a:rPr lang="en-US" altLang="ko-KR" sz="1200" dirty="0"/>
+              <a:t>&lt;</a:t>
+            </a:r>
+            <a:r>
+              <a:rPr lang="ko-KR" altLang="en-US" sz="1200" dirty="0"/>
+              <a:t>메인</a:t>
+            </a:r>
+            <a:r>
+              <a:rPr lang="en-US" altLang="ko-KR" sz="1200" dirty="0"/>
+              <a:t>&gt;</a:t>
+            </a:r>
+            <a:endParaRPr lang="ko-KR" altLang="en-US" sz="1200" dirty="0"/>
+          </a:p>
+        </p:txBody>
+      </p:sp>
+      <p:sp>
+        <p:nvSpPr>
+          <p:cNvPr id="27" name="TextBox 26">
+            <a:extLst>
+              <a:ext uri="{FF2B5EF4-FFF2-40B4-BE49-F238E27FC236}">
+                <a16:creationId xmlns:a16="http://schemas.microsoft.com/office/drawing/2014/main" id="{A7D8984E-D405-47ED-9E2B-A77316E0D0AD}"/>
+              </a:ext>
+            </a:extLst>
+          </p:cNvPr>
+          <p:cNvSpPr txBox="1"/>
+          <p:nvPr/>
+        </p:nvSpPr>
+        <p:spPr>
+          <a:xfrm>
+            <a:off x="1470212" y="967299"/>
+            <a:ext cx="1210235" cy="369332"/>
+          </a:xfrm>
+          <a:prstGeom prst="rect">
+            <a:avLst/>
+          </a:prstGeom>
+          <a:noFill/>
+        </p:spPr>
+        <p:txBody>
+          <a:bodyPr wrap="square" rtlCol="0">
+            <a:spAutoFit/>
+          </a:bodyPr>
+          <a:lstStyle/>
+          <a:p>
+            <a:r>
+              <a:rPr lang="ko-KR" altLang="en-US"/>
+              <a:t>로고</a:t>
+            </a:r>
+            <a:endParaRPr lang="ko-KR" altLang="en-US" dirty="0"/>
+          </a:p>
+        </p:txBody>
+      </p:sp>
+      <p:sp>
+        <p:nvSpPr>
+          <p:cNvPr id="9" name="TextBox 8">
+            <a:extLst>
+              <a:ext uri="{FF2B5EF4-FFF2-40B4-BE49-F238E27FC236}">
+                <a16:creationId xmlns:a16="http://schemas.microsoft.com/office/drawing/2014/main" id="{80A28816-641A-4DA4-ABC1-B1C76D1F5196}"/>
+              </a:ext>
+            </a:extLst>
+          </p:cNvPr>
+          <p:cNvSpPr txBox="1"/>
+          <p:nvPr/>
+        </p:nvSpPr>
+        <p:spPr>
+          <a:xfrm>
+            <a:off x="8205508" y="814899"/>
+            <a:ext cx="714375" cy="369332"/>
+          </a:xfrm>
+          <a:prstGeom prst="rect">
+            <a:avLst/>
+          </a:prstGeom>
+          <a:noFill/>
+        </p:spPr>
+        <p:txBody>
+          <a:bodyPr wrap="square" rtlCol="0">
+            <a:spAutoFit/>
+          </a:bodyPr>
+          <a:lstStyle/>
+          <a:p>
+            <a:r>
+              <a:rPr lang="ko-KR" altLang="en-US" dirty="0"/>
+              <a:t>관리</a:t>
+            </a:r>
+          </a:p>
+        </p:txBody>
+      </p:sp>
+    </p:spTree>
+    <p:extLst>
+      <p:ext uri="{BB962C8B-B14F-4D97-AF65-F5344CB8AC3E}">
+        <p14:creationId xmlns:p14="http://schemas.microsoft.com/office/powerpoint/2010/main" val="3871641239"/>
+      </p:ext>
+    </p:extLst>
+  </p:cSld>
+  <p:clrMapOvr>
+    <a:masterClrMapping/>
+  </p:clrMapOvr>
+</p:sld>
+</file>
+
+<file path=ppt/slides/slide6.xml><?xml version="1.0" encoding="utf-8"?>
+<p:sld xmlns:a="http://schemas.openxmlformats.org/drawingml/2006/main" xmlns:r="http://schemas.openxmlformats.org/officeDocument/2006/relationships" xmlns:p="http://schemas.openxmlformats.org/presentationml/2006/main">
+  <p:cSld>
+    <p:spTree>
+      <p:nvGrpSpPr>
+        <p:cNvPr id="1" name=""/>
+        <p:cNvGrpSpPr/>
+        <p:nvPr/>
+      </p:nvGrpSpPr>
+      <p:grpSpPr>
+        <a:xfrm>
+          <a:off x="0" y="0"/>
+          <a:ext cx="0" cy="0"/>
+          <a:chOff x="0" y="0"/>
+          <a:chExt cx="0" cy="0"/>
+        </a:xfrm>
+      </p:grpSpPr>
+      <p:sp>
+        <p:nvSpPr>
+          <p:cNvPr id="18" name="직사각형 17">
+            <a:extLst>
+              <a:ext uri="{FF2B5EF4-FFF2-40B4-BE49-F238E27FC236}">
+                <a16:creationId xmlns:a16="http://schemas.microsoft.com/office/drawing/2014/main" id="{CDC4EE87-45EC-40D8-A336-E667EDAC60CC}"/>
+              </a:ext>
+            </a:extLst>
+          </p:cNvPr>
+          <p:cNvSpPr/>
+          <p:nvPr/>
+        </p:nvSpPr>
+        <p:spPr>
+          <a:xfrm>
+            <a:off x="1219200" y="690282"/>
+            <a:ext cx="8910918" cy="5549153"/>
+          </a:xfrm>
+          <a:prstGeom prst="rect">
+            <a:avLst/>
+          </a:prstGeom>
+          <a:noFill/>
+          <a:ln w="28575">
+            <a:solidFill>
+              <a:schemeClr val="tx1"/>
+            </a:solidFill>
+          </a:ln>
+        </p:spPr>
+        <p:style>
+          <a:lnRef idx="2">
+            <a:schemeClr val="accent1">
+              <a:shade val="50000"/>
+            </a:schemeClr>
+          </a:lnRef>
+          <a:fillRef idx="1">
+            <a:schemeClr val="accent1"/>
+          </a:fillRef>
+          <a:effectRef idx="0">
+            <a:schemeClr val="accent1"/>
+          </a:effectRef>
+          <a:fontRef idx="minor">
+            <a:schemeClr val="lt1"/>
+          </a:fontRef>
+        </p:style>
+        <p:txBody>
+          <a:bodyPr rtlCol="0" anchor="ctr"/>
+          <a:lstStyle/>
+          <a:p>
+            <a:pPr algn="ctr"/>
+            <a:endParaRPr lang="ko-KR" altLang="en-US"/>
+          </a:p>
+        </p:txBody>
+      </p:sp>
+      <p:cxnSp>
+        <p:nvCxnSpPr>
+          <p:cNvPr id="20" name="직선 연결선 19">
+            <a:extLst>
+              <a:ext uri="{FF2B5EF4-FFF2-40B4-BE49-F238E27FC236}">
+                <a16:creationId xmlns:a16="http://schemas.microsoft.com/office/drawing/2014/main" id="{39A883E8-92E7-418B-9DA3-7E96DD63D9F6}"/>
+              </a:ext>
+            </a:extLst>
+          </p:cNvPr>
+          <p:cNvCxnSpPr/>
+          <p:nvPr/>
+        </p:nvCxnSpPr>
+        <p:spPr>
+          <a:xfrm>
+            <a:off x="788894" y="1308847"/>
+            <a:ext cx="9941859" cy="0"/>
+          </a:xfrm>
+          <a:prstGeom prst="line">
+            <a:avLst/>
+          </a:prstGeom>
+        </p:spPr>
+        <p:style>
+          <a:lnRef idx="1">
+            <a:schemeClr val="accent1"/>
+          </a:lnRef>
+          <a:fillRef idx="0">
+            <a:schemeClr val="accent1"/>
+          </a:fillRef>
+          <a:effectRef idx="0">
+            <a:schemeClr val="accent1"/>
+          </a:effectRef>
+          <a:fontRef idx="minor">
+            <a:schemeClr val="tx1"/>
+          </a:fontRef>
+        </p:style>
+      </p:cxnSp>
+      <p:sp>
+        <p:nvSpPr>
+          <p:cNvPr id="21" name="TextBox 20">
+            <a:extLst>
+              <a:ext uri="{FF2B5EF4-FFF2-40B4-BE49-F238E27FC236}">
+                <a16:creationId xmlns:a16="http://schemas.microsoft.com/office/drawing/2014/main" id="{835BF22E-392E-4593-9AE9-C21037E02C83}"/>
+              </a:ext>
+            </a:extLst>
+          </p:cNvPr>
+          <p:cNvSpPr txBox="1"/>
+          <p:nvPr/>
+        </p:nvSpPr>
+        <p:spPr>
+          <a:xfrm>
+            <a:off x="4527176" y="2967335"/>
+            <a:ext cx="2294966" cy="369332"/>
+          </a:xfrm>
+          <a:prstGeom prst="rect">
+            <a:avLst/>
+          </a:prstGeom>
+          <a:noFill/>
+        </p:spPr>
+        <p:txBody>
+          <a:bodyPr wrap="square" rtlCol="0">
+            <a:spAutoFit/>
+          </a:bodyPr>
+          <a:lstStyle/>
+          <a:p>
+            <a:pPr algn="ctr"/>
+            <a:r>
+              <a:rPr lang="ko-KR" altLang="en-US" dirty="0"/>
+              <a:t>서버 이름 추가</a:t>
+            </a:r>
+          </a:p>
+        </p:txBody>
+      </p:sp>
+      <p:sp>
+        <p:nvSpPr>
+          <p:cNvPr id="22" name="TextBox 21">
+            <a:extLst>
+              <a:ext uri="{FF2B5EF4-FFF2-40B4-BE49-F238E27FC236}">
+                <a16:creationId xmlns:a16="http://schemas.microsoft.com/office/drawing/2014/main" id="{6FA3F6FA-278D-487B-AD80-72513F607295}"/>
+              </a:ext>
+            </a:extLst>
+          </p:cNvPr>
+          <p:cNvSpPr txBox="1"/>
+          <p:nvPr/>
+        </p:nvSpPr>
+        <p:spPr>
+          <a:xfrm>
+            <a:off x="8996082" y="822970"/>
+            <a:ext cx="1210235" cy="369332"/>
+          </a:xfrm>
+          <a:prstGeom prst="rect">
+            <a:avLst/>
+          </a:prstGeom>
+          <a:noFill/>
+        </p:spPr>
+        <p:txBody>
+          <a:bodyPr wrap="square" rtlCol="0">
+            <a:spAutoFit/>
+          </a:bodyPr>
+          <a:lstStyle/>
+          <a:p>
+            <a:r>
+              <a:rPr lang="ko-KR" altLang="en-US"/>
+              <a:t>로그아웃</a:t>
+            </a:r>
+            <a:endParaRPr lang="ko-KR" altLang="en-US" dirty="0"/>
+          </a:p>
+        </p:txBody>
+      </p:sp>
+      <p:sp>
+        <p:nvSpPr>
+          <p:cNvPr id="23" name="TextBox 22">
+            <a:extLst>
+              <a:ext uri="{FF2B5EF4-FFF2-40B4-BE49-F238E27FC236}">
+                <a16:creationId xmlns:a16="http://schemas.microsoft.com/office/drawing/2014/main" id="{685E19D2-0364-421F-97EF-D152706AAA4E}"/>
+              </a:ext>
+            </a:extLst>
+          </p:cNvPr>
+          <p:cNvSpPr txBox="1"/>
+          <p:nvPr/>
+        </p:nvSpPr>
+        <p:spPr>
+          <a:xfrm>
+            <a:off x="515469" y="288667"/>
+            <a:ext cx="2102224" cy="276999"/>
+          </a:xfrm>
+          <a:prstGeom prst="rect">
+            <a:avLst/>
+          </a:prstGeom>
+          <a:noFill/>
+        </p:spPr>
+        <p:txBody>
+          <a:bodyPr wrap="square" rtlCol="0">
+            <a:spAutoFit/>
+          </a:bodyPr>
+          <a:lstStyle/>
+          <a:p>
+            <a:r>
+              <a:rPr lang="ko-KR" altLang="en-US" sz="1200" dirty="0" err="1"/>
+              <a:t>클릭시</a:t>
+            </a:r>
+            <a:r>
+              <a:rPr lang="ko-KR" altLang="en-US" sz="1200" dirty="0"/>
+              <a:t> </a:t>
+            </a:r>
+            <a:r>
+              <a:rPr lang="ko-KR" altLang="en-US" sz="1200" dirty="0" err="1"/>
+              <a:t>메인페이지</a:t>
+            </a:r>
+            <a:endParaRPr lang="ko-KR" altLang="en-US" sz="1200" dirty="0"/>
+          </a:p>
+        </p:txBody>
+      </p:sp>
+      <p:sp>
+        <p:nvSpPr>
+          <p:cNvPr id="25" name="TextBox 24">
+            <a:extLst>
+              <a:ext uri="{FF2B5EF4-FFF2-40B4-BE49-F238E27FC236}">
+                <a16:creationId xmlns:a16="http://schemas.microsoft.com/office/drawing/2014/main" id="{AE36873D-8C1A-49AF-B6C4-523BFCBCAA80}"/>
+              </a:ext>
+            </a:extLst>
+          </p:cNvPr>
+          <p:cNvSpPr txBox="1"/>
+          <p:nvPr/>
+        </p:nvSpPr>
+        <p:spPr>
+          <a:xfrm>
+            <a:off x="4827492" y="180192"/>
+            <a:ext cx="2102224" cy="276999"/>
+          </a:xfrm>
+          <a:prstGeom prst="rect">
+            <a:avLst/>
+          </a:prstGeom>
+          <a:noFill/>
+        </p:spPr>
+        <p:txBody>
+          <a:bodyPr wrap="square" rtlCol="0">
+            <a:spAutoFit/>
+          </a:bodyPr>
+          <a:lstStyle/>
+          <a:p>
+            <a:r>
+              <a:rPr lang="en-US" altLang="ko-KR" sz="1200" dirty="0"/>
+              <a:t>&lt;</a:t>
+            </a:r>
+            <a:r>
+              <a:rPr lang="ko-KR" altLang="en-US" sz="1200" dirty="0"/>
+              <a:t>메인 </a:t>
+            </a:r>
+            <a:r>
+              <a:rPr lang="en-US" altLang="ko-KR" sz="1200" dirty="0"/>
+              <a:t>- </a:t>
+            </a:r>
+            <a:r>
+              <a:rPr lang="ko-KR" altLang="en-US" sz="1200" dirty="0"/>
+              <a:t>새프로젝트</a:t>
+            </a:r>
+            <a:r>
+              <a:rPr lang="en-US" altLang="ko-KR" sz="1200" dirty="0"/>
+              <a:t>&gt;</a:t>
+            </a:r>
+            <a:endParaRPr lang="ko-KR" altLang="en-US" sz="1200" dirty="0"/>
+          </a:p>
+        </p:txBody>
+      </p:sp>
+      <p:sp>
+        <p:nvSpPr>
+          <p:cNvPr id="27" name="TextBox 26">
+            <a:extLst>
+              <a:ext uri="{FF2B5EF4-FFF2-40B4-BE49-F238E27FC236}">
+                <a16:creationId xmlns:a16="http://schemas.microsoft.com/office/drawing/2014/main" id="{A7D8984E-D405-47ED-9E2B-A77316E0D0AD}"/>
+              </a:ext>
+            </a:extLst>
+          </p:cNvPr>
+          <p:cNvSpPr txBox="1"/>
+          <p:nvPr/>
+        </p:nvSpPr>
+        <p:spPr>
+          <a:xfrm>
+            <a:off x="1470212" y="967299"/>
+            <a:ext cx="1210235" cy="369332"/>
+          </a:xfrm>
+          <a:prstGeom prst="rect">
+            <a:avLst/>
+          </a:prstGeom>
+          <a:noFill/>
+        </p:spPr>
+        <p:txBody>
+          <a:bodyPr wrap="square" rtlCol="0">
+            <a:spAutoFit/>
+          </a:bodyPr>
+          <a:lstStyle/>
+          <a:p>
+            <a:r>
+              <a:rPr lang="ko-KR" altLang="en-US"/>
+              <a:t>로고</a:t>
+            </a:r>
+            <a:endParaRPr lang="ko-KR" altLang="en-US" dirty="0"/>
+          </a:p>
+        </p:txBody>
+      </p:sp>
+      <p:sp>
+        <p:nvSpPr>
+          <p:cNvPr id="9" name="TextBox 8">
+            <a:extLst>
+              <a:ext uri="{FF2B5EF4-FFF2-40B4-BE49-F238E27FC236}">
+                <a16:creationId xmlns:a16="http://schemas.microsoft.com/office/drawing/2014/main" id="{80A28816-641A-4DA4-ABC1-B1C76D1F5196}"/>
+              </a:ext>
+            </a:extLst>
+          </p:cNvPr>
+          <p:cNvSpPr txBox="1"/>
+          <p:nvPr/>
+        </p:nvSpPr>
+        <p:spPr>
+          <a:xfrm>
+            <a:off x="8205508" y="814899"/>
+            <a:ext cx="714375" cy="369332"/>
+          </a:xfrm>
+          <a:prstGeom prst="rect">
+            <a:avLst/>
+          </a:prstGeom>
+          <a:noFill/>
+        </p:spPr>
+        <p:txBody>
+          <a:bodyPr wrap="square" rtlCol="0">
+            <a:spAutoFit/>
+          </a:bodyPr>
+          <a:lstStyle/>
+          <a:p>
+            <a:r>
+              <a:rPr lang="ko-KR" altLang="en-US" dirty="0"/>
+              <a:t>관리</a:t>
+            </a:r>
+          </a:p>
+        </p:txBody>
+      </p:sp>
+    </p:spTree>
+    <p:extLst>
+      <p:ext uri="{BB962C8B-B14F-4D97-AF65-F5344CB8AC3E}">
+        <p14:creationId xmlns:p14="http://schemas.microsoft.com/office/powerpoint/2010/main" val="1905568561"/>
+      </p:ext>
+    </p:extLst>
+  </p:cSld>
+  <p:clrMapOvr>
+    <a:masterClrMapping/>
+  </p:clrMapOvr>
+</p:sld>
+</file>
+
+<file path=ppt/slides/slide7.xml><?xml version="1.0" encoding="utf-8"?>
+<p:sld xmlns:a="http://schemas.openxmlformats.org/drawingml/2006/main" xmlns:r="http://schemas.openxmlformats.org/officeDocument/2006/relationships" xmlns:p="http://schemas.openxmlformats.org/presentationml/2006/main">
+  <p:cSld>
+    <p:spTree>
+      <p:nvGrpSpPr>
+        <p:cNvPr id="1" name=""/>
+        <p:cNvGrpSpPr/>
+        <p:nvPr/>
+      </p:nvGrpSpPr>
+      <p:grpSpPr>
+        <a:xfrm>
+          <a:off x="0" y="0"/>
+          <a:ext cx="0" cy="0"/>
+          <a:chOff x="0" y="0"/>
+          <a:chExt cx="0" cy="0"/>
+        </a:xfrm>
+      </p:grpSpPr>
+      <p:sp>
+        <p:nvSpPr>
+          <p:cNvPr id="18" name="직사각형 17">
+            <a:extLst>
+              <a:ext uri="{FF2B5EF4-FFF2-40B4-BE49-F238E27FC236}">
+                <a16:creationId xmlns:a16="http://schemas.microsoft.com/office/drawing/2014/main" id="{CDC4EE87-45EC-40D8-A336-E667EDAC60CC}"/>
+              </a:ext>
+            </a:extLst>
+          </p:cNvPr>
+          <p:cNvSpPr/>
+          <p:nvPr/>
+        </p:nvSpPr>
+        <p:spPr>
+          <a:xfrm>
+            <a:off x="1219200" y="690282"/>
+            <a:ext cx="8910918" cy="5549153"/>
+          </a:xfrm>
+          <a:prstGeom prst="rect">
+            <a:avLst/>
+          </a:prstGeom>
+          <a:noFill/>
+          <a:ln w="28575">
+            <a:solidFill>
+              <a:schemeClr val="tx1"/>
+            </a:solidFill>
+          </a:ln>
+        </p:spPr>
+        <p:style>
+          <a:lnRef idx="2">
+            <a:schemeClr val="accent1">
+              <a:shade val="50000"/>
+            </a:schemeClr>
+          </a:lnRef>
+          <a:fillRef idx="1">
+            <a:schemeClr val="accent1"/>
+          </a:fillRef>
+          <a:effectRef idx="0">
+            <a:schemeClr val="accent1"/>
+          </a:effectRef>
+          <a:fontRef idx="minor">
+            <a:schemeClr val="lt1"/>
+          </a:fontRef>
+        </p:style>
+        <p:txBody>
+          <a:bodyPr rtlCol="0" anchor="ctr"/>
+          <a:lstStyle/>
+          <a:p>
+            <a:pPr algn="ctr"/>
+            <a:endParaRPr lang="ko-KR" altLang="en-US"/>
+          </a:p>
+        </p:txBody>
+      </p:sp>
+      <p:cxnSp>
+        <p:nvCxnSpPr>
+          <p:cNvPr id="20" name="직선 연결선 19">
+            <a:extLst>
+              <a:ext uri="{FF2B5EF4-FFF2-40B4-BE49-F238E27FC236}">
+                <a16:creationId xmlns:a16="http://schemas.microsoft.com/office/drawing/2014/main" id="{39A883E8-92E7-418B-9DA3-7E96DD63D9F6}"/>
+              </a:ext>
+            </a:extLst>
+          </p:cNvPr>
+          <p:cNvCxnSpPr/>
+          <p:nvPr/>
+        </p:nvCxnSpPr>
+        <p:spPr>
+          <a:xfrm>
+            <a:off x="788894" y="1308847"/>
+            <a:ext cx="9941859" cy="0"/>
+          </a:xfrm>
+          <a:prstGeom prst="line">
+            <a:avLst/>
+          </a:prstGeom>
+        </p:spPr>
+        <p:style>
+          <a:lnRef idx="1">
+            <a:schemeClr val="accent1"/>
+          </a:lnRef>
+          <a:fillRef idx="0">
+            <a:schemeClr val="accent1"/>
+          </a:fillRef>
+          <a:effectRef idx="0">
+            <a:schemeClr val="accent1"/>
+          </a:effectRef>
+          <a:fontRef idx="minor">
+            <a:schemeClr val="tx1"/>
+          </a:fontRef>
+        </p:style>
+      </p:cxnSp>
+      <p:sp>
+        <p:nvSpPr>
+          <p:cNvPr id="21" name="TextBox 20">
+            <a:extLst>
+              <a:ext uri="{FF2B5EF4-FFF2-40B4-BE49-F238E27FC236}">
+                <a16:creationId xmlns:a16="http://schemas.microsoft.com/office/drawing/2014/main" id="{835BF22E-392E-4593-9AE9-C21037E02C83}"/>
+              </a:ext>
+            </a:extLst>
+          </p:cNvPr>
+          <p:cNvSpPr txBox="1"/>
+          <p:nvPr/>
+        </p:nvSpPr>
+        <p:spPr>
+          <a:xfrm>
+            <a:off x="1317812" y="814899"/>
+            <a:ext cx="1210235" cy="369332"/>
+          </a:xfrm>
+          <a:prstGeom prst="rect">
+            <a:avLst/>
+          </a:prstGeom>
+          <a:noFill/>
+        </p:spPr>
+        <p:txBody>
+          <a:bodyPr wrap="square" rtlCol="0">
+            <a:spAutoFit/>
+          </a:bodyPr>
+          <a:lstStyle/>
+          <a:p>
+            <a:r>
+              <a:rPr lang="ko-KR" altLang="en-US"/>
+              <a:t>로고</a:t>
+            </a:r>
+            <a:endParaRPr lang="ko-KR" altLang="en-US" dirty="0"/>
+          </a:p>
+        </p:txBody>
+      </p:sp>
+      <p:sp>
+        <p:nvSpPr>
+          <p:cNvPr id="22" name="TextBox 21">
+            <a:extLst>
+              <a:ext uri="{FF2B5EF4-FFF2-40B4-BE49-F238E27FC236}">
+                <a16:creationId xmlns:a16="http://schemas.microsoft.com/office/drawing/2014/main" id="{6FA3F6FA-278D-487B-AD80-72513F607295}"/>
+              </a:ext>
+            </a:extLst>
+          </p:cNvPr>
+          <p:cNvSpPr txBox="1"/>
+          <p:nvPr/>
+        </p:nvSpPr>
+        <p:spPr>
+          <a:xfrm>
+            <a:off x="9018495" y="814899"/>
+            <a:ext cx="1210235" cy="369332"/>
+          </a:xfrm>
+          <a:prstGeom prst="rect">
+            <a:avLst/>
+          </a:prstGeom>
+          <a:noFill/>
+        </p:spPr>
+        <p:txBody>
+          <a:bodyPr wrap="square" rtlCol="0">
+            <a:spAutoFit/>
+          </a:bodyPr>
+          <a:lstStyle/>
+          <a:p>
+            <a:r>
+              <a:rPr lang="ko-KR" altLang="en-US"/>
+              <a:t>로그아웃</a:t>
+            </a:r>
+            <a:endParaRPr lang="ko-KR" altLang="en-US" dirty="0"/>
+          </a:p>
+        </p:txBody>
+      </p:sp>
+      <p:sp>
+        <p:nvSpPr>
+          <p:cNvPr id="23" name="TextBox 22">
+            <a:extLst>
+              <a:ext uri="{FF2B5EF4-FFF2-40B4-BE49-F238E27FC236}">
+                <a16:creationId xmlns:a16="http://schemas.microsoft.com/office/drawing/2014/main" id="{685E19D2-0364-421F-97EF-D152706AAA4E}"/>
+              </a:ext>
+            </a:extLst>
+          </p:cNvPr>
+          <p:cNvSpPr txBox="1"/>
+          <p:nvPr/>
+        </p:nvSpPr>
+        <p:spPr>
+          <a:xfrm>
+            <a:off x="515469" y="288667"/>
+            <a:ext cx="2102224" cy="276999"/>
+          </a:xfrm>
+          <a:prstGeom prst="rect">
+            <a:avLst/>
+          </a:prstGeom>
+          <a:noFill/>
+        </p:spPr>
+        <p:txBody>
+          <a:bodyPr wrap="square" rtlCol="0">
+            <a:spAutoFit/>
+          </a:bodyPr>
+          <a:lstStyle/>
+          <a:p>
+            <a:r>
+              <a:rPr lang="ko-KR" altLang="en-US" sz="1200" dirty="0" err="1"/>
+              <a:t>클릭시</a:t>
+            </a:r>
+            <a:r>
+              <a:rPr lang="ko-KR" altLang="en-US" sz="1200" dirty="0"/>
+              <a:t> </a:t>
+            </a:r>
+            <a:r>
+              <a:rPr lang="ko-KR" altLang="en-US" sz="1200" dirty="0" err="1"/>
+              <a:t>메인페이지</a:t>
+            </a:r>
+            <a:endParaRPr lang="ko-KR" altLang="en-US" sz="1200" dirty="0"/>
+          </a:p>
+        </p:txBody>
+      </p:sp>
+      <p:sp>
+        <p:nvSpPr>
+          <p:cNvPr id="7" name="TextBox 6">
+            <a:extLst>
+              <a:ext uri="{FF2B5EF4-FFF2-40B4-BE49-F238E27FC236}">
+                <a16:creationId xmlns:a16="http://schemas.microsoft.com/office/drawing/2014/main" id="{95BEDD33-0259-42A9-A6E7-DF4CC92644E9}"/>
+              </a:ext>
+            </a:extLst>
+          </p:cNvPr>
+          <p:cNvSpPr txBox="1"/>
+          <p:nvPr/>
+        </p:nvSpPr>
+        <p:spPr>
+          <a:xfrm>
+            <a:off x="4823571" y="242500"/>
+            <a:ext cx="3110754" cy="369332"/>
+          </a:xfrm>
+          <a:prstGeom prst="rect">
+            <a:avLst/>
+          </a:prstGeom>
+          <a:noFill/>
+        </p:spPr>
+        <p:txBody>
+          <a:bodyPr wrap="square" rtlCol="0">
+            <a:spAutoFit/>
+          </a:bodyPr>
+          <a:lstStyle/>
+          <a:p>
+            <a:r>
+              <a:rPr lang="en-US" altLang="ko-KR" dirty="0"/>
+              <a:t>&lt;</a:t>
+            </a:r>
+            <a:r>
+              <a:rPr lang="ko-KR" altLang="en-US" dirty="0"/>
+              <a:t>메인 </a:t>
+            </a:r>
+            <a:r>
+              <a:rPr lang="en-US" altLang="ko-KR" dirty="0"/>
+              <a:t>- </a:t>
+            </a:r>
+            <a:r>
+              <a:rPr lang="ko-KR" altLang="en-US" dirty="0"/>
+              <a:t>기존프로젝트</a:t>
+            </a:r>
+            <a:r>
+              <a:rPr lang="en-US" altLang="ko-KR" dirty="0"/>
+              <a:t>&gt;</a:t>
+            </a:r>
+            <a:endParaRPr lang="ko-KR" altLang="en-US" dirty="0"/>
+          </a:p>
+        </p:txBody>
+      </p:sp>
+      <p:sp>
+        <p:nvSpPr>
+          <p:cNvPr id="11" name="TextBox 10">
+            <a:extLst>
+              <a:ext uri="{FF2B5EF4-FFF2-40B4-BE49-F238E27FC236}">
+                <a16:creationId xmlns:a16="http://schemas.microsoft.com/office/drawing/2014/main" id="{F248A6B2-460B-4BD8-895F-F874DDD80B70}"/>
+              </a:ext>
+            </a:extLst>
+          </p:cNvPr>
+          <p:cNvSpPr txBox="1"/>
+          <p:nvPr/>
+        </p:nvSpPr>
+        <p:spPr>
+          <a:xfrm>
+            <a:off x="5630395" y="1647717"/>
+            <a:ext cx="714375" cy="369332"/>
+          </a:xfrm>
+          <a:prstGeom prst="rect">
+            <a:avLst/>
+          </a:prstGeom>
+          <a:noFill/>
+        </p:spPr>
+        <p:txBody>
+          <a:bodyPr wrap="square" rtlCol="0">
+            <a:spAutoFit/>
+          </a:bodyPr>
+          <a:lstStyle/>
+          <a:p>
+            <a:r>
+              <a:rPr lang="ko-KR" altLang="en-US" dirty="0"/>
+              <a:t>관리</a:t>
+            </a:r>
+          </a:p>
+        </p:txBody>
+      </p:sp>
+      <p:sp>
+        <p:nvSpPr>
+          <p:cNvPr id="13" name="직사각형 12">
+            <a:extLst>
+              <a:ext uri="{FF2B5EF4-FFF2-40B4-BE49-F238E27FC236}">
+                <a16:creationId xmlns:a16="http://schemas.microsoft.com/office/drawing/2014/main" id="{621C4A2E-AE95-4348-8CA4-5D122E10F28A}"/>
+              </a:ext>
+            </a:extLst>
+          </p:cNvPr>
+          <p:cNvSpPr/>
+          <p:nvPr/>
+        </p:nvSpPr>
+        <p:spPr>
+          <a:xfrm>
+            <a:off x="2166157" y="2156011"/>
+            <a:ext cx="3464238" cy="1272989"/>
+          </a:xfrm>
+          <a:prstGeom prst="rect">
+            <a:avLst/>
+          </a:prstGeom>
+          <a:solidFill>
+            <a:schemeClr val="bg1">
+              <a:alpha val="90000"/>
+            </a:schemeClr>
+          </a:solidFill>
+          <a:ln w="25400">
+            <a:solidFill>
+              <a:schemeClr val="tx1"/>
+            </a:solidFill>
+          </a:ln>
+        </p:spPr>
+        <p:style>
+          <a:lnRef idx="2">
+            <a:schemeClr val="accent1">
+              <a:shade val="50000"/>
+            </a:schemeClr>
+          </a:lnRef>
+          <a:fillRef idx="1">
+            <a:schemeClr val="accent1"/>
+          </a:fillRef>
+          <a:effectRef idx="0">
+            <a:schemeClr val="accent1"/>
+          </a:effectRef>
+          <a:fontRef idx="minor">
+            <a:schemeClr val="lt1"/>
+          </a:fontRef>
+        </p:style>
+        <p:txBody>
+          <a:bodyPr rtlCol="0" anchor="ctr"/>
+          <a:lstStyle/>
+          <a:p>
+            <a:r>
+              <a:rPr lang="ko-KR" altLang="en-US" dirty="0">
+                <a:solidFill>
+                  <a:schemeClr val="tx1"/>
+                </a:solidFill>
+              </a:rPr>
+              <a:t>프로젝트 명</a:t>
+            </a:r>
+            <a:endParaRPr lang="en-US" altLang="ko-KR" dirty="0">
+              <a:solidFill>
+                <a:schemeClr val="tx1"/>
+              </a:solidFill>
+            </a:endParaRPr>
+          </a:p>
+          <a:p>
+            <a:endParaRPr lang="en-US" altLang="ko-KR" dirty="0">
+              <a:solidFill>
+                <a:schemeClr val="tx1"/>
+              </a:solidFill>
+            </a:endParaRPr>
+          </a:p>
+          <a:p>
+            <a:r>
+              <a:rPr lang="ko-KR" altLang="en-US" dirty="0" err="1">
+                <a:solidFill>
+                  <a:schemeClr val="tx1"/>
+                </a:solidFill>
+              </a:rPr>
+              <a:t>점장</a:t>
+            </a:r>
+            <a:r>
+              <a:rPr lang="ko-KR" altLang="en-US" dirty="0">
+                <a:solidFill>
+                  <a:schemeClr val="tx1"/>
+                </a:solidFill>
+              </a:rPr>
+              <a:t> </a:t>
+            </a:r>
+            <a:r>
+              <a:rPr lang="en-US" altLang="ko-KR" dirty="0">
+                <a:solidFill>
+                  <a:schemeClr val="tx1"/>
+                </a:solidFill>
+              </a:rPr>
+              <a:t>: </a:t>
+            </a:r>
+            <a:r>
+              <a:rPr lang="ko-KR" altLang="en-US" dirty="0" err="1">
+                <a:solidFill>
+                  <a:schemeClr val="tx1"/>
+                </a:solidFill>
+              </a:rPr>
+              <a:t>이사발</a:t>
+            </a:r>
+            <a:endParaRPr lang="en-US" altLang="ko-KR" dirty="0">
+              <a:solidFill>
+                <a:schemeClr val="tx1"/>
+              </a:solidFill>
+            </a:endParaRPr>
+          </a:p>
+          <a:p>
+            <a:r>
+              <a:rPr lang="ko-KR" altLang="en-US" dirty="0">
+                <a:solidFill>
+                  <a:schemeClr val="tx1"/>
+                </a:solidFill>
+              </a:rPr>
+              <a:t>현재 직원 수</a:t>
+            </a:r>
+            <a:endParaRPr lang="en-US" altLang="ko-KR" dirty="0">
+              <a:solidFill>
+                <a:schemeClr val="tx1"/>
+              </a:solidFill>
+            </a:endParaRPr>
+          </a:p>
+        </p:txBody>
+      </p:sp>
+      <p:sp>
+        <p:nvSpPr>
+          <p:cNvPr id="14" name="직사각형 13">
+            <a:extLst>
+              <a:ext uri="{FF2B5EF4-FFF2-40B4-BE49-F238E27FC236}">
+                <a16:creationId xmlns:a16="http://schemas.microsoft.com/office/drawing/2014/main" id="{4204A7C9-8303-4B34-A691-AD9BC183380B}"/>
+              </a:ext>
+            </a:extLst>
+          </p:cNvPr>
+          <p:cNvSpPr/>
+          <p:nvPr/>
+        </p:nvSpPr>
+        <p:spPr>
+          <a:xfrm>
+            <a:off x="6171428" y="2156011"/>
+            <a:ext cx="3464238" cy="1272989"/>
+          </a:xfrm>
+          <a:prstGeom prst="rect">
+            <a:avLst/>
+          </a:prstGeom>
+          <a:solidFill>
+            <a:schemeClr val="bg1">
+              <a:alpha val="90000"/>
+            </a:schemeClr>
+          </a:solidFill>
+          <a:ln w="25400">
+            <a:solidFill>
+              <a:schemeClr val="tx1"/>
+            </a:solidFill>
+          </a:ln>
+        </p:spPr>
+        <p:style>
+          <a:lnRef idx="2">
+            <a:schemeClr val="accent1">
+              <a:shade val="50000"/>
+            </a:schemeClr>
+          </a:lnRef>
+          <a:fillRef idx="1">
+            <a:schemeClr val="accent1"/>
+          </a:fillRef>
+          <a:effectRef idx="0">
+            <a:schemeClr val="accent1"/>
+          </a:effectRef>
+          <a:fontRef idx="minor">
+            <a:schemeClr val="lt1"/>
+          </a:fontRef>
+        </p:style>
+        <p:txBody>
+          <a:bodyPr rtlCol="0" anchor="ctr"/>
+          <a:lstStyle/>
+          <a:p>
+            <a:r>
+              <a:rPr lang="ko-KR" altLang="en-US" dirty="0">
+                <a:solidFill>
+                  <a:schemeClr val="tx1"/>
+                </a:solidFill>
+              </a:rPr>
+              <a:t>프로젝트 명</a:t>
+            </a:r>
+            <a:endParaRPr lang="en-US" altLang="ko-KR" dirty="0">
+              <a:solidFill>
+                <a:schemeClr val="tx1"/>
+              </a:solidFill>
+            </a:endParaRPr>
+          </a:p>
+          <a:p>
+            <a:endParaRPr lang="en-US" altLang="ko-KR" dirty="0">
+              <a:solidFill>
+                <a:schemeClr val="tx1"/>
+              </a:solidFill>
+            </a:endParaRPr>
+          </a:p>
+          <a:p>
+            <a:r>
+              <a:rPr lang="ko-KR" altLang="en-US" dirty="0" err="1">
+                <a:solidFill>
+                  <a:schemeClr val="tx1"/>
+                </a:solidFill>
+              </a:rPr>
+              <a:t>점장</a:t>
+            </a:r>
+            <a:r>
+              <a:rPr lang="ko-KR" altLang="en-US" dirty="0">
+                <a:solidFill>
+                  <a:schemeClr val="tx1"/>
+                </a:solidFill>
+              </a:rPr>
+              <a:t> </a:t>
+            </a:r>
+            <a:r>
+              <a:rPr lang="en-US" altLang="ko-KR" dirty="0">
+                <a:solidFill>
+                  <a:schemeClr val="tx1"/>
+                </a:solidFill>
+              </a:rPr>
+              <a:t>: </a:t>
+            </a:r>
+            <a:r>
+              <a:rPr lang="ko-KR" altLang="en-US" dirty="0" err="1">
+                <a:solidFill>
+                  <a:schemeClr val="tx1"/>
+                </a:solidFill>
+              </a:rPr>
+              <a:t>이사발</a:t>
+            </a:r>
+            <a:endParaRPr lang="en-US" altLang="ko-KR" dirty="0">
+              <a:solidFill>
+                <a:schemeClr val="tx1"/>
+              </a:solidFill>
+            </a:endParaRPr>
+          </a:p>
+          <a:p>
+            <a:r>
+              <a:rPr lang="ko-KR" altLang="en-US" dirty="0">
+                <a:solidFill>
+                  <a:schemeClr val="tx1"/>
+                </a:solidFill>
+              </a:rPr>
+              <a:t>현재 직원 수</a:t>
+            </a:r>
+            <a:endParaRPr lang="en-US" altLang="ko-KR" dirty="0">
+              <a:solidFill>
+                <a:schemeClr val="tx1"/>
+              </a:solidFill>
+            </a:endParaRPr>
+          </a:p>
+        </p:txBody>
+      </p:sp>
+      <p:sp>
+        <p:nvSpPr>
+          <p:cNvPr id="15" name="직사각형 14">
+            <a:extLst>
+              <a:ext uri="{FF2B5EF4-FFF2-40B4-BE49-F238E27FC236}">
+                <a16:creationId xmlns:a16="http://schemas.microsoft.com/office/drawing/2014/main" id="{354BF06E-A070-4CA8-9F94-5F87AFA1FE4F}"/>
+              </a:ext>
+            </a:extLst>
+          </p:cNvPr>
+          <p:cNvSpPr/>
+          <p:nvPr/>
+        </p:nvSpPr>
+        <p:spPr>
+          <a:xfrm>
+            <a:off x="2210421" y="3869197"/>
+            <a:ext cx="3464238" cy="1272989"/>
+          </a:xfrm>
+          <a:prstGeom prst="rect">
+            <a:avLst/>
+          </a:prstGeom>
+          <a:solidFill>
+            <a:schemeClr val="bg1">
+              <a:alpha val="90000"/>
+            </a:schemeClr>
+          </a:solidFill>
+          <a:ln w="25400">
+            <a:solidFill>
+              <a:schemeClr val="tx1"/>
+            </a:solidFill>
+          </a:ln>
+        </p:spPr>
+        <p:style>
+          <a:lnRef idx="2">
+            <a:schemeClr val="accent1">
+              <a:shade val="50000"/>
+            </a:schemeClr>
+          </a:lnRef>
+          <a:fillRef idx="1">
+            <a:schemeClr val="accent1"/>
+          </a:fillRef>
+          <a:effectRef idx="0">
+            <a:schemeClr val="accent1"/>
+          </a:effectRef>
+          <a:fontRef idx="minor">
+            <a:schemeClr val="lt1"/>
+          </a:fontRef>
+        </p:style>
+        <p:txBody>
+          <a:bodyPr rtlCol="0" anchor="ctr"/>
+          <a:lstStyle/>
+          <a:p>
+            <a:r>
+              <a:rPr lang="ko-KR" altLang="en-US" dirty="0">
+                <a:solidFill>
+                  <a:schemeClr val="tx1"/>
+                </a:solidFill>
+              </a:rPr>
+              <a:t>프로젝트 명</a:t>
+            </a:r>
+            <a:endParaRPr lang="en-US" altLang="ko-KR" dirty="0">
+              <a:solidFill>
+                <a:schemeClr val="tx1"/>
+              </a:solidFill>
+            </a:endParaRPr>
+          </a:p>
+          <a:p>
+            <a:endParaRPr lang="en-US" altLang="ko-KR" dirty="0">
+              <a:solidFill>
+                <a:schemeClr val="tx1"/>
+              </a:solidFill>
+            </a:endParaRPr>
+          </a:p>
+          <a:p>
+            <a:r>
+              <a:rPr lang="ko-KR" altLang="en-US" dirty="0" err="1">
+                <a:solidFill>
+                  <a:schemeClr val="tx1"/>
+                </a:solidFill>
+              </a:rPr>
+              <a:t>점장</a:t>
+            </a:r>
+            <a:r>
+              <a:rPr lang="ko-KR" altLang="en-US" dirty="0">
+                <a:solidFill>
+                  <a:schemeClr val="tx1"/>
+                </a:solidFill>
+              </a:rPr>
+              <a:t> </a:t>
+            </a:r>
+            <a:r>
+              <a:rPr lang="en-US" altLang="ko-KR" dirty="0">
+                <a:solidFill>
+                  <a:schemeClr val="tx1"/>
+                </a:solidFill>
+              </a:rPr>
+              <a:t>: </a:t>
+            </a:r>
+            <a:r>
+              <a:rPr lang="ko-KR" altLang="en-US" dirty="0" err="1">
+                <a:solidFill>
+                  <a:schemeClr val="tx1"/>
+                </a:solidFill>
+              </a:rPr>
+              <a:t>이사발</a:t>
+            </a:r>
+            <a:endParaRPr lang="en-US" altLang="ko-KR" dirty="0">
+              <a:solidFill>
+                <a:schemeClr val="tx1"/>
+              </a:solidFill>
+            </a:endParaRPr>
+          </a:p>
+          <a:p>
+            <a:r>
+              <a:rPr lang="ko-KR" altLang="en-US" dirty="0">
+                <a:solidFill>
+                  <a:schemeClr val="tx1"/>
+                </a:solidFill>
+              </a:rPr>
+              <a:t>현재 직원 수</a:t>
+            </a:r>
+            <a:endParaRPr lang="en-US" altLang="ko-KR" dirty="0">
+              <a:solidFill>
+                <a:schemeClr val="tx1"/>
+              </a:solidFill>
+            </a:endParaRPr>
+          </a:p>
+        </p:txBody>
+      </p:sp>
+      <p:sp>
+        <p:nvSpPr>
+          <p:cNvPr id="16" name="별: 꼭짓점 6개 15">
+            <a:extLst>
+              <a:ext uri="{FF2B5EF4-FFF2-40B4-BE49-F238E27FC236}">
+                <a16:creationId xmlns:a16="http://schemas.microsoft.com/office/drawing/2014/main" id="{C0B7201B-B967-4741-8BC3-35B1D6D7C401}"/>
+              </a:ext>
+            </a:extLst>
+          </p:cNvPr>
+          <p:cNvSpPr/>
+          <p:nvPr/>
+        </p:nvSpPr>
+        <p:spPr>
+          <a:xfrm>
+            <a:off x="5096223" y="2241175"/>
+            <a:ext cx="474570" cy="141677"/>
+          </a:xfrm>
+          <a:prstGeom prst="star6">
+            <a:avLst/>
+          </a:prstGeom>
+        </p:spPr>
+        <p:style>
+          <a:lnRef idx="2">
+            <a:schemeClr val="accent1">
+              <a:shade val="50000"/>
+            </a:schemeClr>
+          </a:lnRef>
+          <a:fillRef idx="1">
+            <a:schemeClr val="accent1"/>
+          </a:fillRef>
+          <a:effectRef idx="0">
+            <a:schemeClr val="accent1"/>
+          </a:effectRef>
+          <a:fontRef idx="minor">
+            <a:schemeClr val="lt1"/>
+          </a:fontRef>
+        </p:style>
+        <p:txBody>
+          <a:bodyPr rtlCol="0" anchor="ctr"/>
+          <a:lstStyle/>
+          <a:p>
+            <a:pPr algn="ctr"/>
+            <a:r>
+              <a:rPr lang="ko-KR" altLang="en-US" dirty="0"/>
+              <a:t>설정</a:t>
+            </a:r>
+          </a:p>
+        </p:txBody>
+      </p:sp>
+    </p:spTree>
+    <p:extLst>
+      <p:ext uri="{BB962C8B-B14F-4D97-AF65-F5344CB8AC3E}">
+        <p14:creationId xmlns:p14="http://schemas.microsoft.com/office/powerpoint/2010/main" val="4031665335"/>
       </p:ext>
     </p:extLst>
   </p:cSld>
@@ -6806,7 +9774,7 @@
         </p:nvSpPr>
         <p:spPr>
           <a:xfrm>
-            <a:off x="4471147" y="212476"/>
+            <a:off x="4827492" y="180192"/>
             <a:ext cx="2102224" cy="276999"/>
           </a:xfrm>
           <a:prstGeom prst="rect">
@@ -6820,14 +9788,13 @@
           </a:bodyPr>
           <a:lstStyle/>
           <a:p>
-            <a:pPr algn="ctr"/>
             <a:r>
               <a:rPr lang="en-US" altLang="ko-KR" sz="1200" dirty="0"/>
               <a:t>&lt;</a:t>
             </a:r>
             <a:r>
               <a:rPr lang="ko-KR" altLang="en-US" sz="1200" dirty="0"/>
-              <a:t>알바용</a:t>
+              <a:t>메인</a:t>
             </a:r>
             <a:r>
               <a:rPr lang="en-US" altLang="ko-KR" sz="1200" dirty="0"/>
@@ -6835,11 +9802,406 @@
             </a:r>
             <a:r>
               <a:rPr lang="ko-KR" altLang="en-US" sz="1200" dirty="0"/>
-              <a:t>버튼 </a:t>
-            </a:r>
+              <a:t>새 프로젝트</a:t>
+            </a:r>
+          </a:p>
+        </p:txBody>
+      </p:sp>
+      <p:sp>
+        <p:nvSpPr>
+          <p:cNvPr id="8" name="TextBox 7">
+            <a:extLst>
+              <a:ext uri="{FF2B5EF4-FFF2-40B4-BE49-F238E27FC236}">
+                <a16:creationId xmlns:a16="http://schemas.microsoft.com/office/drawing/2014/main" id="{1EB3F7C8-C930-45B4-ACD0-B6C9A51F407C}"/>
+              </a:ext>
+            </a:extLst>
+          </p:cNvPr>
+          <p:cNvSpPr txBox="1"/>
+          <p:nvPr/>
+        </p:nvSpPr>
+        <p:spPr>
+          <a:xfrm>
+            <a:off x="4374776" y="3186054"/>
+            <a:ext cx="2294966" cy="923330"/>
+          </a:xfrm>
+          <a:prstGeom prst="rect">
+            <a:avLst/>
+          </a:prstGeom>
+          <a:noFill/>
+        </p:spPr>
+        <p:txBody>
+          <a:bodyPr wrap="square" rtlCol="0">
+            <a:spAutoFit/>
+          </a:bodyPr>
+          <a:lstStyle/>
+          <a:p>
+            <a:pPr algn="ctr"/>
+            <a:r>
+              <a:rPr lang="ko-KR" altLang="en-US" dirty="0"/>
+              <a:t>알바용</a:t>
+            </a:r>
+            <a:r>
+              <a:rPr lang="en-US" altLang="ko-KR" dirty="0"/>
+              <a:t>(</a:t>
+            </a:r>
+            <a:r>
+              <a:rPr lang="ko-KR" altLang="en-US" dirty="0" err="1"/>
+              <a:t>점장</a:t>
+            </a:r>
+            <a:r>
+              <a:rPr lang="en-US" altLang="ko-KR" dirty="0"/>
+              <a:t>)</a:t>
+            </a:r>
+          </a:p>
+          <a:p>
+            <a:pPr algn="ctr"/>
+            <a:endParaRPr lang="en-US" altLang="ko-KR" dirty="0"/>
+          </a:p>
+          <a:p>
+            <a:pPr algn="ctr"/>
+            <a:r>
+              <a:rPr lang="ko-KR" altLang="en-US" dirty="0"/>
+              <a:t>개인용</a:t>
+            </a:r>
+            <a:r>
+              <a:rPr lang="en-US" altLang="ko-KR" dirty="0"/>
+              <a:t>(</a:t>
+            </a:r>
+            <a:r>
+              <a:rPr lang="ko-KR" altLang="en-US" dirty="0"/>
+              <a:t>준비중</a:t>
+            </a:r>
+            <a:r>
+              <a:rPr lang="en-US" altLang="ko-KR" dirty="0"/>
+              <a:t>)</a:t>
+            </a:r>
+            <a:endParaRPr lang="ko-KR" altLang="en-US" dirty="0"/>
+          </a:p>
+        </p:txBody>
+      </p:sp>
+      <p:sp>
+        <p:nvSpPr>
+          <p:cNvPr id="12" name="별: 꼭짓점 6개 11">
+            <a:extLst>
+              <a:ext uri="{FF2B5EF4-FFF2-40B4-BE49-F238E27FC236}">
+                <a16:creationId xmlns:a16="http://schemas.microsoft.com/office/drawing/2014/main" id="{FA99CB21-66FF-49E9-9BF8-02D3C4166512}"/>
+              </a:ext>
+            </a:extLst>
+          </p:cNvPr>
+          <p:cNvSpPr/>
+          <p:nvPr/>
+        </p:nvSpPr>
+        <p:spPr>
+          <a:xfrm>
+            <a:off x="7969624" y="775892"/>
+            <a:ext cx="1048871" cy="447346"/>
+          </a:xfrm>
+          <a:prstGeom prst="star6">
+            <a:avLst/>
+          </a:prstGeom>
+        </p:spPr>
+        <p:style>
+          <a:lnRef idx="2">
+            <a:schemeClr val="accent1">
+              <a:shade val="50000"/>
+            </a:schemeClr>
+          </a:lnRef>
+          <a:fillRef idx="1">
+            <a:schemeClr val="accent1"/>
+          </a:fillRef>
+          <a:effectRef idx="0">
+            <a:schemeClr val="accent1"/>
+          </a:effectRef>
+          <a:fontRef idx="minor">
+            <a:schemeClr val="lt1"/>
+          </a:fontRef>
+        </p:style>
+        <p:txBody>
+          <a:bodyPr rtlCol="0" anchor="ctr"/>
+          <a:lstStyle/>
+          <a:p>
+            <a:pPr algn="ctr"/>
+            <a:r>
+              <a:rPr lang="ko-KR" altLang="en-US" dirty="0"/>
+              <a:t>설정</a:t>
+            </a:r>
+          </a:p>
+        </p:txBody>
+      </p:sp>
+    </p:spTree>
+    <p:extLst>
+      <p:ext uri="{BB962C8B-B14F-4D97-AF65-F5344CB8AC3E}">
+        <p14:creationId xmlns:p14="http://schemas.microsoft.com/office/powerpoint/2010/main" val="6399228"/>
+      </p:ext>
+    </p:extLst>
+  </p:cSld>
+  <p:clrMapOvr>
+    <a:masterClrMapping/>
+  </p:clrMapOvr>
+</p:sld>
+</file>
+
+<file path=ppt/slides/slide9.xml><?xml version="1.0" encoding="utf-8"?>
+<p:sld xmlns:a="http://schemas.openxmlformats.org/drawingml/2006/main" xmlns:r="http://schemas.openxmlformats.org/officeDocument/2006/relationships" xmlns:p="http://schemas.openxmlformats.org/presentationml/2006/main">
+  <p:cSld>
+    <p:spTree>
+      <p:nvGrpSpPr>
+        <p:cNvPr id="1" name=""/>
+        <p:cNvGrpSpPr/>
+        <p:nvPr/>
+      </p:nvGrpSpPr>
+      <p:grpSpPr>
+        <a:xfrm>
+          <a:off x="0" y="0"/>
+          <a:ext cx="0" cy="0"/>
+          <a:chOff x="0" y="0"/>
+          <a:chExt cx="0" cy="0"/>
+        </a:xfrm>
+      </p:grpSpPr>
+      <p:sp>
+        <p:nvSpPr>
+          <p:cNvPr id="18" name="직사각형 17">
+            <a:extLst>
+              <a:ext uri="{FF2B5EF4-FFF2-40B4-BE49-F238E27FC236}">
+                <a16:creationId xmlns:a16="http://schemas.microsoft.com/office/drawing/2014/main" id="{CDC4EE87-45EC-40D8-A336-E667EDAC60CC}"/>
+              </a:ext>
+            </a:extLst>
+          </p:cNvPr>
+          <p:cNvSpPr/>
+          <p:nvPr/>
+        </p:nvSpPr>
+        <p:spPr>
+          <a:xfrm>
+            <a:off x="1219200" y="690282"/>
+            <a:ext cx="8910918" cy="5549153"/>
+          </a:xfrm>
+          <a:prstGeom prst="rect">
+            <a:avLst/>
+          </a:prstGeom>
+          <a:noFill/>
+          <a:ln w="28575">
+            <a:solidFill>
+              <a:schemeClr val="tx1"/>
+            </a:solidFill>
+          </a:ln>
+        </p:spPr>
+        <p:style>
+          <a:lnRef idx="2">
+            <a:schemeClr val="accent1">
+              <a:shade val="50000"/>
+            </a:schemeClr>
+          </a:lnRef>
+          <a:fillRef idx="1">
+            <a:schemeClr val="accent1"/>
+          </a:fillRef>
+          <a:effectRef idx="0">
+            <a:schemeClr val="accent1"/>
+          </a:effectRef>
+          <a:fontRef idx="minor">
+            <a:schemeClr val="lt1"/>
+          </a:fontRef>
+        </p:style>
+        <p:txBody>
+          <a:bodyPr rtlCol="0" anchor="ctr"/>
+          <a:lstStyle/>
+          <a:p>
+            <a:pPr algn="ctr"/>
+            <a:endParaRPr lang="ko-KR" altLang="en-US"/>
+          </a:p>
+        </p:txBody>
+      </p:sp>
+      <p:cxnSp>
+        <p:nvCxnSpPr>
+          <p:cNvPr id="20" name="직선 연결선 19">
+            <a:extLst>
+              <a:ext uri="{FF2B5EF4-FFF2-40B4-BE49-F238E27FC236}">
+                <a16:creationId xmlns:a16="http://schemas.microsoft.com/office/drawing/2014/main" id="{39A883E8-92E7-418B-9DA3-7E96DD63D9F6}"/>
+              </a:ext>
+            </a:extLst>
+          </p:cNvPr>
+          <p:cNvCxnSpPr/>
+          <p:nvPr/>
+        </p:nvCxnSpPr>
+        <p:spPr>
+          <a:xfrm>
+            <a:off x="788894" y="1308847"/>
+            <a:ext cx="9941859" cy="0"/>
+          </a:xfrm>
+          <a:prstGeom prst="line">
+            <a:avLst/>
+          </a:prstGeom>
+        </p:spPr>
+        <p:style>
+          <a:lnRef idx="1">
+            <a:schemeClr val="accent1"/>
+          </a:lnRef>
+          <a:fillRef idx="0">
+            <a:schemeClr val="accent1"/>
+          </a:fillRef>
+          <a:effectRef idx="0">
+            <a:schemeClr val="accent1"/>
+          </a:effectRef>
+          <a:fontRef idx="minor">
+            <a:schemeClr val="tx1"/>
+          </a:fontRef>
+        </p:style>
+      </p:cxnSp>
+      <p:sp>
+        <p:nvSpPr>
+          <p:cNvPr id="21" name="TextBox 20">
+            <a:extLst>
+              <a:ext uri="{FF2B5EF4-FFF2-40B4-BE49-F238E27FC236}">
+                <a16:creationId xmlns:a16="http://schemas.microsoft.com/office/drawing/2014/main" id="{835BF22E-392E-4593-9AE9-C21037E02C83}"/>
+              </a:ext>
+            </a:extLst>
+          </p:cNvPr>
+          <p:cNvSpPr txBox="1"/>
+          <p:nvPr/>
+        </p:nvSpPr>
+        <p:spPr>
+          <a:xfrm>
+            <a:off x="1317812" y="814899"/>
+            <a:ext cx="1210235" cy="369332"/>
+          </a:xfrm>
+          <a:prstGeom prst="rect">
+            <a:avLst/>
+          </a:prstGeom>
+          <a:noFill/>
+        </p:spPr>
+        <p:txBody>
+          <a:bodyPr wrap="square" rtlCol="0">
+            <a:spAutoFit/>
+          </a:bodyPr>
+          <a:lstStyle/>
+          <a:p>
+            <a:r>
+              <a:rPr lang="ko-KR" altLang="en-US"/>
+              <a:t>로고</a:t>
+            </a:r>
+            <a:endParaRPr lang="ko-KR" altLang="en-US" dirty="0"/>
+          </a:p>
+        </p:txBody>
+      </p:sp>
+      <p:sp>
+        <p:nvSpPr>
+          <p:cNvPr id="22" name="TextBox 21">
+            <a:extLst>
+              <a:ext uri="{FF2B5EF4-FFF2-40B4-BE49-F238E27FC236}">
+                <a16:creationId xmlns:a16="http://schemas.microsoft.com/office/drawing/2014/main" id="{6FA3F6FA-278D-487B-AD80-72513F607295}"/>
+              </a:ext>
+            </a:extLst>
+          </p:cNvPr>
+          <p:cNvSpPr txBox="1"/>
+          <p:nvPr/>
+        </p:nvSpPr>
+        <p:spPr>
+          <a:xfrm>
+            <a:off x="9018495" y="814899"/>
+            <a:ext cx="1210235" cy="369332"/>
+          </a:xfrm>
+          <a:prstGeom prst="rect">
+            <a:avLst/>
+          </a:prstGeom>
+          <a:noFill/>
+        </p:spPr>
+        <p:txBody>
+          <a:bodyPr wrap="square" rtlCol="0">
+            <a:spAutoFit/>
+          </a:bodyPr>
+          <a:lstStyle/>
+          <a:p>
+            <a:r>
+              <a:rPr lang="ko-KR" altLang="en-US"/>
+              <a:t>로그아웃</a:t>
+            </a:r>
+            <a:endParaRPr lang="ko-KR" altLang="en-US" dirty="0"/>
+          </a:p>
+        </p:txBody>
+      </p:sp>
+      <p:sp>
+        <p:nvSpPr>
+          <p:cNvPr id="23" name="TextBox 22">
+            <a:extLst>
+              <a:ext uri="{FF2B5EF4-FFF2-40B4-BE49-F238E27FC236}">
+                <a16:creationId xmlns:a16="http://schemas.microsoft.com/office/drawing/2014/main" id="{685E19D2-0364-421F-97EF-D152706AAA4E}"/>
+              </a:ext>
+            </a:extLst>
+          </p:cNvPr>
+          <p:cNvSpPr txBox="1"/>
+          <p:nvPr/>
+        </p:nvSpPr>
+        <p:spPr>
+          <a:xfrm>
+            <a:off x="515469" y="288667"/>
+            <a:ext cx="2102224" cy="276999"/>
+          </a:xfrm>
+          <a:prstGeom prst="rect">
+            <a:avLst/>
+          </a:prstGeom>
+          <a:noFill/>
+        </p:spPr>
+        <p:txBody>
+          <a:bodyPr wrap="square" rtlCol="0">
+            <a:spAutoFit/>
+          </a:bodyPr>
+          <a:lstStyle/>
+          <a:p>
             <a:r>
               <a:rPr lang="ko-KR" altLang="en-US" sz="1200" dirty="0" err="1"/>
               <a:t>클릭시</a:t>
+            </a:r>
+            <a:r>
+              <a:rPr lang="ko-KR" altLang="en-US" sz="1200" dirty="0"/>
+              <a:t> </a:t>
+            </a:r>
+            <a:r>
+              <a:rPr lang="ko-KR" altLang="en-US" sz="1200" dirty="0" err="1"/>
+              <a:t>메인페이지</a:t>
+            </a:r>
+            <a:endParaRPr lang="ko-KR" altLang="en-US" sz="1200" dirty="0"/>
+          </a:p>
+        </p:txBody>
+      </p:sp>
+      <p:sp>
+        <p:nvSpPr>
+          <p:cNvPr id="25" name="TextBox 24">
+            <a:extLst>
+              <a:ext uri="{FF2B5EF4-FFF2-40B4-BE49-F238E27FC236}">
+                <a16:creationId xmlns:a16="http://schemas.microsoft.com/office/drawing/2014/main" id="{AE36873D-8C1A-49AF-B6C4-523BFCBCAA80}"/>
+              </a:ext>
+            </a:extLst>
+          </p:cNvPr>
+          <p:cNvSpPr txBox="1"/>
+          <p:nvPr/>
+        </p:nvSpPr>
+        <p:spPr>
+          <a:xfrm>
+            <a:off x="4471147" y="212476"/>
+            <a:ext cx="2102224" cy="276999"/>
+          </a:xfrm>
+          <a:prstGeom prst="rect">
+            <a:avLst/>
+          </a:prstGeom>
+          <a:noFill/>
+        </p:spPr>
+        <p:txBody>
+          <a:bodyPr wrap="square" rtlCol="0">
+            <a:spAutoFit/>
+          </a:bodyPr>
+          <a:lstStyle/>
+          <a:p>
+            <a:pPr algn="ctr"/>
+            <a:r>
+              <a:rPr lang="en-US" altLang="ko-KR" sz="1200" dirty="0"/>
+              <a:t>&lt;</a:t>
+            </a:r>
+            <a:r>
+              <a:rPr lang="ko-KR" altLang="en-US" sz="1200" dirty="0"/>
+              <a:t>알바용</a:t>
+            </a:r>
+            <a:r>
+              <a:rPr lang="en-US" altLang="ko-KR" sz="1200" dirty="0"/>
+              <a:t>&gt;</a:t>
             </a:r>
             <a:endParaRPr lang="ko-KR" altLang="en-US" sz="1200" dirty="0"/>
           </a:p>
@@ -6857,10 +10219,16 @@
           <p:cNvGraphicFramePr>
             <a:graphicFrameLocks noGrp="1"/>
           </p:cNvGraphicFramePr>
-          <p:nvPr/>
+          <p:nvPr>
+            <p:extLst>
+              <p:ext uri="{D42A27DB-BD31-4B8C-83A1-F6EECF244321}">
+                <p14:modId xmlns:p14="http://schemas.microsoft.com/office/powerpoint/2010/main" val="645474709"/>
+              </p:ext>
+            </p:extLst>
+          </p:nvPr>
         </p:nvGraphicFramePr>
         <p:xfrm>
-          <a:off x="3544790" y="2151528"/>
+          <a:off x="3544790" y="2142563"/>
           <a:ext cx="6181165" cy="3497116"/>
         </p:xfrm>
         <a:graphic>
@@ -7256,7 +10624,7 @@
                     <a:lstStyle/>
                     <a:p>
                       <a:pPr latinLnBrk="1"/>
-                      <a:endParaRPr lang="ko-KR" altLang="en-US"/>
+                      <a:endParaRPr lang="ko-KR" altLang="en-US" dirty="0"/>
                     </a:p>
                   </a:txBody>
                   <a:tcPr/>
@@ -7296,7 +10664,7 @@
                     <a:lstStyle/>
                     <a:p>
                       <a:pPr latinLnBrk="1"/>
-                      <a:endParaRPr lang="ko-KR" altLang="en-US"/>
+                      <a:endParaRPr lang="ko-KR" altLang="en-US" dirty="0"/>
                     </a:p>
                   </a:txBody>
                   <a:tcPr/>
@@ -7585,1307 +10953,10 @@
           </a:p>
         </p:txBody>
       </p:sp>
-      <p:sp>
-        <p:nvSpPr>
-          <p:cNvPr id="5" name="직사각형 4">
-            <a:extLst>
-              <a:ext uri="{FF2B5EF4-FFF2-40B4-BE49-F238E27FC236}">
-                <a16:creationId xmlns:a16="http://schemas.microsoft.com/office/drawing/2014/main" id="{B0E9DA98-2150-423E-B3A6-973626756B04}"/>
-              </a:ext>
-            </a:extLst>
-          </p:cNvPr>
-          <p:cNvSpPr/>
-          <p:nvPr/>
-        </p:nvSpPr>
-        <p:spPr>
-          <a:xfrm>
-            <a:off x="433633" y="-65988"/>
-            <a:ext cx="10485379" cy="6624513"/>
-          </a:xfrm>
-          <a:prstGeom prst="rect">
-            <a:avLst/>
-          </a:prstGeom>
-          <a:solidFill>
-            <a:schemeClr val="tx1">
-              <a:alpha val="50000"/>
-            </a:schemeClr>
-          </a:solidFill>
-          <a:ln>
-            <a:solidFill>
-              <a:schemeClr val="accent1">
-                <a:shade val="50000"/>
-                <a:alpha val="50000"/>
-              </a:schemeClr>
-            </a:solidFill>
-          </a:ln>
-        </p:spPr>
-        <p:style>
-          <a:lnRef idx="2">
-            <a:schemeClr val="accent1">
-              <a:shade val="50000"/>
-            </a:schemeClr>
-          </a:lnRef>
-          <a:fillRef idx="1">
-            <a:schemeClr val="accent1"/>
-          </a:fillRef>
-          <a:effectRef idx="0">
-            <a:schemeClr val="accent1"/>
-          </a:effectRef>
-          <a:fontRef idx="minor">
-            <a:schemeClr val="lt1"/>
-          </a:fontRef>
-        </p:style>
-        <p:txBody>
-          <a:bodyPr rtlCol="0" anchor="ctr"/>
-          <a:lstStyle/>
-          <a:p>
-            <a:pPr algn="ctr"/>
-            <a:endParaRPr lang="ko-KR" altLang="en-US" dirty="0"/>
-          </a:p>
-        </p:txBody>
-      </p:sp>
-      <p:sp>
-        <p:nvSpPr>
-          <p:cNvPr id="6" name="직사각형 5">
-            <a:extLst>
-              <a:ext uri="{FF2B5EF4-FFF2-40B4-BE49-F238E27FC236}">
-                <a16:creationId xmlns:a16="http://schemas.microsoft.com/office/drawing/2014/main" id="{CFFCA24C-715A-41FE-9B0F-E3E7D58C8102}"/>
-              </a:ext>
-            </a:extLst>
-          </p:cNvPr>
-          <p:cNvSpPr/>
-          <p:nvPr/>
-        </p:nvSpPr>
-        <p:spPr>
-          <a:xfrm>
-            <a:off x="6573371" y="151234"/>
-            <a:ext cx="3092665" cy="6016484"/>
-          </a:xfrm>
-          <a:prstGeom prst="rect">
-            <a:avLst/>
-          </a:prstGeom>
-          <a:solidFill>
-            <a:schemeClr val="bg1">
-              <a:alpha val="90000"/>
-            </a:schemeClr>
-          </a:solidFill>
-        </p:spPr>
-        <p:style>
-          <a:lnRef idx="2">
-            <a:schemeClr val="accent1">
-              <a:shade val="50000"/>
-            </a:schemeClr>
-          </a:lnRef>
-          <a:fillRef idx="1">
-            <a:schemeClr val="accent1"/>
-          </a:fillRef>
-          <a:effectRef idx="0">
-            <a:schemeClr val="accent1"/>
-          </a:effectRef>
-          <a:fontRef idx="minor">
-            <a:schemeClr val="lt1"/>
-          </a:fontRef>
-        </p:style>
-        <p:txBody>
-          <a:bodyPr rtlCol="0" anchor="ctr"/>
-          <a:lstStyle/>
-          <a:p>
-            <a:pPr algn="ctr"/>
-            <a:endParaRPr lang="ko-KR" altLang="en-US"/>
-          </a:p>
-        </p:txBody>
-      </p:sp>
-      <p:sp>
-        <p:nvSpPr>
-          <p:cNvPr id="17" name="TextBox 16">
-            <a:extLst>
-              <a:ext uri="{FF2B5EF4-FFF2-40B4-BE49-F238E27FC236}">
-                <a16:creationId xmlns:a16="http://schemas.microsoft.com/office/drawing/2014/main" id="{AB98979C-9E72-4B97-B8EE-4F4B01B36987}"/>
-              </a:ext>
-            </a:extLst>
-          </p:cNvPr>
-          <p:cNvSpPr txBox="1"/>
-          <p:nvPr/>
-        </p:nvSpPr>
-        <p:spPr>
-          <a:xfrm>
-            <a:off x="6582879" y="259458"/>
-            <a:ext cx="1210235" cy="369332"/>
-          </a:xfrm>
-          <a:prstGeom prst="rect">
-            <a:avLst/>
-          </a:prstGeom>
-          <a:noFill/>
-        </p:spPr>
-        <p:txBody>
-          <a:bodyPr wrap="square" rtlCol="0">
-            <a:spAutoFit/>
-          </a:bodyPr>
-          <a:lstStyle/>
-          <a:p>
-            <a:r>
-              <a:rPr lang="ko-KR" altLang="en-US" dirty="0" err="1"/>
-              <a:t>년월일</a:t>
-            </a:r>
-            <a:endParaRPr lang="ko-KR" altLang="en-US" dirty="0"/>
-          </a:p>
-        </p:txBody>
-      </p:sp>
-      <p:sp>
-        <p:nvSpPr>
-          <p:cNvPr id="19" name="TextBox 18">
-            <a:extLst>
-              <a:ext uri="{FF2B5EF4-FFF2-40B4-BE49-F238E27FC236}">
-                <a16:creationId xmlns:a16="http://schemas.microsoft.com/office/drawing/2014/main" id="{7C55DC31-4B14-4741-BED5-ADE8AC804D9C}"/>
-              </a:ext>
-            </a:extLst>
-          </p:cNvPr>
-          <p:cNvSpPr txBox="1"/>
-          <p:nvPr/>
-        </p:nvSpPr>
-        <p:spPr>
-          <a:xfrm>
-            <a:off x="7297658" y="5618403"/>
-            <a:ext cx="2102224" cy="276999"/>
-          </a:xfrm>
-          <a:prstGeom prst="rect">
-            <a:avLst/>
-          </a:prstGeom>
-          <a:noFill/>
-        </p:spPr>
-        <p:txBody>
-          <a:bodyPr wrap="square" rtlCol="0">
-            <a:spAutoFit/>
-          </a:bodyPr>
-          <a:lstStyle/>
-          <a:p>
-            <a:r>
-              <a:rPr lang="ko-KR" altLang="en-US" sz="1200" dirty="0" err="1"/>
-              <a:t>클릭시</a:t>
-            </a:r>
-            <a:r>
-              <a:rPr lang="ko-KR" altLang="en-US" sz="1200" dirty="0"/>
-              <a:t> </a:t>
-            </a:r>
-            <a:r>
-              <a:rPr lang="ko-KR" altLang="en-US" sz="1200" dirty="0" err="1"/>
-              <a:t>메인페이지</a:t>
-            </a:r>
-            <a:endParaRPr lang="ko-KR" altLang="en-US" sz="1200" dirty="0"/>
-          </a:p>
-        </p:txBody>
-      </p:sp>
-      <p:cxnSp>
-        <p:nvCxnSpPr>
-          <p:cNvPr id="24" name="직선 연결선 23">
-            <a:extLst>
-              <a:ext uri="{FF2B5EF4-FFF2-40B4-BE49-F238E27FC236}">
-                <a16:creationId xmlns:a16="http://schemas.microsoft.com/office/drawing/2014/main" id="{C42E26FE-338C-46A2-93DD-05927097290F}"/>
-              </a:ext>
-            </a:extLst>
-          </p:cNvPr>
-          <p:cNvCxnSpPr>
-            <a:cxnSpLocks/>
-          </p:cNvCxnSpPr>
-          <p:nvPr/>
-        </p:nvCxnSpPr>
-        <p:spPr>
-          <a:xfrm>
-            <a:off x="6573371" y="1184231"/>
-            <a:ext cx="3092665" cy="0"/>
-          </a:xfrm>
-          <a:prstGeom prst="line">
-            <a:avLst/>
-          </a:prstGeom>
-          <a:ln w="15875">
-            <a:solidFill>
-              <a:schemeClr val="tx1"/>
-            </a:solidFill>
-          </a:ln>
-        </p:spPr>
-        <p:style>
-          <a:lnRef idx="1">
-            <a:schemeClr val="accent1"/>
-          </a:lnRef>
-          <a:fillRef idx="0">
-            <a:schemeClr val="accent1"/>
-          </a:fillRef>
-          <a:effectRef idx="0">
-            <a:schemeClr val="accent1"/>
-          </a:effectRef>
-          <a:fontRef idx="minor">
-            <a:schemeClr val="tx1"/>
-          </a:fontRef>
-        </p:style>
-      </p:cxnSp>
-      <p:sp>
-        <p:nvSpPr>
-          <p:cNvPr id="26" name="직사각형 25">
-            <a:extLst>
-              <a:ext uri="{FF2B5EF4-FFF2-40B4-BE49-F238E27FC236}">
-                <a16:creationId xmlns:a16="http://schemas.microsoft.com/office/drawing/2014/main" id="{8E8C8498-0E0E-4D9F-93DC-9ED87274D4C1}"/>
-              </a:ext>
-            </a:extLst>
-          </p:cNvPr>
-          <p:cNvSpPr/>
-          <p:nvPr/>
-        </p:nvSpPr>
-        <p:spPr>
-          <a:xfrm>
-            <a:off x="1932515" y="151234"/>
-            <a:ext cx="4633045" cy="6016484"/>
-          </a:xfrm>
-          <a:prstGeom prst="rect">
-            <a:avLst/>
-          </a:prstGeom>
-          <a:solidFill>
-            <a:schemeClr val="bg1">
-              <a:alpha val="90000"/>
-            </a:schemeClr>
-          </a:solidFill>
-          <a:ln w="25400">
-            <a:solidFill>
-              <a:schemeClr val="tx1"/>
-            </a:solidFill>
-          </a:ln>
-        </p:spPr>
-        <p:style>
-          <a:lnRef idx="2">
-            <a:schemeClr val="accent1">
-              <a:shade val="50000"/>
-            </a:schemeClr>
-          </a:lnRef>
-          <a:fillRef idx="1">
-            <a:schemeClr val="accent1"/>
-          </a:fillRef>
-          <a:effectRef idx="0">
-            <a:schemeClr val="accent1"/>
-          </a:effectRef>
-          <a:fontRef idx="minor">
-            <a:schemeClr val="lt1"/>
-          </a:fontRef>
-        </p:style>
-        <p:txBody>
-          <a:bodyPr rtlCol="0" anchor="ctr"/>
-          <a:lstStyle/>
-          <a:p>
-            <a:pPr algn="ctr"/>
-            <a:endParaRPr lang="ko-KR" altLang="en-US"/>
-          </a:p>
-        </p:txBody>
-      </p:sp>
-      <p:sp>
-        <p:nvSpPr>
-          <p:cNvPr id="27" name="TextBox 26">
-            <a:extLst>
-              <a:ext uri="{FF2B5EF4-FFF2-40B4-BE49-F238E27FC236}">
-                <a16:creationId xmlns:a16="http://schemas.microsoft.com/office/drawing/2014/main" id="{4EADD001-5B37-41E6-8BD4-6CECA5492103}"/>
-              </a:ext>
-            </a:extLst>
-          </p:cNvPr>
-          <p:cNvSpPr txBox="1"/>
-          <p:nvPr/>
-        </p:nvSpPr>
-        <p:spPr>
-          <a:xfrm>
-            <a:off x="2051271" y="330966"/>
-            <a:ext cx="1210235" cy="369332"/>
-          </a:xfrm>
-          <a:prstGeom prst="rect">
-            <a:avLst/>
-          </a:prstGeom>
-          <a:noFill/>
-        </p:spPr>
-        <p:txBody>
-          <a:bodyPr wrap="square" rtlCol="0">
-            <a:spAutoFit/>
-          </a:bodyPr>
-          <a:lstStyle/>
-          <a:p>
-            <a:r>
-              <a:rPr lang="en-US" altLang="ko-KR" dirty="0"/>
-              <a:t>Today</a:t>
-            </a:r>
-            <a:endParaRPr lang="ko-KR" altLang="en-US" dirty="0"/>
-          </a:p>
-        </p:txBody>
-      </p:sp>
-      <p:sp>
-        <p:nvSpPr>
-          <p:cNvPr id="28" name="직사각형 27">
-            <a:extLst>
-              <a:ext uri="{FF2B5EF4-FFF2-40B4-BE49-F238E27FC236}">
-                <a16:creationId xmlns:a16="http://schemas.microsoft.com/office/drawing/2014/main" id="{CB4546D9-6534-4148-B29A-B62CD4180CCA}"/>
-              </a:ext>
-            </a:extLst>
-          </p:cNvPr>
-          <p:cNvSpPr/>
-          <p:nvPr/>
-        </p:nvSpPr>
-        <p:spPr>
-          <a:xfrm>
-            <a:off x="2199778" y="924982"/>
-            <a:ext cx="4082783" cy="5059231"/>
-          </a:xfrm>
-          <a:prstGeom prst="rect">
-            <a:avLst/>
-          </a:prstGeom>
-          <a:solidFill>
-            <a:schemeClr val="bg1">
-              <a:alpha val="90000"/>
-            </a:schemeClr>
-          </a:solidFill>
-          <a:ln w="25400">
-            <a:solidFill>
-              <a:schemeClr val="tx1"/>
-            </a:solidFill>
-          </a:ln>
-        </p:spPr>
-        <p:style>
-          <a:lnRef idx="2">
-            <a:schemeClr val="accent1">
-              <a:shade val="50000"/>
-            </a:schemeClr>
-          </a:lnRef>
-          <a:fillRef idx="1">
-            <a:schemeClr val="accent1"/>
-          </a:fillRef>
-          <a:effectRef idx="0">
-            <a:schemeClr val="accent1"/>
-          </a:effectRef>
-          <a:fontRef idx="minor">
-            <a:schemeClr val="lt1"/>
-          </a:fontRef>
-        </p:style>
-        <p:txBody>
-          <a:bodyPr rtlCol="0" anchor="ctr"/>
-          <a:lstStyle/>
-          <a:p>
-            <a:pPr algn="ctr"/>
-            <a:endParaRPr lang="ko-KR" altLang="en-US"/>
-          </a:p>
-        </p:txBody>
-      </p:sp>
-      <p:cxnSp>
-        <p:nvCxnSpPr>
-          <p:cNvPr id="29" name="직선 연결선 28">
-            <a:extLst>
-              <a:ext uri="{FF2B5EF4-FFF2-40B4-BE49-F238E27FC236}">
-                <a16:creationId xmlns:a16="http://schemas.microsoft.com/office/drawing/2014/main" id="{A2AEA854-9D04-4AE0-B673-70D8CE54D28D}"/>
-              </a:ext>
-            </a:extLst>
-          </p:cNvPr>
-          <p:cNvCxnSpPr>
-            <a:cxnSpLocks/>
-          </p:cNvCxnSpPr>
-          <p:nvPr/>
-        </p:nvCxnSpPr>
-        <p:spPr>
-          <a:xfrm>
-            <a:off x="6582879" y="5295889"/>
-            <a:ext cx="3143076" cy="0"/>
-          </a:xfrm>
-          <a:prstGeom prst="line">
-            <a:avLst/>
-          </a:prstGeom>
-          <a:ln w="15875">
-            <a:solidFill>
-              <a:schemeClr val="tx1"/>
-            </a:solidFill>
-          </a:ln>
-        </p:spPr>
-        <p:style>
-          <a:lnRef idx="1">
-            <a:schemeClr val="accent1"/>
-          </a:lnRef>
-          <a:fillRef idx="0">
-            <a:schemeClr val="accent1"/>
-          </a:fillRef>
-          <a:effectRef idx="0">
-            <a:schemeClr val="accent1"/>
-          </a:effectRef>
-          <a:fontRef idx="minor">
-            <a:schemeClr val="tx1"/>
-          </a:fontRef>
-        </p:style>
-      </p:cxnSp>
-      <p:sp>
-        <p:nvSpPr>
-          <p:cNvPr id="30" name="TextBox 29">
-            <a:extLst>
-              <a:ext uri="{FF2B5EF4-FFF2-40B4-BE49-F238E27FC236}">
-                <a16:creationId xmlns:a16="http://schemas.microsoft.com/office/drawing/2014/main" id="{D6CF3E83-981C-41EC-8927-1748F7E4804A}"/>
-              </a:ext>
-            </a:extLst>
-          </p:cNvPr>
-          <p:cNvSpPr txBox="1"/>
-          <p:nvPr/>
-        </p:nvSpPr>
-        <p:spPr>
-          <a:xfrm>
-            <a:off x="8897412" y="5542427"/>
-            <a:ext cx="1282012" cy="461665"/>
-          </a:xfrm>
-          <a:prstGeom prst="rect">
-            <a:avLst/>
-          </a:prstGeom>
-          <a:noFill/>
-        </p:spPr>
-        <p:txBody>
-          <a:bodyPr wrap="square" rtlCol="0">
-            <a:spAutoFit/>
-          </a:bodyPr>
-          <a:lstStyle/>
-          <a:p>
-            <a:r>
-              <a:rPr lang="ko-KR" altLang="en-US" sz="1200" dirty="0"/>
-              <a:t>메시지</a:t>
-            </a:r>
-            <a:endParaRPr lang="en-US" altLang="ko-KR" sz="1200" dirty="0"/>
-          </a:p>
-          <a:p>
-            <a:r>
-              <a:rPr lang="ko-KR" altLang="en-US" sz="1200" dirty="0"/>
-              <a:t>전송</a:t>
-            </a:r>
-          </a:p>
-        </p:txBody>
-      </p:sp>
-      <p:pic>
-        <p:nvPicPr>
-          <p:cNvPr id="13" name="그림 12">
-            <a:extLst>
-              <a:ext uri="{FF2B5EF4-FFF2-40B4-BE49-F238E27FC236}">
-                <a16:creationId xmlns:a16="http://schemas.microsoft.com/office/drawing/2014/main" id="{4A1D2CB4-A6F2-4E11-ABDD-3529150C47A7}"/>
-              </a:ext>
-            </a:extLst>
-          </p:cNvPr>
-          <p:cNvPicPr>
-            <a:picLocks noChangeAspect="1"/>
-          </p:cNvPicPr>
-          <p:nvPr/>
-        </p:nvPicPr>
-        <p:blipFill>
-          <a:blip r:embed="rId2"/>
-          <a:stretch>
-            <a:fillRect/>
-          </a:stretch>
-        </p:blipFill>
-        <p:spPr>
-          <a:xfrm>
-            <a:off x="2224150" y="934998"/>
-            <a:ext cx="4013356" cy="5049215"/>
-          </a:xfrm>
-          <a:prstGeom prst="rect">
-            <a:avLst/>
-          </a:prstGeom>
-        </p:spPr>
-      </p:pic>
-      <p:sp>
-        <p:nvSpPr>
-          <p:cNvPr id="31" name="TextBox 30">
-            <a:extLst>
-              <a:ext uri="{FF2B5EF4-FFF2-40B4-BE49-F238E27FC236}">
-                <a16:creationId xmlns:a16="http://schemas.microsoft.com/office/drawing/2014/main" id="{7ED55BE8-00F0-4A77-B027-8248B6A790E3}"/>
-              </a:ext>
-            </a:extLst>
-          </p:cNvPr>
-          <p:cNvSpPr txBox="1"/>
-          <p:nvPr/>
-        </p:nvSpPr>
-        <p:spPr>
-          <a:xfrm>
-            <a:off x="2278985" y="4671403"/>
-            <a:ext cx="453462" cy="646331"/>
-          </a:xfrm>
-          <a:prstGeom prst="rect">
-            <a:avLst/>
-          </a:prstGeom>
-          <a:noFill/>
-        </p:spPr>
-        <p:txBody>
-          <a:bodyPr wrap="square" rtlCol="0">
-            <a:spAutoFit/>
-          </a:bodyPr>
-          <a:lstStyle/>
-          <a:p>
-            <a:r>
-              <a:rPr lang="en-US" altLang="ko-KR" sz="1200" dirty="0"/>
-              <a:t>14</a:t>
-            </a:r>
-          </a:p>
-          <a:p>
-            <a:endParaRPr lang="en-US" altLang="ko-KR" sz="1200" dirty="0"/>
-          </a:p>
-          <a:p>
-            <a:r>
-              <a:rPr lang="en-US" altLang="ko-KR" sz="1200" dirty="0"/>
-              <a:t>20</a:t>
-            </a:r>
-            <a:endParaRPr lang="ko-KR" altLang="en-US" sz="1200" dirty="0"/>
-          </a:p>
-        </p:txBody>
-      </p:sp>
-      <p:sp>
-        <p:nvSpPr>
-          <p:cNvPr id="14" name="타원 13">
-            <a:extLst>
-              <a:ext uri="{FF2B5EF4-FFF2-40B4-BE49-F238E27FC236}">
-                <a16:creationId xmlns:a16="http://schemas.microsoft.com/office/drawing/2014/main" id="{87836D90-2A5B-4498-9109-AAFA93A8E8FC}"/>
-              </a:ext>
-            </a:extLst>
-          </p:cNvPr>
-          <p:cNvSpPr/>
-          <p:nvPr/>
-        </p:nvSpPr>
-        <p:spPr>
-          <a:xfrm>
-            <a:off x="6673124" y="5691816"/>
-            <a:ext cx="148543" cy="124612"/>
-          </a:xfrm>
-          <a:prstGeom prst="ellipse">
-            <a:avLst/>
-          </a:prstGeom>
-        </p:spPr>
-        <p:style>
-          <a:lnRef idx="2">
-            <a:schemeClr val="accent1">
-              <a:shade val="50000"/>
-            </a:schemeClr>
-          </a:lnRef>
-          <a:fillRef idx="1">
-            <a:schemeClr val="accent1"/>
-          </a:fillRef>
-          <a:effectRef idx="0">
-            <a:schemeClr val="accent1"/>
-          </a:effectRef>
-          <a:fontRef idx="minor">
-            <a:schemeClr val="lt1"/>
-          </a:fontRef>
-        </p:style>
-        <p:txBody>
-          <a:bodyPr rtlCol="0" anchor="ctr"/>
-          <a:lstStyle/>
-          <a:p>
-            <a:pPr algn="ctr"/>
-            <a:endParaRPr lang="ko-KR" altLang="en-US"/>
-          </a:p>
-        </p:txBody>
-      </p:sp>
-      <p:cxnSp>
-        <p:nvCxnSpPr>
-          <p:cNvPr id="32" name="직선 연결선 31">
-            <a:extLst>
-              <a:ext uri="{FF2B5EF4-FFF2-40B4-BE49-F238E27FC236}">
-                <a16:creationId xmlns:a16="http://schemas.microsoft.com/office/drawing/2014/main" id="{287DA478-D349-4003-9E4E-701210000E40}"/>
-              </a:ext>
-            </a:extLst>
-          </p:cNvPr>
-          <p:cNvCxnSpPr>
-            <a:cxnSpLocks/>
-          </p:cNvCxnSpPr>
-          <p:nvPr/>
-        </p:nvCxnSpPr>
-        <p:spPr>
-          <a:xfrm>
-            <a:off x="6747395" y="5761857"/>
-            <a:ext cx="285001" cy="0"/>
-          </a:xfrm>
-          <a:prstGeom prst="line">
-            <a:avLst/>
-          </a:prstGeom>
-          <a:ln w="15875">
-            <a:solidFill>
-              <a:schemeClr val="tx1"/>
-            </a:solidFill>
-          </a:ln>
-        </p:spPr>
-        <p:style>
-          <a:lnRef idx="1">
-            <a:schemeClr val="accent1"/>
-          </a:lnRef>
-          <a:fillRef idx="0">
-            <a:schemeClr val="accent1"/>
-          </a:fillRef>
-          <a:effectRef idx="0">
-            <a:schemeClr val="accent1"/>
-          </a:effectRef>
-          <a:fontRef idx="minor">
-            <a:schemeClr val="tx1"/>
-          </a:fontRef>
-        </p:style>
-      </p:cxnSp>
-      <p:sp>
-        <p:nvSpPr>
-          <p:cNvPr id="34" name="TextBox 33">
-            <a:extLst>
-              <a:ext uri="{FF2B5EF4-FFF2-40B4-BE49-F238E27FC236}">
-                <a16:creationId xmlns:a16="http://schemas.microsoft.com/office/drawing/2014/main" id="{EFC76FEF-D9D0-469E-BD4E-5F299EBFB848}"/>
-              </a:ext>
-            </a:extLst>
-          </p:cNvPr>
-          <p:cNvSpPr txBox="1"/>
-          <p:nvPr/>
-        </p:nvSpPr>
-        <p:spPr>
-          <a:xfrm>
-            <a:off x="6696159" y="1371156"/>
-            <a:ext cx="1703123" cy="369332"/>
-          </a:xfrm>
-          <a:prstGeom prst="rect">
-            <a:avLst/>
-          </a:prstGeom>
-          <a:noFill/>
-        </p:spPr>
-        <p:txBody>
-          <a:bodyPr wrap="square" rtlCol="0">
-            <a:spAutoFit/>
-          </a:bodyPr>
-          <a:lstStyle/>
-          <a:p>
-            <a:r>
-              <a:rPr lang="ko-KR" altLang="en-US" dirty="0"/>
-              <a:t>패티 </a:t>
-            </a:r>
-            <a:r>
-              <a:rPr lang="ko-KR" altLang="en-US" dirty="0" err="1"/>
-              <a:t>상해떠요</a:t>
-            </a:r>
-            <a:endParaRPr lang="ko-KR" altLang="en-US" dirty="0"/>
-          </a:p>
-        </p:txBody>
-      </p:sp>
-      <p:sp>
-        <p:nvSpPr>
-          <p:cNvPr id="35" name="TextBox 34">
-            <a:extLst>
-              <a:ext uri="{FF2B5EF4-FFF2-40B4-BE49-F238E27FC236}">
-                <a16:creationId xmlns:a16="http://schemas.microsoft.com/office/drawing/2014/main" id="{902C0F1D-FB67-4DC7-B337-788F08E2AFCA}"/>
-              </a:ext>
-            </a:extLst>
-          </p:cNvPr>
-          <p:cNvSpPr txBox="1"/>
-          <p:nvPr/>
-        </p:nvSpPr>
-        <p:spPr>
-          <a:xfrm>
-            <a:off x="7603201" y="4814061"/>
-            <a:ext cx="2058221" cy="369332"/>
-          </a:xfrm>
-          <a:prstGeom prst="rect">
-            <a:avLst/>
-          </a:prstGeom>
-          <a:noFill/>
-        </p:spPr>
-        <p:txBody>
-          <a:bodyPr wrap="square" rtlCol="0">
-            <a:spAutoFit/>
-          </a:bodyPr>
-          <a:lstStyle/>
-          <a:p>
-            <a:r>
-              <a:rPr lang="ko-KR" altLang="en-US" dirty="0"/>
-              <a:t>박세연</a:t>
-            </a:r>
-            <a:r>
-              <a:rPr lang="en-US" altLang="ko-KR" dirty="0"/>
-              <a:t>, 12</a:t>
-            </a:r>
-            <a:r>
-              <a:rPr lang="ko-KR" altLang="en-US" dirty="0"/>
-              <a:t>월 </a:t>
-            </a:r>
-            <a:r>
-              <a:rPr lang="en-US" altLang="ko-KR" dirty="0"/>
-              <a:t>25</a:t>
-            </a:r>
-            <a:r>
-              <a:rPr lang="ko-KR" altLang="en-US" dirty="0"/>
-              <a:t>일</a:t>
-            </a:r>
-          </a:p>
-        </p:txBody>
-      </p:sp>
-      <p:sp>
-        <p:nvSpPr>
-          <p:cNvPr id="36" name="TextBox 35">
-            <a:extLst>
-              <a:ext uri="{FF2B5EF4-FFF2-40B4-BE49-F238E27FC236}">
-                <a16:creationId xmlns:a16="http://schemas.microsoft.com/office/drawing/2014/main" id="{03270624-FF8D-48DE-AE2F-704F30CA94ED}"/>
-              </a:ext>
-            </a:extLst>
-          </p:cNvPr>
-          <p:cNvSpPr txBox="1"/>
-          <p:nvPr/>
-        </p:nvSpPr>
-        <p:spPr>
-          <a:xfrm>
-            <a:off x="7982606" y="4363756"/>
-            <a:ext cx="1678815" cy="369332"/>
-          </a:xfrm>
-          <a:prstGeom prst="rect">
-            <a:avLst/>
-          </a:prstGeom>
-          <a:noFill/>
-        </p:spPr>
-        <p:txBody>
-          <a:bodyPr wrap="square" rtlCol="0">
-            <a:spAutoFit/>
-          </a:bodyPr>
-          <a:lstStyle/>
-          <a:p>
-            <a:r>
-              <a:rPr lang="ko-KR" altLang="en-US" dirty="0"/>
-              <a:t>패티 </a:t>
-            </a:r>
-            <a:r>
-              <a:rPr lang="en-US" altLang="ko-KR" dirty="0"/>
-              <a:t>2</a:t>
-            </a:r>
-            <a:r>
-              <a:rPr lang="ko-KR" altLang="en-US" dirty="0"/>
-              <a:t>개 남음</a:t>
-            </a:r>
-          </a:p>
-        </p:txBody>
-      </p:sp>
     </p:spTree>
     <p:extLst>
       <p:ext uri="{BB962C8B-B14F-4D97-AF65-F5344CB8AC3E}">
-        <p14:creationId xmlns:p14="http://schemas.microsoft.com/office/powerpoint/2010/main" val="3703999865"/>
-      </p:ext>
-    </p:extLst>
-  </p:cSld>
-  <p:clrMapOvr>
-    <a:masterClrMapping/>
-  </p:clrMapOvr>
-</p:sld>
-</file>
-
-<file path=ppt/slides/slide9.xml><?xml version="1.0" encoding="utf-8"?>
-<p:sld xmlns:a="http://schemas.openxmlformats.org/drawingml/2006/main" xmlns:r="http://schemas.openxmlformats.org/officeDocument/2006/relationships" xmlns:p="http://schemas.openxmlformats.org/presentationml/2006/main">
-  <p:cSld>
-    <p:spTree>
-      <p:nvGrpSpPr>
-        <p:cNvPr id="1" name=""/>
-        <p:cNvGrpSpPr/>
-        <p:nvPr/>
-      </p:nvGrpSpPr>
-      <p:grpSpPr>
-        <a:xfrm>
-          <a:off x="0" y="0"/>
-          <a:ext cx="0" cy="0"/>
-          <a:chOff x="0" y="0"/>
-          <a:chExt cx="0" cy="0"/>
-        </a:xfrm>
-      </p:grpSpPr>
-      <p:sp>
-        <p:nvSpPr>
-          <p:cNvPr id="18" name="직사각형 17">
-            <a:extLst>
-              <a:ext uri="{FF2B5EF4-FFF2-40B4-BE49-F238E27FC236}">
-                <a16:creationId xmlns:a16="http://schemas.microsoft.com/office/drawing/2014/main" id="{CDC4EE87-45EC-40D8-A336-E667EDAC60CC}"/>
-              </a:ext>
-            </a:extLst>
-          </p:cNvPr>
-          <p:cNvSpPr/>
-          <p:nvPr/>
-        </p:nvSpPr>
-        <p:spPr>
-          <a:xfrm>
-            <a:off x="1219200" y="690282"/>
-            <a:ext cx="8910918" cy="5549153"/>
-          </a:xfrm>
-          <a:prstGeom prst="rect">
-            <a:avLst/>
-          </a:prstGeom>
-          <a:noFill/>
-          <a:ln w="28575">
-            <a:solidFill>
-              <a:schemeClr val="tx1"/>
-            </a:solidFill>
-          </a:ln>
-        </p:spPr>
-        <p:style>
-          <a:lnRef idx="2">
-            <a:schemeClr val="accent1">
-              <a:shade val="50000"/>
-            </a:schemeClr>
-          </a:lnRef>
-          <a:fillRef idx="1">
-            <a:schemeClr val="accent1"/>
-          </a:fillRef>
-          <a:effectRef idx="0">
-            <a:schemeClr val="accent1"/>
-          </a:effectRef>
-          <a:fontRef idx="minor">
-            <a:schemeClr val="lt1"/>
-          </a:fontRef>
-        </p:style>
-        <p:txBody>
-          <a:bodyPr rtlCol="0" anchor="ctr"/>
-          <a:lstStyle/>
-          <a:p>
-            <a:pPr algn="ctr"/>
-            <a:endParaRPr lang="ko-KR" altLang="en-US"/>
-          </a:p>
-        </p:txBody>
-      </p:sp>
-      <p:cxnSp>
-        <p:nvCxnSpPr>
-          <p:cNvPr id="20" name="직선 연결선 19">
-            <a:extLst>
-              <a:ext uri="{FF2B5EF4-FFF2-40B4-BE49-F238E27FC236}">
-                <a16:creationId xmlns:a16="http://schemas.microsoft.com/office/drawing/2014/main" id="{39A883E8-92E7-418B-9DA3-7E96DD63D9F6}"/>
-              </a:ext>
-            </a:extLst>
-          </p:cNvPr>
-          <p:cNvCxnSpPr/>
-          <p:nvPr/>
-        </p:nvCxnSpPr>
-        <p:spPr>
-          <a:xfrm>
-            <a:off x="788894" y="1308847"/>
-            <a:ext cx="9941859" cy="0"/>
-          </a:xfrm>
-          <a:prstGeom prst="line">
-            <a:avLst/>
-          </a:prstGeom>
-        </p:spPr>
-        <p:style>
-          <a:lnRef idx="1">
-            <a:schemeClr val="accent1"/>
-          </a:lnRef>
-          <a:fillRef idx="0">
-            <a:schemeClr val="accent1"/>
-          </a:fillRef>
-          <a:effectRef idx="0">
-            <a:schemeClr val="accent1"/>
-          </a:effectRef>
-          <a:fontRef idx="minor">
-            <a:schemeClr val="tx1"/>
-          </a:fontRef>
-        </p:style>
-      </p:cxnSp>
-      <p:sp>
-        <p:nvSpPr>
-          <p:cNvPr id="21" name="TextBox 20">
-            <a:extLst>
-              <a:ext uri="{FF2B5EF4-FFF2-40B4-BE49-F238E27FC236}">
-                <a16:creationId xmlns:a16="http://schemas.microsoft.com/office/drawing/2014/main" id="{835BF22E-392E-4593-9AE9-C21037E02C83}"/>
-              </a:ext>
-            </a:extLst>
-          </p:cNvPr>
-          <p:cNvSpPr txBox="1"/>
-          <p:nvPr/>
-        </p:nvSpPr>
-        <p:spPr>
-          <a:xfrm>
-            <a:off x="1317812" y="814899"/>
-            <a:ext cx="1210235" cy="369332"/>
-          </a:xfrm>
-          <a:prstGeom prst="rect">
-            <a:avLst/>
-          </a:prstGeom>
-          <a:noFill/>
-        </p:spPr>
-        <p:txBody>
-          <a:bodyPr wrap="square" rtlCol="0">
-            <a:spAutoFit/>
-          </a:bodyPr>
-          <a:lstStyle/>
-          <a:p>
-            <a:r>
-              <a:rPr lang="ko-KR" altLang="en-US" dirty="0"/>
-              <a:t>로고</a:t>
-            </a:r>
-          </a:p>
-        </p:txBody>
-      </p:sp>
-      <p:sp>
-        <p:nvSpPr>
-          <p:cNvPr id="22" name="TextBox 21">
-            <a:extLst>
-              <a:ext uri="{FF2B5EF4-FFF2-40B4-BE49-F238E27FC236}">
-                <a16:creationId xmlns:a16="http://schemas.microsoft.com/office/drawing/2014/main" id="{6FA3F6FA-278D-487B-AD80-72513F607295}"/>
-              </a:ext>
-            </a:extLst>
-          </p:cNvPr>
-          <p:cNvSpPr txBox="1"/>
-          <p:nvPr/>
-        </p:nvSpPr>
-        <p:spPr>
-          <a:xfrm>
-            <a:off x="9018495" y="814899"/>
-            <a:ext cx="1210235" cy="369332"/>
-          </a:xfrm>
-          <a:prstGeom prst="rect">
-            <a:avLst/>
-          </a:prstGeom>
-          <a:noFill/>
-        </p:spPr>
-        <p:txBody>
-          <a:bodyPr wrap="square" rtlCol="0">
-            <a:spAutoFit/>
-          </a:bodyPr>
-          <a:lstStyle/>
-          <a:p>
-            <a:r>
-              <a:rPr lang="ko-KR" altLang="en-US"/>
-              <a:t>로그아웃</a:t>
-            </a:r>
-            <a:endParaRPr lang="ko-KR" altLang="en-US" dirty="0"/>
-          </a:p>
-        </p:txBody>
-      </p:sp>
-      <p:sp>
-        <p:nvSpPr>
-          <p:cNvPr id="23" name="TextBox 22">
-            <a:extLst>
-              <a:ext uri="{FF2B5EF4-FFF2-40B4-BE49-F238E27FC236}">
-                <a16:creationId xmlns:a16="http://schemas.microsoft.com/office/drawing/2014/main" id="{685E19D2-0364-421F-97EF-D152706AAA4E}"/>
-              </a:ext>
-            </a:extLst>
-          </p:cNvPr>
-          <p:cNvSpPr txBox="1"/>
-          <p:nvPr/>
-        </p:nvSpPr>
-        <p:spPr>
-          <a:xfrm>
-            <a:off x="515469" y="288667"/>
-            <a:ext cx="2102224" cy="276999"/>
-          </a:xfrm>
-          <a:prstGeom prst="rect">
-            <a:avLst/>
-          </a:prstGeom>
-          <a:noFill/>
-        </p:spPr>
-        <p:txBody>
-          <a:bodyPr wrap="square" rtlCol="0">
-            <a:spAutoFit/>
-          </a:bodyPr>
-          <a:lstStyle/>
-          <a:p>
-            <a:r>
-              <a:rPr lang="ko-KR" altLang="en-US" sz="1200" dirty="0" err="1"/>
-              <a:t>클릭시</a:t>
-            </a:r>
-            <a:r>
-              <a:rPr lang="ko-KR" altLang="en-US" sz="1200" dirty="0"/>
-              <a:t> </a:t>
-            </a:r>
-            <a:r>
-              <a:rPr lang="ko-KR" altLang="en-US" sz="1200" dirty="0" err="1"/>
-              <a:t>메인페이지</a:t>
-            </a:r>
-            <a:endParaRPr lang="ko-KR" altLang="en-US" sz="1200" dirty="0"/>
-          </a:p>
-        </p:txBody>
-      </p:sp>
-      <p:sp>
-        <p:nvSpPr>
-          <p:cNvPr id="25" name="TextBox 24">
-            <a:extLst>
-              <a:ext uri="{FF2B5EF4-FFF2-40B4-BE49-F238E27FC236}">
-                <a16:creationId xmlns:a16="http://schemas.microsoft.com/office/drawing/2014/main" id="{AE36873D-8C1A-49AF-B6C4-523BFCBCAA80}"/>
-              </a:ext>
-            </a:extLst>
-          </p:cNvPr>
-          <p:cNvSpPr txBox="1"/>
-          <p:nvPr/>
-        </p:nvSpPr>
-        <p:spPr>
-          <a:xfrm>
-            <a:off x="4471147" y="212476"/>
-            <a:ext cx="2102224" cy="276999"/>
-          </a:xfrm>
-          <a:prstGeom prst="rect">
-            <a:avLst/>
-          </a:prstGeom>
-          <a:noFill/>
-        </p:spPr>
-        <p:txBody>
-          <a:bodyPr wrap="square" rtlCol="0">
-            <a:spAutoFit/>
-          </a:bodyPr>
-          <a:lstStyle/>
-          <a:p>
-            <a:pPr algn="ctr"/>
-            <a:r>
-              <a:rPr lang="en-US" altLang="ko-KR" sz="1200" dirty="0"/>
-              <a:t>&lt;</a:t>
-            </a:r>
-            <a:r>
-              <a:rPr lang="ko-KR" altLang="en-US" sz="1200" dirty="0"/>
-              <a:t>설정</a:t>
-            </a:r>
-            <a:r>
-              <a:rPr lang="en-US" altLang="ko-KR" sz="1200" dirty="0"/>
-              <a:t>&gt;</a:t>
-            </a:r>
-            <a:endParaRPr lang="ko-KR" altLang="en-US" sz="1200" dirty="0"/>
-          </a:p>
-        </p:txBody>
-      </p:sp>
-      <p:sp>
-        <p:nvSpPr>
-          <p:cNvPr id="4" name="별: 꼭짓점 6개 3">
-            <a:extLst>
-              <a:ext uri="{FF2B5EF4-FFF2-40B4-BE49-F238E27FC236}">
-                <a16:creationId xmlns:a16="http://schemas.microsoft.com/office/drawing/2014/main" id="{E7324D8D-C143-47EB-AB80-1C8E2D23B9E2}"/>
-              </a:ext>
-            </a:extLst>
-          </p:cNvPr>
-          <p:cNvSpPr/>
-          <p:nvPr/>
-        </p:nvSpPr>
-        <p:spPr>
-          <a:xfrm>
-            <a:off x="7969624" y="744515"/>
-            <a:ext cx="1048871" cy="447346"/>
-          </a:xfrm>
-          <a:prstGeom prst="star6">
-            <a:avLst/>
-          </a:prstGeom>
-        </p:spPr>
-        <p:style>
-          <a:lnRef idx="2">
-            <a:schemeClr val="accent1">
-              <a:shade val="50000"/>
-            </a:schemeClr>
-          </a:lnRef>
-          <a:fillRef idx="1">
-            <a:schemeClr val="accent1"/>
-          </a:fillRef>
-          <a:effectRef idx="0">
-            <a:schemeClr val="accent1"/>
-          </a:effectRef>
-          <a:fontRef idx="minor">
-            <a:schemeClr val="lt1"/>
-          </a:fontRef>
-        </p:style>
-        <p:txBody>
-          <a:bodyPr rtlCol="0" anchor="ctr"/>
-          <a:lstStyle/>
-          <a:p>
-            <a:pPr algn="ctr"/>
-            <a:r>
-              <a:rPr lang="ko-KR" altLang="en-US" dirty="0"/>
-              <a:t>설정</a:t>
-            </a:r>
-          </a:p>
-        </p:txBody>
-      </p:sp>
-      <p:sp>
-        <p:nvSpPr>
-          <p:cNvPr id="14" name="TextBox 13">
-            <a:extLst>
-              <a:ext uri="{FF2B5EF4-FFF2-40B4-BE49-F238E27FC236}">
-                <a16:creationId xmlns:a16="http://schemas.microsoft.com/office/drawing/2014/main" id="{F50D7196-9583-42DE-9A3B-10097E10367B}"/>
-              </a:ext>
-            </a:extLst>
-          </p:cNvPr>
-          <p:cNvSpPr txBox="1"/>
-          <p:nvPr/>
-        </p:nvSpPr>
-        <p:spPr>
-          <a:xfrm>
-            <a:off x="1317812" y="3792208"/>
-            <a:ext cx="1210235" cy="369332"/>
-          </a:xfrm>
-          <a:prstGeom prst="rect">
-            <a:avLst/>
-          </a:prstGeom>
-          <a:noFill/>
-        </p:spPr>
-        <p:txBody>
-          <a:bodyPr wrap="square" rtlCol="0">
-            <a:spAutoFit/>
-          </a:bodyPr>
-          <a:lstStyle/>
-          <a:p>
-            <a:r>
-              <a:rPr lang="ko-KR" altLang="en-US" dirty="0"/>
-              <a:t>사용자</a:t>
-            </a:r>
-          </a:p>
-        </p:txBody>
-      </p:sp>
-      <p:cxnSp>
-        <p:nvCxnSpPr>
-          <p:cNvPr id="17" name="직선 연결선 16">
-            <a:extLst>
-              <a:ext uri="{FF2B5EF4-FFF2-40B4-BE49-F238E27FC236}">
-                <a16:creationId xmlns:a16="http://schemas.microsoft.com/office/drawing/2014/main" id="{0B6BF562-7D1E-4CA6-BC75-2B2793FCF1C0}"/>
-              </a:ext>
-            </a:extLst>
-          </p:cNvPr>
-          <p:cNvCxnSpPr>
-            <a:cxnSpLocks/>
-          </p:cNvCxnSpPr>
-          <p:nvPr/>
-        </p:nvCxnSpPr>
-        <p:spPr>
-          <a:xfrm>
-            <a:off x="1317812" y="4161540"/>
-            <a:ext cx="912737" cy="0"/>
-          </a:xfrm>
-          <a:prstGeom prst="line">
-            <a:avLst/>
-          </a:prstGeom>
-          <a:ln w="22225">
-            <a:solidFill>
-              <a:schemeClr val="bg1">
-                <a:lumMod val="65000"/>
-              </a:schemeClr>
-            </a:solidFill>
-          </a:ln>
-        </p:spPr>
-        <p:style>
-          <a:lnRef idx="1">
-            <a:schemeClr val="accent1"/>
-          </a:lnRef>
-          <a:fillRef idx="0">
-            <a:schemeClr val="accent1"/>
-          </a:fillRef>
-          <a:effectRef idx="0">
-            <a:schemeClr val="accent1"/>
-          </a:effectRef>
-          <a:fontRef idx="minor">
-            <a:schemeClr val="tx1"/>
-          </a:fontRef>
-        </p:style>
-      </p:cxnSp>
-      <p:pic>
-        <p:nvPicPr>
-          <p:cNvPr id="13" name="그림 12">
-            <a:extLst>
-              <a:ext uri="{FF2B5EF4-FFF2-40B4-BE49-F238E27FC236}">
-                <a16:creationId xmlns:a16="http://schemas.microsoft.com/office/drawing/2014/main" id="{40F5C781-63EB-4EC1-A371-4B5D64381C72}"/>
-              </a:ext>
-            </a:extLst>
-          </p:cNvPr>
-          <p:cNvPicPr>
-            <a:picLocks noChangeAspect="1"/>
-          </p:cNvPicPr>
-          <p:nvPr/>
-        </p:nvPicPr>
-        <p:blipFill>
-          <a:blip r:embed="rId2"/>
-          <a:stretch>
-            <a:fillRect/>
-          </a:stretch>
-        </p:blipFill>
-        <p:spPr>
-          <a:xfrm>
-            <a:off x="1299051" y="1417244"/>
-            <a:ext cx="8751216" cy="2250348"/>
-          </a:xfrm>
-          <a:prstGeom prst="rect">
-            <a:avLst/>
-          </a:prstGeom>
-        </p:spPr>
-      </p:pic>
-      <p:sp>
-        <p:nvSpPr>
-          <p:cNvPr id="24" name="TextBox 23">
-            <a:extLst>
-              <a:ext uri="{FF2B5EF4-FFF2-40B4-BE49-F238E27FC236}">
-                <a16:creationId xmlns:a16="http://schemas.microsoft.com/office/drawing/2014/main" id="{98E603B8-DF96-484F-A5C4-651564A9A69D}"/>
-              </a:ext>
-            </a:extLst>
-          </p:cNvPr>
-          <p:cNvSpPr txBox="1"/>
-          <p:nvPr/>
-        </p:nvSpPr>
-        <p:spPr>
-          <a:xfrm>
-            <a:off x="2208622" y="4348824"/>
-            <a:ext cx="4364749" cy="1200329"/>
-          </a:xfrm>
-          <a:prstGeom prst="rect">
-            <a:avLst/>
-          </a:prstGeom>
-          <a:noFill/>
-        </p:spPr>
-        <p:txBody>
-          <a:bodyPr wrap="square" rtlCol="0">
-            <a:spAutoFit/>
-          </a:bodyPr>
-          <a:lstStyle/>
-          <a:p>
-            <a:r>
-              <a:rPr lang="en-US" altLang="ko-KR" dirty="0"/>
-              <a:t>(</a:t>
-            </a:r>
-            <a:r>
-              <a:rPr lang="ko-KR" altLang="en-US" dirty="0"/>
-              <a:t>관리자</a:t>
-            </a:r>
-            <a:r>
-              <a:rPr lang="en-US" altLang="ko-KR" dirty="0"/>
-              <a:t>) : </a:t>
-            </a:r>
-            <a:r>
-              <a:rPr lang="ko-KR" altLang="en-US" dirty="0"/>
-              <a:t>프로젝트 관리 </a:t>
-            </a:r>
-            <a:r>
-              <a:rPr lang="en-US" altLang="ko-KR" dirty="0"/>
-              <a:t>(</a:t>
-            </a:r>
-            <a:r>
-              <a:rPr lang="ko-KR" altLang="en-US" dirty="0"/>
-              <a:t>단 인원 </a:t>
-            </a:r>
-            <a:r>
-              <a:rPr lang="en-US" altLang="ko-KR" dirty="0"/>
-              <a:t>0</a:t>
-            </a:r>
-            <a:r>
-              <a:rPr lang="ko-KR" altLang="en-US" dirty="0"/>
-              <a:t>명</a:t>
-            </a:r>
-            <a:r>
-              <a:rPr lang="en-US" altLang="ko-KR" dirty="0"/>
-              <a:t>)</a:t>
-            </a:r>
-          </a:p>
-          <a:p>
-            <a:r>
-              <a:rPr lang="en-US" altLang="ko-KR" dirty="0"/>
-              <a:t>(</a:t>
-            </a:r>
-            <a:r>
-              <a:rPr lang="ko-KR" altLang="en-US" dirty="0"/>
-              <a:t>관리자</a:t>
-            </a:r>
-            <a:r>
-              <a:rPr lang="en-US" altLang="ko-KR" dirty="0"/>
-              <a:t>) : </a:t>
-            </a:r>
-            <a:r>
-              <a:rPr lang="ko-KR" altLang="en-US" dirty="0"/>
-              <a:t>관리자 변경</a:t>
-            </a:r>
-            <a:endParaRPr lang="en-US" altLang="ko-KR" dirty="0"/>
-          </a:p>
-          <a:p>
-            <a:r>
-              <a:rPr lang="ko-KR" altLang="en-US" dirty="0"/>
-              <a:t>프로젝트 나가기</a:t>
-            </a:r>
-            <a:endParaRPr lang="en-US" altLang="ko-KR" dirty="0"/>
-          </a:p>
-          <a:p>
-            <a:endParaRPr lang="ko-KR" altLang="en-US" dirty="0"/>
-          </a:p>
-        </p:txBody>
-      </p:sp>
-    </p:spTree>
-    <p:extLst>
-      <p:ext uri="{BB962C8B-B14F-4D97-AF65-F5344CB8AC3E}">
-        <p14:creationId xmlns:p14="http://schemas.microsoft.com/office/powerpoint/2010/main" val="2521895517"/>
+        <p14:creationId xmlns:p14="http://schemas.microsoft.com/office/powerpoint/2010/main" val="3590941797"/>
       </p:ext>
     </p:extLst>
   </p:cSld>

--- a/화면.pptx
+++ b/화면.pptx
@@ -271,7 +271,7 @@
           <a:p>
             <a:fld id="{F6302888-3A84-4727-8EFF-7D36D2377E23}" type="datetimeFigureOut">
               <a:rPr lang="ko-KR" altLang="en-US" smtClean="0"/>
-              <a:t>2022-01-04</a:t>
+              <a:t>2022-01-11</a:t>
             </a:fld>
             <a:endParaRPr lang="ko-KR" altLang="en-US"/>
           </a:p>
@@ -469,7 +469,7 @@
           <a:p>
             <a:fld id="{F6302888-3A84-4727-8EFF-7D36D2377E23}" type="datetimeFigureOut">
               <a:rPr lang="ko-KR" altLang="en-US" smtClean="0"/>
-              <a:t>2022-01-04</a:t>
+              <a:t>2022-01-11</a:t>
             </a:fld>
             <a:endParaRPr lang="ko-KR" altLang="en-US"/>
           </a:p>
@@ -677,7 +677,7 @@
           <a:p>
             <a:fld id="{F6302888-3A84-4727-8EFF-7D36D2377E23}" type="datetimeFigureOut">
               <a:rPr lang="ko-KR" altLang="en-US" smtClean="0"/>
-              <a:t>2022-01-04</a:t>
+              <a:t>2022-01-11</a:t>
             </a:fld>
             <a:endParaRPr lang="ko-KR" altLang="en-US"/>
           </a:p>
@@ -875,7 +875,7 @@
           <a:p>
             <a:fld id="{F6302888-3A84-4727-8EFF-7D36D2377E23}" type="datetimeFigureOut">
               <a:rPr lang="ko-KR" altLang="en-US" smtClean="0"/>
-              <a:t>2022-01-04</a:t>
+              <a:t>2022-01-11</a:t>
             </a:fld>
             <a:endParaRPr lang="ko-KR" altLang="en-US"/>
           </a:p>
@@ -1150,7 +1150,7 @@
           <a:p>
             <a:fld id="{F6302888-3A84-4727-8EFF-7D36D2377E23}" type="datetimeFigureOut">
               <a:rPr lang="ko-KR" altLang="en-US" smtClean="0"/>
-              <a:t>2022-01-04</a:t>
+              <a:t>2022-01-11</a:t>
             </a:fld>
             <a:endParaRPr lang="ko-KR" altLang="en-US"/>
           </a:p>
@@ -1415,7 +1415,7 @@
           <a:p>
             <a:fld id="{F6302888-3A84-4727-8EFF-7D36D2377E23}" type="datetimeFigureOut">
               <a:rPr lang="ko-KR" altLang="en-US" smtClean="0"/>
-              <a:t>2022-01-04</a:t>
+              <a:t>2022-01-11</a:t>
             </a:fld>
             <a:endParaRPr lang="ko-KR" altLang="en-US"/>
           </a:p>
@@ -1827,7 +1827,7 @@
           <a:p>
             <a:fld id="{F6302888-3A84-4727-8EFF-7D36D2377E23}" type="datetimeFigureOut">
               <a:rPr lang="ko-KR" altLang="en-US" smtClean="0"/>
-              <a:t>2022-01-04</a:t>
+              <a:t>2022-01-11</a:t>
             </a:fld>
             <a:endParaRPr lang="ko-KR" altLang="en-US"/>
           </a:p>
@@ -1968,7 +1968,7 @@
           <a:p>
             <a:fld id="{F6302888-3A84-4727-8EFF-7D36D2377E23}" type="datetimeFigureOut">
               <a:rPr lang="ko-KR" altLang="en-US" smtClean="0"/>
-              <a:t>2022-01-04</a:t>
+              <a:t>2022-01-11</a:t>
             </a:fld>
             <a:endParaRPr lang="ko-KR" altLang="en-US"/>
           </a:p>
@@ -2081,7 +2081,7 @@
           <a:p>
             <a:fld id="{F6302888-3A84-4727-8EFF-7D36D2377E23}" type="datetimeFigureOut">
               <a:rPr lang="ko-KR" altLang="en-US" smtClean="0"/>
-              <a:t>2022-01-04</a:t>
+              <a:t>2022-01-11</a:t>
             </a:fld>
             <a:endParaRPr lang="ko-KR" altLang="en-US"/>
           </a:p>
@@ -2392,7 +2392,7 @@
           <a:p>
             <a:fld id="{F6302888-3A84-4727-8EFF-7D36D2377E23}" type="datetimeFigureOut">
               <a:rPr lang="ko-KR" altLang="en-US" smtClean="0"/>
-              <a:t>2022-01-04</a:t>
+              <a:t>2022-01-11</a:t>
             </a:fld>
             <a:endParaRPr lang="ko-KR" altLang="en-US"/>
           </a:p>
@@ -2680,7 +2680,7 @@
           <a:p>
             <a:fld id="{F6302888-3A84-4727-8EFF-7D36D2377E23}" type="datetimeFigureOut">
               <a:rPr lang="ko-KR" altLang="en-US" smtClean="0"/>
-              <a:t>2022-01-04</a:t>
+              <a:t>2022-01-11</a:t>
             </a:fld>
             <a:endParaRPr lang="ko-KR" altLang="en-US"/>
           </a:p>
@@ -2921,7 +2921,7 @@
           <a:p>
             <a:fld id="{F6302888-3A84-4727-8EFF-7D36D2377E23}" type="datetimeFigureOut">
               <a:rPr lang="ko-KR" altLang="en-US" smtClean="0"/>
-              <a:t>2022-01-04</a:t>
+              <a:t>2022-01-11</a:t>
             </a:fld>
             <a:endParaRPr lang="ko-KR" altLang="en-US"/>
           </a:p>
@@ -3625,10 +3625,9 @@
           <a:lstStyle/>
           <a:p>
             <a:r>
-              <a:rPr lang="ko-KR" altLang="en-US"/>
+              <a:rPr lang="ko-KR" altLang="en-US" dirty="0"/>
               <a:t>로고</a:t>
             </a:r>
-            <a:endParaRPr lang="ko-KR" altLang="en-US" dirty="0"/>
           </a:p>
         </p:txBody>
       </p:sp>
@@ -7207,7 +7206,7 @@
         </p:nvSpPr>
         <p:spPr>
           <a:xfrm>
-            <a:off x="4509247" y="1901852"/>
+            <a:off x="4509246" y="1855671"/>
             <a:ext cx="2102224" cy="2585323"/>
           </a:xfrm>
           <a:prstGeom prst="rect">
